--- a/basic_arch.pptx
+++ b/basic_arch.pptx
@@ -5,8 +5,10 @@
     <p:sldMasterId id="2147483648" r:id="rId1"/>
   </p:sldMasterIdLst>
   <p:sldIdLst>
-    <p:sldId id="256" r:id="rId2"/>
-    <p:sldId id="257" r:id="rId3"/>
+    <p:sldId id="258" r:id="rId2"/>
+    <p:sldId id="259" r:id="rId3"/>
+    <p:sldId id="257" r:id="rId4"/>
+    <p:sldId id="256" r:id="rId5"/>
   </p:sldIdLst>
   <p:sldSz cx="12192000" cy="6858000"/>
   <p:notesSz cx="6858000" cy="9144000"/>
@@ -113,275 +115,6 @@
 </p:presentation>
 </file>
 
-<file path=ppt/changesInfos/changesInfo1.xml><?xml version="1.0" encoding="utf-8"?>
-<pc:chgInfo xmlns:a="http://schemas.openxmlformats.org/drawingml/2006/main" xmlns:r="http://schemas.openxmlformats.org/officeDocument/2006/relationships" xmlns:ac="http://schemas.microsoft.com/office/drawing/2013/main/command" xmlns:pc="http://schemas.microsoft.com/office/powerpoint/2013/main/command">
-  <pc:docChgLst>
-    <pc:chgData name="Jia Peng" userId="b48a642a81e97ee2" providerId="LiveId" clId="{D99B340C-8830-416B-963A-AFB7731991E0}"/>
-    <pc:docChg chg="undo custSel addSld modSld">
-      <pc:chgData name="Jia Peng" userId="b48a642a81e97ee2" providerId="LiveId" clId="{D99B340C-8830-416B-963A-AFB7731991E0}" dt="2020-05-29T19:41:54.291" v="760" actId="20577"/>
-      <pc:docMkLst>
-        <pc:docMk/>
-      </pc:docMkLst>
-      <pc:sldChg chg="addSp delSp modSp new mod">
-        <pc:chgData name="Jia Peng" userId="b48a642a81e97ee2" providerId="LiveId" clId="{D99B340C-8830-416B-963A-AFB7731991E0}" dt="2020-05-29T19:41:54.291" v="760" actId="20577"/>
-        <pc:sldMkLst>
-          <pc:docMk/>
-          <pc:sldMk cId="2479402773" sldId="256"/>
-        </pc:sldMkLst>
-        <pc:spChg chg="del">
-          <ac:chgData name="Jia Peng" userId="b48a642a81e97ee2" providerId="LiveId" clId="{D99B340C-8830-416B-963A-AFB7731991E0}" dt="2020-05-29T19:15:23.466" v="1" actId="478"/>
-          <ac:spMkLst>
-            <pc:docMk/>
-            <pc:sldMk cId="2479402773" sldId="256"/>
-            <ac:spMk id="2" creationId="{2243F754-FC5C-43A5-A751-5AAB62EA6725}"/>
-          </ac:spMkLst>
-        </pc:spChg>
-        <pc:spChg chg="del">
-          <ac:chgData name="Jia Peng" userId="b48a642a81e97ee2" providerId="LiveId" clId="{D99B340C-8830-416B-963A-AFB7731991E0}" dt="2020-05-29T19:15:24.142" v="2" actId="478"/>
-          <ac:spMkLst>
-            <pc:docMk/>
-            <pc:sldMk cId="2479402773" sldId="256"/>
-            <ac:spMk id="3" creationId="{2A7E8B1D-BB98-45A6-BD44-CDEFF5445CE2}"/>
-          </ac:spMkLst>
-        </pc:spChg>
-        <pc:spChg chg="add mod">
-          <ac:chgData name="Jia Peng" userId="b48a642a81e97ee2" providerId="LiveId" clId="{D99B340C-8830-416B-963A-AFB7731991E0}" dt="2020-05-29T19:26:02.105" v="362" actId="1076"/>
-          <ac:spMkLst>
-            <pc:docMk/>
-            <pc:sldMk cId="2479402773" sldId="256"/>
-            <ac:spMk id="4" creationId="{6E3B1D73-C760-4219-B9F5-C0970D754F3A}"/>
-          </ac:spMkLst>
-        </pc:spChg>
-        <pc:spChg chg="add mod">
-          <ac:chgData name="Jia Peng" userId="b48a642a81e97ee2" providerId="LiveId" clId="{D99B340C-8830-416B-963A-AFB7731991E0}" dt="2020-05-29T19:37:25.345" v="666"/>
-          <ac:spMkLst>
-            <pc:docMk/>
-            <pc:sldMk cId="2479402773" sldId="256"/>
-            <ac:spMk id="5" creationId="{708555D7-8EF1-4880-89D6-F249F5BBB460}"/>
-          </ac:spMkLst>
-        </pc:spChg>
-        <pc:spChg chg="add mod">
-          <ac:chgData name="Jia Peng" userId="b48a642a81e97ee2" providerId="LiveId" clId="{D99B340C-8830-416B-963A-AFB7731991E0}" dt="2020-05-29T19:37:28.742" v="673"/>
-          <ac:spMkLst>
-            <pc:docMk/>
-            <pc:sldMk cId="2479402773" sldId="256"/>
-            <ac:spMk id="6" creationId="{A031FA76-2E49-4922-8F11-56640C392680}"/>
-          </ac:spMkLst>
-        </pc:spChg>
-        <pc:spChg chg="add mod">
-          <ac:chgData name="Jia Peng" userId="b48a642a81e97ee2" providerId="LiveId" clId="{D99B340C-8830-416B-963A-AFB7731991E0}" dt="2020-05-29T19:26:02.105" v="362" actId="1076"/>
-          <ac:spMkLst>
-            <pc:docMk/>
-            <pc:sldMk cId="2479402773" sldId="256"/>
-            <ac:spMk id="7" creationId="{19D319B5-9ADE-47AA-8FBD-9A9A8AFB50FE}"/>
-          </ac:spMkLst>
-        </pc:spChg>
-        <pc:spChg chg="add del mod">
-          <ac:chgData name="Jia Peng" userId="b48a642a81e97ee2" providerId="LiveId" clId="{D99B340C-8830-416B-963A-AFB7731991E0}" dt="2020-05-29T19:18:16.504" v="138" actId="478"/>
-          <ac:spMkLst>
-            <pc:docMk/>
-            <pc:sldMk cId="2479402773" sldId="256"/>
-            <ac:spMk id="8" creationId="{519BB9E1-49B8-4979-BC56-88D34B253F5A}"/>
-          </ac:spMkLst>
-        </pc:spChg>
-        <pc:spChg chg="add mod">
-          <ac:chgData name="Jia Peng" userId="b48a642a81e97ee2" providerId="LiveId" clId="{D99B340C-8830-416B-963A-AFB7731991E0}" dt="2020-05-29T19:26:02.105" v="362" actId="1076"/>
-          <ac:spMkLst>
-            <pc:docMk/>
-            <pc:sldMk cId="2479402773" sldId="256"/>
-            <ac:spMk id="9" creationId="{93CE051A-FB7E-4628-9C1F-B74E11EA95A5}"/>
-          </ac:spMkLst>
-        </pc:spChg>
-        <pc:spChg chg="add mod">
-          <ac:chgData name="Jia Peng" userId="b48a642a81e97ee2" providerId="LiveId" clId="{D99B340C-8830-416B-963A-AFB7731991E0}" dt="2020-05-29T19:26:02.105" v="362" actId="1076"/>
-          <ac:spMkLst>
-            <pc:docMk/>
-            <pc:sldMk cId="2479402773" sldId="256"/>
-            <ac:spMk id="10" creationId="{FFBEA588-1380-4834-AA4C-829635356248}"/>
-          </ac:spMkLst>
-        </pc:spChg>
-        <pc:spChg chg="add mod">
-          <ac:chgData name="Jia Peng" userId="b48a642a81e97ee2" providerId="LiveId" clId="{D99B340C-8830-416B-963A-AFB7731991E0}" dt="2020-05-29T19:29:52.736" v="433" actId="1076"/>
-          <ac:spMkLst>
-            <pc:docMk/>
-            <pc:sldMk cId="2479402773" sldId="256"/>
-            <ac:spMk id="11" creationId="{83D53A9D-EAFD-4478-9516-BE54D7DF3130}"/>
-          </ac:spMkLst>
-        </pc:spChg>
-        <pc:spChg chg="add mod">
-          <ac:chgData name="Jia Peng" userId="b48a642a81e97ee2" providerId="LiveId" clId="{D99B340C-8830-416B-963A-AFB7731991E0}" dt="2020-05-29T19:33:41.476" v="547" actId="20577"/>
-          <ac:spMkLst>
-            <pc:docMk/>
-            <pc:sldMk cId="2479402773" sldId="256"/>
-            <ac:spMk id="12" creationId="{F24E0B04-7C29-4D86-B1E5-A1D61206DB4C}"/>
-          </ac:spMkLst>
-        </pc:spChg>
-        <pc:spChg chg="add mod">
-          <ac:chgData name="Jia Peng" userId="b48a642a81e97ee2" providerId="LiveId" clId="{D99B340C-8830-416B-963A-AFB7731991E0}" dt="2020-05-29T19:36:10.557" v="622"/>
-          <ac:spMkLst>
-            <pc:docMk/>
-            <pc:sldMk cId="2479402773" sldId="256"/>
-            <ac:spMk id="13" creationId="{7A7E9B6A-55BE-408A-805F-37E88360CC81}"/>
-          </ac:spMkLst>
-        </pc:spChg>
-        <pc:spChg chg="add mod">
-          <ac:chgData name="Jia Peng" userId="b48a642a81e97ee2" providerId="LiveId" clId="{D99B340C-8830-416B-963A-AFB7731991E0}" dt="2020-05-29T19:31:02.373" v="497" actId="1076"/>
-          <ac:spMkLst>
-            <pc:docMk/>
-            <pc:sldMk cId="2479402773" sldId="256"/>
-            <ac:spMk id="14" creationId="{E07A2B91-2DF4-40EF-9833-004BD391F6CB}"/>
-          </ac:spMkLst>
-        </pc:spChg>
-        <pc:spChg chg="add mod">
-          <ac:chgData name="Jia Peng" userId="b48a642a81e97ee2" providerId="LiveId" clId="{D99B340C-8830-416B-963A-AFB7731991E0}" dt="2020-05-29T19:32:04.775" v="503" actId="1076"/>
-          <ac:spMkLst>
-            <pc:docMk/>
-            <pc:sldMk cId="2479402773" sldId="256"/>
-            <ac:spMk id="15" creationId="{1A5DD211-0E5D-4A5F-99C4-669C9F64F0CA}"/>
-          </ac:spMkLst>
-        </pc:spChg>
-        <pc:spChg chg="add mod">
-          <ac:chgData name="Jia Peng" userId="b48a642a81e97ee2" providerId="LiveId" clId="{D99B340C-8830-416B-963A-AFB7731991E0}" dt="2020-05-29T19:34:39.503" v="563" actId="255"/>
-          <ac:spMkLst>
-            <pc:docMk/>
-            <pc:sldMk cId="2479402773" sldId="256"/>
-            <ac:spMk id="16" creationId="{411C825A-56F3-4FC2-8CA5-0A3DF21D9F19}"/>
-          </ac:spMkLst>
-        </pc:spChg>
-        <pc:spChg chg="add mod">
-          <ac:chgData name="Jia Peng" userId="b48a642a81e97ee2" providerId="LiveId" clId="{D99B340C-8830-416B-963A-AFB7731991E0}" dt="2020-05-29T19:36:14.348" v="629"/>
-          <ac:spMkLst>
-            <pc:docMk/>
-            <pc:sldMk cId="2479402773" sldId="256"/>
-            <ac:spMk id="17" creationId="{35478D96-CE2C-440A-A3DE-6CF930EA27A9}"/>
-          </ac:spMkLst>
-        </pc:spChg>
-        <pc:spChg chg="add mod">
-          <ac:chgData name="Jia Peng" userId="b48a642a81e97ee2" providerId="LiveId" clId="{D99B340C-8830-416B-963A-AFB7731991E0}" dt="2020-05-29T19:29:59.514" v="435" actId="1076"/>
-          <ac:spMkLst>
-            <pc:docMk/>
-            <pc:sldMk cId="2479402773" sldId="256"/>
-            <ac:spMk id="18" creationId="{C5E1ED16-FB54-4324-AFAA-F2B785C1D265}"/>
-          </ac:spMkLst>
-        </pc:spChg>
-        <pc:spChg chg="add mod">
-          <ac:chgData name="Jia Peng" userId="b48a642a81e97ee2" providerId="LiveId" clId="{D99B340C-8830-416B-963A-AFB7731991E0}" dt="2020-05-29T19:29:59.514" v="435" actId="1076"/>
-          <ac:spMkLst>
-            <pc:docMk/>
-            <pc:sldMk cId="2479402773" sldId="256"/>
-            <ac:spMk id="19" creationId="{91069BFB-CEB8-4F3E-BC34-C3C7C38B2942}"/>
-          </ac:spMkLst>
-        </pc:spChg>
-        <pc:spChg chg="add mod">
-          <ac:chgData name="Jia Peng" userId="b48a642a81e97ee2" providerId="LiveId" clId="{D99B340C-8830-416B-963A-AFB7731991E0}" dt="2020-05-29T19:30:35.999" v="475" actId="20577"/>
-          <ac:spMkLst>
-            <pc:docMk/>
-            <pc:sldMk cId="2479402773" sldId="256"/>
-            <ac:spMk id="20" creationId="{75C18D0A-691A-40CA-B9AF-DD5E50E89274}"/>
-          </ac:spMkLst>
-        </pc:spChg>
-        <pc:spChg chg="add mod">
-          <ac:chgData name="Jia Peng" userId="b48a642a81e97ee2" providerId="LiveId" clId="{D99B340C-8830-416B-963A-AFB7731991E0}" dt="2020-05-29T19:30:48.511" v="494"/>
-          <ac:spMkLst>
-            <pc:docMk/>
-            <pc:sldMk cId="2479402773" sldId="256"/>
-            <ac:spMk id="21" creationId="{E1C55E3F-E1D4-4C02-8A99-657CED2B8A88}"/>
-          </ac:spMkLst>
-        </pc:spChg>
-        <pc:spChg chg="add mod">
-          <ac:chgData name="Jia Peng" userId="b48a642a81e97ee2" providerId="LiveId" clId="{D99B340C-8830-416B-963A-AFB7731991E0}" dt="2020-05-29T19:31:26.851" v="500" actId="255"/>
-          <ac:spMkLst>
-            <pc:docMk/>
-            <pc:sldMk cId="2479402773" sldId="256"/>
-            <ac:spMk id="22" creationId="{4C67353C-BE96-4718-9867-BBEDA63B1073}"/>
-          </ac:spMkLst>
-        </pc:spChg>
-        <pc:spChg chg="add mod">
-          <ac:chgData name="Jia Peng" userId="b48a642a81e97ee2" providerId="LiveId" clId="{D99B340C-8830-416B-963A-AFB7731991E0}" dt="2020-05-29T19:31:34.263" v="501"/>
-          <ac:spMkLst>
-            <pc:docMk/>
-            <pc:sldMk cId="2479402773" sldId="256"/>
-            <ac:spMk id="23" creationId="{273154B3-7C67-432B-8276-391C15944B73}"/>
-          </ac:spMkLst>
-        </pc:spChg>
-        <pc:spChg chg="add del mod">
-          <ac:chgData name="Jia Peng" userId="b48a642a81e97ee2" providerId="LiveId" clId="{D99B340C-8830-416B-963A-AFB7731991E0}" dt="2020-05-29T19:37:06.866" v="659" actId="478"/>
-          <ac:spMkLst>
-            <pc:docMk/>
-            <pc:sldMk cId="2479402773" sldId="256"/>
-            <ac:spMk id="24" creationId="{5343F44F-BBBE-4BF5-971D-1EFC3819733F}"/>
-          </ac:spMkLst>
-        </pc:spChg>
-        <pc:spChg chg="add mod">
-          <ac:chgData name="Jia Peng" userId="b48a642a81e97ee2" providerId="LiveId" clId="{D99B340C-8830-416B-963A-AFB7731991E0}" dt="2020-05-29T19:36:29.964" v="649" actId="20577"/>
-          <ac:spMkLst>
-            <pc:docMk/>
-            <pc:sldMk cId="2479402773" sldId="256"/>
-            <ac:spMk id="25" creationId="{3EFF3F32-89B8-4778-924A-3C249E2798D2}"/>
-          </ac:spMkLst>
-        </pc:spChg>
-        <pc:spChg chg="add mod">
-          <ac:chgData name="Jia Peng" userId="b48a642a81e97ee2" providerId="LiveId" clId="{D99B340C-8830-416B-963A-AFB7731991E0}" dt="2020-05-29T19:32:40.595" v="516" actId="255"/>
-          <ac:spMkLst>
-            <pc:docMk/>
-            <pc:sldMk cId="2479402773" sldId="256"/>
-            <ac:spMk id="26" creationId="{7C6E381D-10A8-4F0E-9D05-3C8776CE14BF}"/>
-          </ac:spMkLst>
-        </pc:spChg>
-        <pc:spChg chg="add mod">
-          <ac:chgData name="Jia Peng" userId="b48a642a81e97ee2" providerId="LiveId" clId="{D99B340C-8830-416B-963A-AFB7731991E0}" dt="2020-05-29T19:36:59.791" v="658"/>
-          <ac:spMkLst>
-            <pc:docMk/>
-            <pc:sldMk cId="2479402773" sldId="256"/>
-            <ac:spMk id="27" creationId="{1DD124D9-116F-4768-BCBD-93F5B7E089A0}"/>
-          </ac:spMkLst>
-        </pc:spChg>
-        <pc:spChg chg="add mod">
-          <ac:chgData name="Jia Peng" userId="b48a642a81e97ee2" providerId="LiveId" clId="{D99B340C-8830-416B-963A-AFB7731991E0}" dt="2020-05-29T19:35:17.425" v="601" actId="20577"/>
-          <ac:spMkLst>
-            <pc:docMk/>
-            <pc:sldMk cId="2479402773" sldId="256"/>
-            <ac:spMk id="28" creationId="{EF9710DC-6DFC-4A37-8ECE-1DA499799F11}"/>
-          </ac:spMkLst>
-        </pc:spChg>
-        <pc:spChg chg="add mod">
-          <ac:chgData name="Jia Peng" userId="b48a642a81e97ee2" providerId="LiveId" clId="{D99B340C-8830-416B-963A-AFB7731991E0}" dt="2020-05-29T19:41:22.951" v="752" actId="1035"/>
-          <ac:spMkLst>
-            <pc:docMk/>
-            <pc:sldMk cId="2479402773" sldId="256"/>
-            <ac:spMk id="29" creationId="{BA45F6AC-49A9-439D-A043-4F641E9FA48F}"/>
-          </ac:spMkLst>
-        </pc:spChg>
-        <pc:spChg chg="add mod">
-          <ac:chgData name="Jia Peng" userId="b48a642a81e97ee2" providerId="LiveId" clId="{D99B340C-8830-416B-963A-AFB7731991E0}" dt="2020-05-29T19:41:22.951" v="752" actId="1035"/>
-          <ac:spMkLst>
-            <pc:docMk/>
-            <pc:sldMk cId="2479402773" sldId="256"/>
-            <ac:spMk id="30" creationId="{86322F8F-E158-4DA8-B71D-FA9CF2A2C4D1}"/>
-          </ac:spMkLst>
-        </pc:spChg>
-        <pc:spChg chg="add mod">
-          <ac:chgData name="Jia Peng" userId="b48a642a81e97ee2" providerId="LiveId" clId="{D99B340C-8830-416B-963A-AFB7731991E0}" dt="2020-05-29T19:41:54.291" v="760" actId="20577"/>
-          <ac:spMkLst>
-            <pc:docMk/>
-            <pc:sldMk cId="2479402773" sldId="256"/>
-            <ac:spMk id="31" creationId="{5C7821DB-0C06-4647-B400-C3891C87CFD7}"/>
-          </ac:spMkLst>
-        </pc:spChg>
-        <pc:spChg chg="add mod">
-          <ac:chgData name="Jia Peng" userId="b48a642a81e97ee2" providerId="LiveId" clId="{D99B340C-8830-416B-963A-AFB7731991E0}" dt="2020-05-29T19:41:17.845" v="751" actId="1035"/>
-          <ac:spMkLst>
-            <pc:docMk/>
-            <pc:sldMk cId="2479402773" sldId="256"/>
-            <ac:spMk id="32" creationId="{9DD6727E-DE62-4088-9D7B-BA1C236ABA51}"/>
-          </ac:spMkLst>
-        </pc:spChg>
-      </pc:sldChg>
-    </pc:docChg>
-  </pc:docChgLst>
-</pc:chgInfo>
-</file>
-
 <file path=ppt/slideLayouts/slideLayout1.xml><?xml version="1.0" encoding="utf-8"?>
 <p:sldLayout xmlns:a="http://schemas.openxmlformats.org/drawingml/2006/main" xmlns:r="http://schemas.openxmlformats.org/officeDocument/2006/relationships" xmlns:p="http://schemas.openxmlformats.org/presentationml/2006/main" type="title" preserve="1">
   <p:cSld name="标题幻灯片">
@@ -404,7 +137,7 @@
           <p:cNvPr id="2" name="标题 1">
             <a:extLst>
               <a:ext uri="{FF2B5EF4-FFF2-40B4-BE49-F238E27FC236}">
-                <a16:creationId xmlns:a16="http://schemas.microsoft.com/office/drawing/2014/main" id="{E20B5BA5-B6E9-4F5D-8FF2-7DDC961C70D8}"/>
+                <a16:creationId xmlns:a16="http://schemas.microsoft.com/office/drawing/2014/main" id="{8F9B7837-6A89-4838-B524-DC2567BC1DF6}"/>
               </a:ext>
             </a:extLst>
           </p:cNvPr>
@@ -441,7 +174,7 @@
           <p:cNvPr id="3" name="副标题 2">
             <a:extLst>
               <a:ext uri="{FF2B5EF4-FFF2-40B4-BE49-F238E27FC236}">
-                <a16:creationId xmlns:a16="http://schemas.microsoft.com/office/drawing/2014/main" id="{3E9C592A-C6CC-4A35-A7E2-BFECCC6A4425}"/>
+                <a16:creationId xmlns:a16="http://schemas.microsoft.com/office/drawing/2014/main" id="{95D51081-F468-48F8-950E-4829B4F021C0}"/>
               </a:ext>
             </a:extLst>
           </p:cNvPr>
@@ -511,7 +244,7 @@
           <p:cNvPr id="4" name="日期占位符 3">
             <a:extLst>
               <a:ext uri="{FF2B5EF4-FFF2-40B4-BE49-F238E27FC236}">
-                <a16:creationId xmlns:a16="http://schemas.microsoft.com/office/drawing/2014/main" id="{21EC96BD-4A99-4769-8D51-A9977D8BED9A}"/>
+                <a16:creationId xmlns:a16="http://schemas.microsoft.com/office/drawing/2014/main" id="{1462D89A-1173-4178-92D1-E1FB9F56300C}"/>
               </a:ext>
             </a:extLst>
           </p:cNvPr>
@@ -527,9 +260,9 @@
           <a:bodyPr/>
           <a:lstStyle/>
           <a:p>
-            <a:fld id="{E639A20E-CE8F-4836-BEED-96EA7A948E50}" type="datetimeFigureOut">
+            <a:fld id="{D55F63AD-63EC-4D16-BFA8-FE04FF214D9C}" type="datetimeFigureOut">
               <a:rPr lang="zh-CN" altLang="en-US" smtClean="0"/>
-              <a:t>2020/9/7</a:t>
+              <a:t>2020/9/8</a:t>
             </a:fld>
             <a:endParaRPr lang="zh-CN" altLang="en-US"/>
           </a:p>
@@ -540,7 +273,7 @@
           <p:cNvPr id="5" name="页脚占位符 4">
             <a:extLst>
               <a:ext uri="{FF2B5EF4-FFF2-40B4-BE49-F238E27FC236}">
-                <a16:creationId xmlns:a16="http://schemas.microsoft.com/office/drawing/2014/main" id="{DB7D195C-AB03-4D3B-AC19-4AB2D0F36BDF}"/>
+                <a16:creationId xmlns:a16="http://schemas.microsoft.com/office/drawing/2014/main" id="{F8573819-2101-433C-B5E9-8F6471631E03}"/>
               </a:ext>
             </a:extLst>
           </p:cNvPr>
@@ -565,7 +298,7 @@
           <p:cNvPr id="6" name="灯片编号占位符 5">
             <a:extLst>
               <a:ext uri="{FF2B5EF4-FFF2-40B4-BE49-F238E27FC236}">
-                <a16:creationId xmlns:a16="http://schemas.microsoft.com/office/drawing/2014/main" id="{53DE0466-0BE1-49DA-86F4-1CACDC84B452}"/>
+                <a16:creationId xmlns:a16="http://schemas.microsoft.com/office/drawing/2014/main" id="{89C01E7E-68DC-4105-B1FB-4F2403E845BB}"/>
               </a:ext>
             </a:extLst>
           </p:cNvPr>
@@ -581,7 +314,7 @@
           <a:bodyPr/>
           <a:lstStyle/>
           <a:p>
-            <a:fld id="{FCC2D989-55CE-4179-8A98-CF7BC414CC04}" type="slidenum">
+            <a:fld id="{0F9DC212-173F-462C-BBF5-672D14F10FB2}" type="slidenum">
               <a:rPr lang="zh-CN" altLang="en-US" smtClean="0"/>
               <a:t>‹#›</a:t>
             </a:fld>
@@ -592,7 +325,7 @@
     </p:spTree>
     <p:extLst>
       <p:ext uri="{BB962C8B-B14F-4D97-AF65-F5344CB8AC3E}">
-        <p14:creationId xmlns:p14="http://schemas.microsoft.com/office/powerpoint/2010/main" val="2411692946"/>
+        <p14:creationId xmlns:p14="http://schemas.microsoft.com/office/powerpoint/2010/main" val="2882265754"/>
       </p:ext>
     </p:extLst>
   </p:cSld>
@@ -624,7 +357,7 @@
           <p:cNvPr id="2" name="标题 1">
             <a:extLst>
               <a:ext uri="{FF2B5EF4-FFF2-40B4-BE49-F238E27FC236}">
-                <a16:creationId xmlns:a16="http://schemas.microsoft.com/office/drawing/2014/main" id="{51C6ABAB-72BF-43AC-A0B1-01E38D627559}"/>
+                <a16:creationId xmlns:a16="http://schemas.microsoft.com/office/drawing/2014/main" id="{16B9EBD9-4F26-4CA2-B3AE-0DAF46A40008}"/>
               </a:ext>
             </a:extLst>
           </p:cNvPr>
@@ -652,7 +385,7 @@
           <p:cNvPr id="3" name="竖排文字占位符 2">
             <a:extLst>
               <a:ext uri="{FF2B5EF4-FFF2-40B4-BE49-F238E27FC236}">
-                <a16:creationId xmlns:a16="http://schemas.microsoft.com/office/drawing/2014/main" id="{D60E6BFF-A5DF-4CFF-8CFC-4918B1C5552C}"/>
+                <a16:creationId xmlns:a16="http://schemas.microsoft.com/office/drawing/2014/main" id="{E095C435-1134-46A3-9BB9-AA3CA027D04A}"/>
               </a:ext>
             </a:extLst>
           </p:cNvPr>
@@ -709,7 +442,7 @@
           <p:cNvPr id="4" name="日期占位符 3">
             <a:extLst>
               <a:ext uri="{FF2B5EF4-FFF2-40B4-BE49-F238E27FC236}">
-                <a16:creationId xmlns:a16="http://schemas.microsoft.com/office/drawing/2014/main" id="{11915F10-69E3-41BB-9A3F-9113B3982080}"/>
+                <a16:creationId xmlns:a16="http://schemas.microsoft.com/office/drawing/2014/main" id="{25DE838F-7F2C-4C2F-841D-444680FE22CC}"/>
               </a:ext>
             </a:extLst>
           </p:cNvPr>
@@ -725,9 +458,9 @@
           <a:bodyPr/>
           <a:lstStyle/>
           <a:p>
-            <a:fld id="{E639A20E-CE8F-4836-BEED-96EA7A948E50}" type="datetimeFigureOut">
+            <a:fld id="{D55F63AD-63EC-4D16-BFA8-FE04FF214D9C}" type="datetimeFigureOut">
               <a:rPr lang="zh-CN" altLang="en-US" smtClean="0"/>
-              <a:t>2020/9/7</a:t>
+              <a:t>2020/9/8</a:t>
             </a:fld>
             <a:endParaRPr lang="zh-CN" altLang="en-US"/>
           </a:p>
@@ -738,7 +471,7 @@
           <p:cNvPr id="5" name="页脚占位符 4">
             <a:extLst>
               <a:ext uri="{FF2B5EF4-FFF2-40B4-BE49-F238E27FC236}">
-                <a16:creationId xmlns:a16="http://schemas.microsoft.com/office/drawing/2014/main" id="{01D09278-BDC9-4CAB-A968-C743626D8F19}"/>
+                <a16:creationId xmlns:a16="http://schemas.microsoft.com/office/drawing/2014/main" id="{F866BDCA-FD06-47F1-806C-F7BD16CCCB9A}"/>
               </a:ext>
             </a:extLst>
           </p:cNvPr>
@@ -763,7 +496,7 @@
           <p:cNvPr id="6" name="灯片编号占位符 5">
             <a:extLst>
               <a:ext uri="{FF2B5EF4-FFF2-40B4-BE49-F238E27FC236}">
-                <a16:creationId xmlns:a16="http://schemas.microsoft.com/office/drawing/2014/main" id="{5C08A636-4B4C-4A89-B9C4-22831F432F53}"/>
+                <a16:creationId xmlns:a16="http://schemas.microsoft.com/office/drawing/2014/main" id="{9246B860-03A1-44FE-90C6-38A983E83A32}"/>
               </a:ext>
             </a:extLst>
           </p:cNvPr>
@@ -779,7 +512,7 @@
           <a:bodyPr/>
           <a:lstStyle/>
           <a:p>
-            <a:fld id="{FCC2D989-55CE-4179-8A98-CF7BC414CC04}" type="slidenum">
+            <a:fld id="{0F9DC212-173F-462C-BBF5-672D14F10FB2}" type="slidenum">
               <a:rPr lang="zh-CN" altLang="en-US" smtClean="0"/>
               <a:t>‹#›</a:t>
             </a:fld>
@@ -790,7 +523,7 @@
     </p:spTree>
     <p:extLst>
       <p:ext uri="{BB962C8B-B14F-4D97-AF65-F5344CB8AC3E}">
-        <p14:creationId xmlns:p14="http://schemas.microsoft.com/office/powerpoint/2010/main" val="4091685164"/>
+        <p14:creationId xmlns:p14="http://schemas.microsoft.com/office/powerpoint/2010/main" val="3881680856"/>
       </p:ext>
     </p:extLst>
   </p:cSld>
@@ -822,7 +555,7 @@
           <p:cNvPr id="2" name="竖排标题 1">
             <a:extLst>
               <a:ext uri="{FF2B5EF4-FFF2-40B4-BE49-F238E27FC236}">
-                <a16:creationId xmlns:a16="http://schemas.microsoft.com/office/drawing/2014/main" id="{3F31A114-5598-4D47-A55D-FD3A5869E7F1}"/>
+                <a16:creationId xmlns:a16="http://schemas.microsoft.com/office/drawing/2014/main" id="{C054A957-8123-486E-99D1-FF543226004C}"/>
               </a:ext>
             </a:extLst>
           </p:cNvPr>
@@ -855,7 +588,7 @@
           <p:cNvPr id="3" name="竖排文字占位符 2">
             <a:extLst>
               <a:ext uri="{FF2B5EF4-FFF2-40B4-BE49-F238E27FC236}">
-                <a16:creationId xmlns:a16="http://schemas.microsoft.com/office/drawing/2014/main" id="{C0F3D9ED-2FCD-420C-A457-CA5E417AB12B}"/>
+                <a16:creationId xmlns:a16="http://schemas.microsoft.com/office/drawing/2014/main" id="{731C0701-146E-49FE-86E3-CD7254F52C12}"/>
               </a:ext>
             </a:extLst>
           </p:cNvPr>
@@ -917,7 +650,7 @@
           <p:cNvPr id="4" name="日期占位符 3">
             <a:extLst>
               <a:ext uri="{FF2B5EF4-FFF2-40B4-BE49-F238E27FC236}">
-                <a16:creationId xmlns:a16="http://schemas.microsoft.com/office/drawing/2014/main" id="{8B536BAC-DB06-454B-B12C-20C0A81FC7F5}"/>
+                <a16:creationId xmlns:a16="http://schemas.microsoft.com/office/drawing/2014/main" id="{9F2EB8CB-3640-453F-AA96-4D8644176FE6}"/>
               </a:ext>
             </a:extLst>
           </p:cNvPr>
@@ -933,9 +666,9 @@
           <a:bodyPr/>
           <a:lstStyle/>
           <a:p>
-            <a:fld id="{E639A20E-CE8F-4836-BEED-96EA7A948E50}" type="datetimeFigureOut">
+            <a:fld id="{D55F63AD-63EC-4D16-BFA8-FE04FF214D9C}" type="datetimeFigureOut">
               <a:rPr lang="zh-CN" altLang="en-US" smtClean="0"/>
-              <a:t>2020/9/7</a:t>
+              <a:t>2020/9/8</a:t>
             </a:fld>
             <a:endParaRPr lang="zh-CN" altLang="en-US"/>
           </a:p>
@@ -946,7 +679,7 @@
           <p:cNvPr id="5" name="页脚占位符 4">
             <a:extLst>
               <a:ext uri="{FF2B5EF4-FFF2-40B4-BE49-F238E27FC236}">
-                <a16:creationId xmlns:a16="http://schemas.microsoft.com/office/drawing/2014/main" id="{F72EDADC-C597-46D6-82B3-0D0F50FAD0E8}"/>
+                <a16:creationId xmlns:a16="http://schemas.microsoft.com/office/drawing/2014/main" id="{B91AC78B-EEDA-476B-9094-69713D20EF9C}"/>
               </a:ext>
             </a:extLst>
           </p:cNvPr>
@@ -971,7 +704,7 @@
           <p:cNvPr id="6" name="灯片编号占位符 5">
             <a:extLst>
               <a:ext uri="{FF2B5EF4-FFF2-40B4-BE49-F238E27FC236}">
-                <a16:creationId xmlns:a16="http://schemas.microsoft.com/office/drawing/2014/main" id="{D865E02C-FD30-4EB5-B48E-E099886B4528}"/>
+                <a16:creationId xmlns:a16="http://schemas.microsoft.com/office/drawing/2014/main" id="{C72B752A-5A33-47CA-8290-2DB4EFCD698B}"/>
               </a:ext>
             </a:extLst>
           </p:cNvPr>
@@ -987,7 +720,7 @@
           <a:bodyPr/>
           <a:lstStyle/>
           <a:p>
-            <a:fld id="{FCC2D989-55CE-4179-8A98-CF7BC414CC04}" type="slidenum">
+            <a:fld id="{0F9DC212-173F-462C-BBF5-672D14F10FB2}" type="slidenum">
               <a:rPr lang="zh-CN" altLang="en-US" smtClean="0"/>
               <a:t>‹#›</a:t>
             </a:fld>
@@ -998,7 +731,7 @@
     </p:spTree>
     <p:extLst>
       <p:ext uri="{BB962C8B-B14F-4D97-AF65-F5344CB8AC3E}">
-        <p14:creationId xmlns:p14="http://schemas.microsoft.com/office/powerpoint/2010/main" val="932280970"/>
+        <p14:creationId xmlns:p14="http://schemas.microsoft.com/office/powerpoint/2010/main" val="1583003776"/>
       </p:ext>
     </p:extLst>
   </p:cSld>
@@ -1030,7 +763,7 @@
           <p:cNvPr id="2" name="标题 1">
             <a:extLst>
               <a:ext uri="{FF2B5EF4-FFF2-40B4-BE49-F238E27FC236}">
-                <a16:creationId xmlns:a16="http://schemas.microsoft.com/office/drawing/2014/main" id="{BDC98721-E1E3-45EB-9056-6A866C581F92}"/>
+                <a16:creationId xmlns:a16="http://schemas.microsoft.com/office/drawing/2014/main" id="{4230E5B1-F3EA-417A-8EC5-96C9A0CA1659}"/>
               </a:ext>
             </a:extLst>
           </p:cNvPr>
@@ -1058,7 +791,7 @@
           <p:cNvPr id="3" name="内容占位符 2">
             <a:extLst>
               <a:ext uri="{FF2B5EF4-FFF2-40B4-BE49-F238E27FC236}">
-                <a16:creationId xmlns:a16="http://schemas.microsoft.com/office/drawing/2014/main" id="{B32A794B-2C98-499E-A8C1-7D8189080BE9}"/>
+                <a16:creationId xmlns:a16="http://schemas.microsoft.com/office/drawing/2014/main" id="{31C7C460-2871-4A35-A85F-D840917A2C4C}"/>
               </a:ext>
             </a:extLst>
           </p:cNvPr>
@@ -1115,7 +848,7 @@
           <p:cNvPr id="4" name="日期占位符 3">
             <a:extLst>
               <a:ext uri="{FF2B5EF4-FFF2-40B4-BE49-F238E27FC236}">
-                <a16:creationId xmlns:a16="http://schemas.microsoft.com/office/drawing/2014/main" id="{EE455ECB-2852-4FBA-8394-0878691C1B98}"/>
+                <a16:creationId xmlns:a16="http://schemas.microsoft.com/office/drawing/2014/main" id="{F1A67EC3-94B6-4846-ADB2-54F97A87CBB6}"/>
               </a:ext>
             </a:extLst>
           </p:cNvPr>
@@ -1131,9 +864,9 @@
           <a:bodyPr/>
           <a:lstStyle/>
           <a:p>
-            <a:fld id="{E639A20E-CE8F-4836-BEED-96EA7A948E50}" type="datetimeFigureOut">
+            <a:fld id="{D55F63AD-63EC-4D16-BFA8-FE04FF214D9C}" type="datetimeFigureOut">
               <a:rPr lang="zh-CN" altLang="en-US" smtClean="0"/>
-              <a:t>2020/9/7</a:t>
+              <a:t>2020/9/8</a:t>
             </a:fld>
             <a:endParaRPr lang="zh-CN" altLang="en-US"/>
           </a:p>
@@ -1144,7 +877,7 @@
           <p:cNvPr id="5" name="页脚占位符 4">
             <a:extLst>
               <a:ext uri="{FF2B5EF4-FFF2-40B4-BE49-F238E27FC236}">
-                <a16:creationId xmlns:a16="http://schemas.microsoft.com/office/drawing/2014/main" id="{3D510E43-C446-4919-BBF1-1EAD2328C6BE}"/>
+                <a16:creationId xmlns:a16="http://schemas.microsoft.com/office/drawing/2014/main" id="{68743E55-C778-48F8-8341-BA399279E241}"/>
               </a:ext>
             </a:extLst>
           </p:cNvPr>
@@ -1169,7 +902,7 @@
           <p:cNvPr id="6" name="灯片编号占位符 5">
             <a:extLst>
               <a:ext uri="{FF2B5EF4-FFF2-40B4-BE49-F238E27FC236}">
-                <a16:creationId xmlns:a16="http://schemas.microsoft.com/office/drawing/2014/main" id="{973436FF-3CF5-434D-84F3-67155D8EDA56}"/>
+                <a16:creationId xmlns:a16="http://schemas.microsoft.com/office/drawing/2014/main" id="{8EF20F1C-4663-448A-9933-1F2DD03F3347}"/>
               </a:ext>
             </a:extLst>
           </p:cNvPr>
@@ -1185,7 +918,7 @@
           <a:bodyPr/>
           <a:lstStyle/>
           <a:p>
-            <a:fld id="{FCC2D989-55CE-4179-8A98-CF7BC414CC04}" type="slidenum">
+            <a:fld id="{0F9DC212-173F-462C-BBF5-672D14F10FB2}" type="slidenum">
               <a:rPr lang="zh-CN" altLang="en-US" smtClean="0"/>
               <a:t>‹#›</a:t>
             </a:fld>
@@ -1196,7 +929,7 @@
     </p:spTree>
     <p:extLst>
       <p:ext uri="{BB962C8B-B14F-4D97-AF65-F5344CB8AC3E}">
-        <p14:creationId xmlns:p14="http://schemas.microsoft.com/office/powerpoint/2010/main" val="3644388702"/>
+        <p14:creationId xmlns:p14="http://schemas.microsoft.com/office/powerpoint/2010/main" val="3760981421"/>
       </p:ext>
     </p:extLst>
   </p:cSld>
@@ -1228,7 +961,7 @@
           <p:cNvPr id="2" name="标题 1">
             <a:extLst>
               <a:ext uri="{FF2B5EF4-FFF2-40B4-BE49-F238E27FC236}">
-                <a16:creationId xmlns:a16="http://schemas.microsoft.com/office/drawing/2014/main" id="{D66E9481-538C-4187-B76E-617D96620BC3}"/>
+                <a16:creationId xmlns:a16="http://schemas.microsoft.com/office/drawing/2014/main" id="{49D56715-D691-4B49-9E33-8ABBF3F0B845}"/>
               </a:ext>
             </a:extLst>
           </p:cNvPr>
@@ -1265,7 +998,7 @@
           <p:cNvPr id="3" name="文本占位符 2">
             <a:extLst>
               <a:ext uri="{FF2B5EF4-FFF2-40B4-BE49-F238E27FC236}">
-                <a16:creationId xmlns:a16="http://schemas.microsoft.com/office/drawing/2014/main" id="{C94CDF19-8C77-4EE1-AE17-FCACF16104E2}"/>
+                <a16:creationId xmlns:a16="http://schemas.microsoft.com/office/drawing/2014/main" id="{45ED02EF-E9CF-445C-9582-18085D6368D9}"/>
               </a:ext>
             </a:extLst>
           </p:cNvPr>
@@ -1390,7 +1123,7 @@
           <p:cNvPr id="4" name="日期占位符 3">
             <a:extLst>
               <a:ext uri="{FF2B5EF4-FFF2-40B4-BE49-F238E27FC236}">
-                <a16:creationId xmlns:a16="http://schemas.microsoft.com/office/drawing/2014/main" id="{DDA48B51-A228-4A77-AA28-16325016522F}"/>
+                <a16:creationId xmlns:a16="http://schemas.microsoft.com/office/drawing/2014/main" id="{4688441C-4DD4-45B3-B79F-22007E938095}"/>
               </a:ext>
             </a:extLst>
           </p:cNvPr>
@@ -1406,9 +1139,9 @@
           <a:bodyPr/>
           <a:lstStyle/>
           <a:p>
-            <a:fld id="{E639A20E-CE8F-4836-BEED-96EA7A948E50}" type="datetimeFigureOut">
+            <a:fld id="{D55F63AD-63EC-4D16-BFA8-FE04FF214D9C}" type="datetimeFigureOut">
               <a:rPr lang="zh-CN" altLang="en-US" smtClean="0"/>
-              <a:t>2020/9/7</a:t>
+              <a:t>2020/9/8</a:t>
             </a:fld>
             <a:endParaRPr lang="zh-CN" altLang="en-US"/>
           </a:p>
@@ -1419,7 +1152,7 @@
           <p:cNvPr id="5" name="页脚占位符 4">
             <a:extLst>
               <a:ext uri="{FF2B5EF4-FFF2-40B4-BE49-F238E27FC236}">
-                <a16:creationId xmlns:a16="http://schemas.microsoft.com/office/drawing/2014/main" id="{F1FE2F35-B306-4624-8F0E-40B3376CB0BA}"/>
+                <a16:creationId xmlns:a16="http://schemas.microsoft.com/office/drawing/2014/main" id="{42B116C2-2911-44F9-BBAC-B702759F225F}"/>
               </a:ext>
             </a:extLst>
           </p:cNvPr>
@@ -1444,7 +1177,7 @@
           <p:cNvPr id="6" name="灯片编号占位符 5">
             <a:extLst>
               <a:ext uri="{FF2B5EF4-FFF2-40B4-BE49-F238E27FC236}">
-                <a16:creationId xmlns:a16="http://schemas.microsoft.com/office/drawing/2014/main" id="{B794BED8-57CC-493C-9264-00D3CD06A1E7}"/>
+                <a16:creationId xmlns:a16="http://schemas.microsoft.com/office/drawing/2014/main" id="{9A51C4B4-939A-42EC-9381-0EFAE832FC2F}"/>
               </a:ext>
             </a:extLst>
           </p:cNvPr>
@@ -1460,7 +1193,7 @@
           <a:bodyPr/>
           <a:lstStyle/>
           <a:p>
-            <a:fld id="{FCC2D989-55CE-4179-8A98-CF7BC414CC04}" type="slidenum">
+            <a:fld id="{0F9DC212-173F-462C-BBF5-672D14F10FB2}" type="slidenum">
               <a:rPr lang="zh-CN" altLang="en-US" smtClean="0"/>
               <a:t>‹#›</a:t>
             </a:fld>
@@ -1471,7 +1204,7 @@
     </p:spTree>
     <p:extLst>
       <p:ext uri="{BB962C8B-B14F-4D97-AF65-F5344CB8AC3E}">
-        <p14:creationId xmlns:p14="http://schemas.microsoft.com/office/powerpoint/2010/main" val="279057631"/>
+        <p14:creationId xmlns:p14="http://schemas.microsoft.com/office/powerpoint/2010/main" val="3915239087"/>
       </p:ext>
     </p:extLst>
   </p:cSld>
@@ -1503,7 +1236,7 @@
           <p:cNvPr id="2" name="标题 1">
             <a:extLst>
               <a:ext uri="{FF2B5EF4-FFF2-40B4-BE49-F238E27FC236}">
-                <a16:creationId xmlns:a16="http://schemas.microsoft.com/office/drawing/2014/main" id="{F2595512-1665-4722-9B8B-DF7D969A2CC1}"/>
+                <a16:creationId xmlns:a16="http://schemas.microsoft.com/office/drawing/2014/main" id="{EE2A6120-DAD8-4004-867A-83F70911058A}"/>
               </a:ext>
             </a:extLst>
           </p:cNvPr>
@@ -1531,7 +1264,7 @@
           <p:cNvPr id="3" name="内容占位符 2">
             <a:extLst>
               <a:ext uri="{FF2B5EF4-FFF2-40B4-BE49-F238E27FC236}">
-                <a16:creationId xmlns:a16="http://schemas.microsoft.com/office/drawing/2014/main" id="{1823EF3E-4272-452D-A780-E88149A3A305}"/>
+                <a16:creationId xmlns:a16="http://schemas.microsoft.com/office/drawing/2014/main" id="{2ABDFC5A-0093-4A91-8204-7B022DF79BE9}"/>
               </a:ext>
             </a:extLst>
           </p:cNvPr>
@@ -1593,7 +1326,7 @@
           <p:cNvPr id="4" name="内容占位符 3">
             <a:extLst>
               <a:ext uri="{FF2B5EF4-FFF2-40B4-BE49-F238E27FC236}">
-                <a16:creationId xmlns:a16="http://schemas.microsoft.com/office/drawing/2014/main" id="{4EE9A1BC-242C-493C-AA14-15D106446354}"/>
+                <a16:creationId xmlns:a16="http://schemas.microsoft.com/office/drawing/2014/main" id="{35F4ADF0-AF6C-4883-B2CF-6A496BA75C85}"/>
               </a:ext>
             </a:extLst>
           </p:cNvPr>
@@ -1655,7 +1388,7 @@
           <p:cNvPr id="5" name="日期占位符 4">
             <a:extLst>
               <a:ext uri="{FF2B5EF4-FFF2-40B4-BE49-F238E27FC236}">
-                <a16:creationId xmlns:a16="http://schemas.microsoft.com/office/drawing/2014/main" id="{20DCA83E-8A47-49CF-9F56-517397FFEC92}"/>
+                <a16:creationId xmlns:a16="http://schemas.microsoft.com/office/drawing/2014/main" id="{E326FC11-CBEE-4197-84D8-8A83543386ED}"/>
               </a:ext>
             </a:extLst>
           </p:cNvPr>
@@ -1671,9 +1404,9 @@
           <a:bodyPr/>
           <a:lstStyle/>
           <a:p>
-            <a:fld id="{E639A20E-CE8F-4836-BEED-96EA7A948E50}" type="datetimeFigureOut">
+            <a:fld id="{D55F63AD-63EC-4D16-BFA8-FE04FF214D9C}" type="datetimeFigureOut">
               <a:rPr lang="zh-CN" altLang="en-US" smtClean="0"/>
-              <a:t>2020/9/7</a:t>
+              <a:t>2020/9/8</a:t>
             </a:fld>
             <a:endParaRPr lang="zh-CN" altLang="en-US"/>
           </a:p>
@@ -1684,7 +1417,7 @@
           <p:cNvPr id="6" name="页脚占位符 5">
             <a:extLst>
               <a:ext uri="{FF2B5EF4-FFF2-40B4-BE49-F238E27FC236}">
-                <a16:creationId xmlns:a16="http://schemas.microsoft.com/office/drawing/2014/main" id="{C9A48272-0BCC-4929-A439-68403AC3E979}"/>
+                <a16:creationId xmlns:a16="http://schemas.microsoft.com/office/drawing/2014/main" id="{1165C489-3EA5-467E-8D9B-31174D9566AC}"/>
               </a:ext>
             </a:extLst>
           </p:cNvPr>
@@ -1709,7 +1442,7 @@
           <p:cNvPr id="7" name="灯片编号占位符 6">
             <a:extLst>
               <a:ext uri="{FF2B5EF4-FFF2-40B4-BE49-F238E27FC236}">
-                <a16:creationId xmlns:a16="http://schemas.microsoft.com/office/drawing/2014/main" id="{DAB2BA30-D595-4307-9ADE-B9F27A9DE7A6}"/>
+                <a16:creationId xmlns:a16="http://schemas.microsoft.com/office/drawing/2014/main" id="{FA349C04-C2B1-4954-BF27-3267E786C1CF}"/>
               </a:ext>
             </a:extLst>
           </p:cNvPr>
@@ -1725,7 +1458,7 @@
           <a:bodyPr/>
           <a:lstStyle/>
           <a:p>
-            <a:fld id="{FCC2D989-55CE-4179-8A98-CF7BC414CC04}" type="slidenum">
+            <a:fld id="{0F9DC212-173F-462C-BBF5-672D14F10FB2}" type="slidenum">
               <a:rPr lang="zh-CN" altLang="en-US" smtClean="0"/>
               <a:t>‹#›</a:t>
             </a:fld>
@@ -1736,7 +1469,7 @@
     </p:spTree>
     <p:extLst>
       <p:ext uri="{BB962C8B-B14F-4D97-AF65-F5344CB8AC3E}">
-        <p14:creationId xmlns:p14="http://schemas.microsoft.com/office/powerpoint/2010/main" val="5442591"/>
+        <p14:creationId xmlns:p14="http://schemas.microsoft.com/office/powerpoint/2010/main" val="2592698218"/>
       </p:ext>
     </p:extLst>
   </p:cSld>
@@ -1768,7 +1501,7 @@
           <p:cNvPr id="2" name="标题 1">
             <a:extLst>
               <a:ext uri="{FF2B5EF4-FFF2-40B4-BE49-F238E27FC236}">
-                <a16:creationId xmlns:a16="http://schemas.microsoft.com/office/drawing/2014/main" id="{F9EFEEEB-A5A7-4534-B8DC-395E6CB33A2A}"/>
+                <a16:creationId xmlns:a16="http://schemas.microsoft.com/office/drawing/2014/main" id="{9C815F31-EF64-4A70-B0D0-C31C86BAD10F}"/>
               </a:ext>
             </a:extLst>
           </p:cNvPr>
@@ -1801,7 +1534,7 @@
           <p:cNvPr id="3" name="文本占位符 2">
             <a:extLst>
               <a:ext uri="{FF2B5EF4-FFF2-40B4-BE49-F238E27FC236}">
-                <a16:creationId xmlns:a16="http://schemas.microsoft.com/office/drawing/2014/main" id="{E6876278-D5F4-4C58-B047-731F28075F67}"/>
+                <a16:creationId xmlns:a16="http://schemas.microsoft.com/office/drawing/2014/main" id="{9D50B9B2-A934-4B1A-A52F-AB3269C45875}"/>
               </a:ext>
             </a:extLst>
           </p:cNvPr>
@@ -1872,7 +1605,7 @@
           <p:cNvPr id="4" name="内容占位符 3">
             <a:extLst>
               <a:ext uri="{FF2B5EF4-FFF2-40B4-BE49-F238E27FC236}">
-                <a16:creationId xmlns:a16="http://schemas.microsoft.com/office/drawing/2014/main" id="{B4BB75AA-3B63-4D2F-87FE-95F84275DDB9}"/>
+                <a16:creationId xmlns:a16="http://schemas.microsoft.com/office/drawing/2014/main" id="{071D09AB-1455-4062-AB25-62452D756FE2}"/>
               </a:ext>
             </a:extLst>
           </p:cNvPr>
@@ -1934,7 +1667,7 @@
           <p:cNvPr id="5" name="文本占位符 4">
             <a:extLst>
               <a:ext uri="{FF2B5EF4-FFF2-40B4-BE49-F238E27FC236}">
-                <a16:creationId xmlns:a16="http://schemas.microsoft.com/office/drawing/2014/main" id="{35739AC4-9941-48C9-B9B8-BFFF8476EB66}"/>
+                <a16:creationId xmlns:a16="http://schemas.microsoft.com/office/drawing/2014/main" id="{A33C295D-A74B-423D-96C3-21EE2EF0EC12}"/>
               </a:ext>
             </a:extLst>
           </p:cNvPr>
@@ -2005,7 +1738,7 @@
           <p:cNvPr id="6" name="内容占位符 5">
             <a:extLst>
               <a:ext uri="{FF2B5EF4-FFF2-40B4-BE49-F238E27FC236}">
-                <a16:creationId xmlns:a16="http://schemas.microsoft.com/office/drawing/2014/main" id="{1BE9EF13-1187-4FC3-848F-D4F0E4BDD797}"/>
+                <a16:creationId xmlns:a16="http://schemas.microsoft.com/office/drawing/2014/main" id="{5508EB56-6FA9-4C0B-BB91-EC0E16744AAB}"/>
               </a:ext>
             </a:extLst>
           </p:cNvPr>
@@ -2067,7 +1800,7 @@
           <p:cNvPr id="7" name="日期占位符 6">
             <a:extLst>
               <a:ext uri="{FF2B5EF4-FFF2-40B4-BE49-F238E27FC236}">
-                <a16:creationId xmlns:a16="http://schemas.microsoft.com/office/drawing/2014/main" id="{62379447-CDC8-4D19-8565-BD330A0C42ED}"/>
+                <a16:creationId xmlns:a16="http://schemas.microsoft.com/office/drawing/2014/main" id="{709183F4-64E3-4098-8137-753FD85AABBC}"/>
               </a:ext>
             </a:extLst>
           </p:cNvPr>
@@ -2083,9 +1816,9 @@
           <a:bodyPr/>
           <a:lstStyle/>
           <a:p>
-            <a:fld id="{E639A20E-CE8F-4836-BEED-96EA7A948E50}" type="datetimeFigureOut">
+            <a:fld id="{D55F63AD-63EC-4D16-BFA8-FE04FF214D9C}" type="datetimeFigureOut">
               <a:rPr lang="zh-CN" altLang="en-US" smtClean="0"/>
-              <a:t>2020/9/7</a:t>
+              <a:t>2020/9/8</a:t>
             </a:fld>
             <a:endParaRPr lang="zh-CN" altLang="en-US"/>
           </a:p>
@@ -2096,7 +1829,7 @@
           <p:cNvPr id="8" name="页脚占位符 7">
             <a:extLst>
               <a:ext uri="{FF2B5EF4-FFF2-40B4-BE49-F238E27FC236}">
-                <a16:creationId xmlns:a16="http://schemas.microsoft.com/office/drawing/2014/main" id="{6489F91C-BDDD-4396-B963-43DF15A96AE4}"/>
+                <a16:creationId xmlns:a16="http://schemas.microsoft.com/office/drawing/2014/main" id="{C7C111F9-692F-4913-BC50-8B42930C549D}"/>
               </a:ext>
             </a:extLst>
           </p:cNvPr>
@@ -2121,7 +1854,7 @@
           <p:cNvPr id="9" name="灯片编号占位符 8">
             <a:extLst>
               <a:ext uri="{FF2B5EF4-FFF2-40B4-BE49-F238E27FC236}">
-                <a16:creationId xmlns:a16="http://schemas.microsoft.com/office/drawing/2014/main" id="{35D0846A-40E3-4557-9E26-ECDBD3398F7C}"/>
+                <a16:creationId xmlns:a16="http://schemas.microsoft.com/office/drawing/2014/main" id="{931062AF-A8FA-4743-8223-FD88EC5404AD}"/>
               </a:ext>
             </a:extLst>
           </p:cNvPr>
@@ -2137,7 +1870,7 @@
           <a:bodyPr/>
           <a:lstStyle/>
           <a:p>
-            <a:fld id="{FCC2D989-55CE-4179-8A98-CF7BC414CC04}" type="slidenum">
+            <a:fld id="{0F9DC212-173F-462C-BBF5-672D14F10FB2}" type="slidenum">
               <a:rPr lang="zh-CN" altLang="en-US" smtClean="0"/>
               <a:t>‹#›</a:t>
             </a:fld>
@@ -2148,7 +1881,7 @@
     </p:spTree>
     <p:extLst>
       <p:ext uri="{BB962C8B-B14F-4D97-AF65-F5344CB8AC3E}">
-        <p14:creationId xmlns:p14="http://schemas.microsoft.com/office/powerpoint/2010/main" val="3353432920"/>
+        <p14:creationId xmlns:p14="http://schemas.microsoft.com/office/powerpoint/2010/main" val="2815953701"/>
       </p:ext>
     </p:extLst>
   </p:cSld>
@@ -2180,7 +1913,7 @@
           <p:cNvPr id="2" name="标题 1">
             <a:extLst>
               <a:ext uri="{FF2B5EF4-FFF2-40B4-BE49-F238E27FC236}">
-                <a16:creationId xmlns:a16="http://schemas.microsoft.com/office/drawing/2014/main" id="{6603D9C3-D3A5-48D2-81FD-E4BBF0F3C05C}"/>
+                <a16:creationId xmlns:a16="http://schemas.microsoft.com/office/drawing/2014/main" id="{E3907E50-FFB5-4C4F-B2CA-4001F0F8E390}"/>
               </a:ext>
             </a:extLst>
           </p:cNvPr>
@@ -2208,7 +1941,7 @@
           <p:cNvPr id="3" name="日期占位符 2">
             <a:extLst>
               <a:ext uri="{FF2B5EF4-FFF2-40B4-BE49-F238E27FC236}">
-                <a16:creationId xmlns:a16="http://schemas.microsoft.com/office/drawing/2014/main" id="{D2A3B94C-D034-4A1F-9A22-5B821DE00E4C}"/>
+                <a16:creationId xmlns:a16="http://schemas.microsoft.com/office/drawing/2014/main" id="{B5DD01AA-61E8-49A8-8FBD-C4C6FA5EB1BC}"/>
               </a:ext>
             </a:extLst>
           </p:cNvPr>
@@ -2224,9 +1957,9 @@
           <a:bodyPr/>
           <a:lstStyle/>
           <a:p>
-            <a:fld id="{E639A20E-CE8F-4836-BEED-96EA7A948E50}" type="datetimeFigureOut">
+            <a:fld id="{D55F63AD-63EC-4D16-BFA8-FE04FF214D9C}" type="datetimeFigureOut">
               <a:rPr lang="zh-CN" altLang="en-US" smtClean="0"/>
-              <a:t>2020/9/7</a:t>
+              <a:t>2020/9/8</a:t>
             </a:fld>
             <a:endParaRPr lang="zh-CN" altLang="en-US"/>
           </a:p>
@@ -2237,7 +1970,7 @@
           <p:cNvPr id="4" name="页脚占位符 3">
             <a:extLst>
               <a:ext uri="{FF2B5EF4-FFF2-40B4-BE49-F238E27FC236}">
-                <a16:creationId xmlns:a16="http://schemas.microsoft.com/office/drawing/2014/main" id="{CB808FB4-C00A-4A4F-9471-4985BBA75496}"/>
+                <a16:creationId xmlns:a16="http://schemas.microsoft.com/office/drawing/2014/main" id="{F1B15DF7-39D6-4288-B1F8-127029F83884}"/>
               </a:ext>
             </a:extLst>
           </p:cNvPr>
@@ -2262,7 +1995,7 @@
           <p:cNvPr id="5" name="灯片编号占位符 4">
             <a:extLst>
               <a:ext uri="{FF2B5EF4-FFF2-40B4-BE49-F238E27FC236}">
-                <a16:creationId xmlns:a16="http://schemas.microsoft.com/office/drawing/2014/main" id="{F203A57D-D7E2-4341-A7E0-AAF26DB2AEC7}"/>
+                <a16:creationId xmlns:a16="http://schemas.microsoft.com/office/drawing/2014/main" id="{A744A33F-DEA9-43AB-85CB-76F15AE34779}"/>
               </a:ext>
             </a:extLst>
           </p:cNvPr>
@@ -2278,7 +2011,7 @@
           <a:bodyPr/>
           <a:lstStyle/>
           <a:p>
-            <a:fld id="{FCC2D989-55CE-4179-8A98-CF7BC414CC04}" type="slidenum">
+            <a:fld id="{0F9DC212-173F-462C-BBF5-672D14F10FB2}" type="slidenum">
               <a:rPr lang="zh-CN" altLang="en-US" smtClean="0"/>
               <a:t>‹#›</a:t>
             </a:fld>
@@ -2289,7 +2022,7 @@
     </p:spTree>
     <p:extLst>
       <p:ext uri="{BB962C8B-B14F-4D97-AF65-F5344CB8AC3E}">
-        <p14:creationId xmlns:p14="http://schemas.microsoft.com/office/powerpoint/2010/main" val="958771567"/>
+        <p14:creationId xmlns:p14="http://schemas.microsoft.com/office/powerpoint/2010/main" val="1859189693"/>
       </p:ext>
     </p:extLst>
   </p:cSld>
@@ -2321,7 +2054,7 @@
           <p:cNvPr id="2" name="日期占位符 1">
             <a:extLst>
               <a:ext uri="{FF2B5EF4-FFF2-40B4-BE49-F238E27FC236}">
-                <a16:creationId xmlns:a16="http://schemas.microsoft.com/office/drawing/2014/main" id="{239BAA9B-6411-4AAA-9085-0E96D8B76CD9}"/>
+                <a16:creationId xmlns:a16="http://schemas.microsoft.com/office/drawing/2014/main" id="{8AF84AE2-465A-418B-A6A7-4FFE7318BED5}"/>
               </a:ext>
             </a:extLst>
           </p:cNvPr>
@@ -2337,9 +2070,9 @@
           <a:bodyPr/>
           <a:lstStyle/>
           <a:p>
-            <a:fld id="{E639A20E-CE8F-4836-BEED-96EA7A948E50}" type="datetimeFigureOut">
+            <a:fld id="{D55F63AD-63EC-4D16-BFA8-FE04FF214D9C}" type="datetimeFigureOut">
               <a:rPr lang="zh-CN" altLang="en-US" smtClean="0"/>
-              <a:t>2020/9/7</a:t>
+              <a:t>2020/9/8</a:t>
             </a:fld>
             <a:endParaRPr lang="zh-CN" altLang="en-US"/>
           </a:p>
@@ -2350,7 +2083,7 @@
           <p:cNvPr id="3" name="页脚占位符 2">
             <a:extLst>
               <a:ext uri="{FF2B5EF4-FFF2-40B4-BE49-F238E27FC236}">
-                <a16:creationId xmlns:a16="http://schemas.microsoft.com/office/drawing/2014/main" id="{234AA642-5763-4527-A64E-D463C0FE5AB8}"/>
+                <a16:creationId xmlns:a16="http://schemas.microsoft.com/office/drawing/2014/main" id="{D01C8CE3-43B5-47EE-9CEE-355F79704A42}"/>
               </a:ext>
             </a:extLst>
           </p:cNvPr>
@@ -2375,7 +2108,7 @@
           <p:cNvPr id="4" name="灯片编号占位符 3">
             <a:extLst>
               <a:ext uri="{FF2B5EF4-FFF2-40B4-BE49-F238E27FC236}">
-                <a16:creationId xmlns:a16="http://schemas.microsoft.com/office/drawing/2014/main" id="{E86B6D76-681B-44B7-9F4A-8B41765B1152}"/>
+                <a16:creationId xmlns:a16="http://schemas.microsoft.com/office/drawing/2014/main" id="{0261E406-7486-4F65-8766-D788BCC61BAE}"/>
               </a:ext>
             </a:extLst>
           </p:cNvPr>
@@ -2391,7 +2124,7 @@
           <a:bodyPr/>
           <a:lstStyle/>
           <a:p>
-            <a:fld id="{FCC2D989-55CE-4179-8A98-CF7BC414CC04}" type="slidenum">
+            <a:fld id="{0F9DC212-173F-462C-BBF5-672D14F10FB2}" type="slidenum">
               <a:rPr lang="zh-CN" altLang="en-US" smtClean="0"/>
               <a:t>‹#›</a:t>
             </a:fld>
@@ -2402,7 +2135,7 @@
     </p:spTree>
     <p:extLst>
       <p:ext uri="{BB962C8B-B14F-4D97-AF65-F5344CB8AC3E}">
-        <p14:creationId xmlns:p14="http://schemas.microsoft.com/office/powerpoint/2010/main" val="4213226260"/>
+        <p14:creationId xmlns:p14="http://schemas.microsoft.com/office/powerpoint/2010/main" val="1513346252"/>
       </p:ext>
     </p:extLst>
   </p:cSld>
@@ -2434,7 +2167,7 @@
           <p:cNvPr id="2" name="标题 1">
             <a:extLst>
               <a:ext uri="{FF2B5EF4-FFF2-40B4-BE49-F238E27FC236}">
-                <a16:creationId xmlns:a16="http://schemas.microsoft.com/office/drawing/2014/main" id="{DE9408B1-5694-4073-BBB6-91576272D896}"/>
+                <a16:creationId xmlns:a16="http://schemas.microsoft.com/office/drawing/2014/main" id="{48C192B5-F669-4602-B05E-EE5F176873A2}"/>
               </a:ext>
             </a:extLst>
           </p:cNvPr>
@@ -2471,7 +2204,7 @@
           <p:cNvPr id="3" name="内容占位符 2">
             <a:extLst>
               <a:ext uri="{FF2B5EF4-FFF2-40B4-BE49-F238E27FC236}">
-                <a16:creationId xmlns:a16="http://schemas.microsoft.com/office/drawing/2014/main" id="{BDD2F90E-972B-477D-BC32-B1706FBB5B49}"/>
+                <a16:creationId xmlns:a16="http://schemas.microsoft.com/office/drawing/2014/main" id="{0F3DEA9A-FB0F-4830-BD4B-8C27BD61234C}"/>
               </a:ext>
             </a:extLst>
           </p:cNvPr>
@@ -2561,7 +2294,7 @@
           <p:cNvPr id="4" name="文本占位符 3">
             <a:extLst>
               <a:ext uri="{FF2B5EF4-FFF2-40B4-BE49-F238E27FC236}">
-                <a16:creationId xmlns:a16="http://schemas.microsoft.com/office/drawing/2014/main" id="{BED83838-946E-495D-BD3E-335F9D3ABC2D}"/>
+                <a16:creationId xmlns:a16="http://schemas.microsoft.com/office/drawing/2014/main" id="{7120642B-BA4A-463E-9B1A-CF1065FFD3EC}"/>
               </a:ext>
             </a:extLst>
           </p:cNvPr>
@@ -2632,7 +2365,7 @@
           <p:cNvPr id="5" name="日期占位符 4">
             <a:extLst>
               <a:ext uri="{FF2B5EF4-FFF2-40B4-BE49-F238E27FC236}">
-                <a16:creationId xmlns:a16="http://schemas.microsoft.com/office/drawing/2014/main" id="{ED927424-B650-49D8-A245-92F5BB254E6C}"/>
+                <a16:creationId xmlns:a16="http://schemas.microsoft.com/office/drawing/2014/main" id="{AB0509A9-7A0B-4A3A-BEBC-329F2DE45DA1}"/>
               </a:ext>
             </a:extLst>
           </p:cNvPr>
@@ -2648,9 +2381,9 @@
           <a:bodyPr/>
           <a:lstStyle/>
           <a:p>
-            <a:fld id="{E639A20E-CE8F-4836-BEED-96EA7A948E50}" type="datetimeFigureOut">
+            <a:fld id="{D55F63AD-63EC-4D16-BFA8-FE04FF214D9C}" type="datetimeFigureOut">
               <a:rPr lang="zh-CN" altLang="en-US" smtClean="0"/>
-              <a:t>2020/9/7</a:t>
+              <a:t>2020/9/8</a:t>
             </a:fld>
             <a:endParaRPr lang="zh-CN" altLang="en-US"/>
           </a:p>
@@ -2661,7 +2394,7 @@
           <p:cNvPr id="6" name="页脚占位符 5">
             <a:extLst>
               <a:ext uri="{FF2B5EF4-FFF2-40B4-BE49-F238E27FC236}">
-                <a16:creationId xmlns:a16="http://schemas.microsoft.com/office/drawing/2014/main" id="{D542B84A-D165-490B-8C7A-0F09D690DF16}"/>
+                <a16:creationId xmlns:a16="http://schemas.microsoft.com/office/drawing/2014/main" id="{75F9D6B1-9DEB-45D9-B8DF-7DDEA0678956}"/>
               </a:ext>
             </a:extLst>
           </p:cNvPr>
@@ -2686,7 +2419,7 @@
           <p:cNvPr id="7" name="灯片编号占位符 6">
             <a:extLst>
               <a:ext uri="{FF2B5EF4-FFF2-40B4-BE49-F238E27FC236}">
-                <a16:creationId xmlns:a16="http://schemas.microsoft.com/office/drawing/2014/main" id="{C5F5EDDF-8126-44AA-86A0-82323175FE1E}"/>
+                <a16:creationId xmlns:a16="http://schemas.microsoft.com/office/drawing/2014/main" id="{74968674-DCB4-4F74-858E-5E6D5B3C0AF5}"/>
               </a:ext>
             </a:extLst>
           </p:cNvPr>
@@ -2702,7 +2435,7 @@
           <a:bodyPr/>
           <a:lstStyle/>
           <a:p>
-            <a:fld id="{FCC2D989-55CE-4179-8A98-CF7BC414CC04}" type="slidenum">
+            <a:fld id="{0F9DC212-173F-462C-BBF5-672D14F10FB2}" type="slidenum">
               <a:rPr lang="zh-CN" altLang="en-US" smtClean="0"/>
               <a:t>‹#›</a:t>
             </a:fld>
@@ -2713,7 +2446,7 @@
     </p:spTree>
     <p:extLst>
       <p:ext uri="{BB962C8B-B14F-4D97-AF65-F5344CB8AC3E}">
-        <p14:creationId xmlns:p14="http://schemas.microsoft.com/office/powerpoint/2010/main" val="3549663184"/>
+        <p14:creationId xmlns:p14="http://schemas.microsoft.com/office/powerpoint/2010/main" val="788490799"/>
       </p:ext>
     </p:extLst>
   </p:cSld>
@@ -2745,7 +2478,7 @@
           <p:cNvPr id="2" name="标题 1">
             <a:extLst>
               <a:ext uri="{FF2B5EF4-FFF2-40B4-BE49-F238E27FC236}">
-                <a16:creationId xmlns:a16="http://schemas.microsoft.com/office/drawing/2014/main" id="{574E3D8D-8F29-4943-A1BD-42EE411CE4BC}"/>
+                <a16:creationId xmlns:a16="http://schemas.microsoft.com/office/drawing/2014/main" id="{22FCD8E9-B821-4ED6-B115-4284387589DA}"/>
               </a:ext>
             </a:extLst>
           </p:cNvPr>
@@ -2782,7 +2515,7 @@
           <p:cNvPr id="3" name="图片占位符 2">
             <a:extLst>
               <a:ext uri="{FF2B5EF4-FFF2-40B4-BE49-F238E27FC236}">
-                <a16:creationId xmlns:a16="http://schemas.microsoft.com/office/drawing/2014/main" id="{8D66B32B-B78C-4E7D-BEFB-A3449FB9EEAC}"/>
+                <a16:creationId xmlns:a16="http://schemas.microsoft.com/office/drawing/2014/main" id="{B0C643A5-AB56-4222-BFD1-DEA3001EE030}"/>
               </a:ext>
             </a:extLst>
           </p:cNvPr>
@@ -2849,7 +2582,7 @@
           <p:cNvPr id="4" name="文本占位符 3">
             <a:extLst>
               <a:ext uri="{FF2B5EF4-FFF2-40B4-BE49-F238E27FC236}">
-                <a16:creationId xmlns:a16="http://schemas.microsoft.com/office/drawing/2014/main" id="{481A67B8-7A0D-4AA4-8C93-49D4B07DB5CC}"/>
+                <a16:creationId xmlns:a16="http://schemas.microsoft.com/office/drawing/2014/main" id="{7338B9CA-CD02-446E-9C34-9AEBF237833E}"/>
               </a:ext>
             </a:extLst>
           </p:cNvPr>
@@ -2920,7 +2653,7 @@
           <p:cNvPr id="5" name="日期占位符 4">
             <a:extLst>
               <a:ext uri="{FF2B5EF4-FFF2-40B4-BE49-F238E27FC236}">
-                <a16:creationId xmlns:a16="http://schemas.microsoft.com/office/drawing/2014/main" id="{F76A33DA-7276-4D7C-8E43-5CFBA7D1892D}"/>
+                <a16:creationId xmlns:a16="http://schemas.microsoft.com/office/drawing/2014/main" id="{F57EDCF4-F2A8-4298-B31D-B0A8D77B54D1}"/>
               </a:ext>
             </a:extLst>
           </p:cNvPr>
@@ -2936,9 +2669,9 @@
           <a:bodyPr/>
           <a:lstStyle/>
           <a:p>
-            <a:fld id="{E639A20E-CE8F-4836-BEED-96EA7A948E50}" type="datetimeFigureOut">
+            <a:fld id="{D55F63AD-63EC-4D16-BFA8-FE04FF214D9C}" type="datetimeFigureOut">
               <a:rPr lang="zh-CN" altLang="en-US" smtClean="0"/>
-              <a:t>2020/9/7</a:t>
+              <a:t>2020/9/8</a:t>
             </a:fld>
             <a:endParaRPr lang="zh-CN" altLang="en-US"/>
           </a:p>
@@ -2949,7 +2682,7 @@
           <p:cNvPr id="6" name="页脚占位符 5">
             <a:extLst>
               <a:ext uri="{FF2B5EF4-FFF2-40B4-BE49-F238E27FC236}">
-                <a16:creationId xmlns:a16="http://schemas.microsoft.com/office/drawing/2014/main" id="{AF8DA9EE-6E50-4813-B10D-D7BDE7D23F97}"/>
+                <a16:creationId xmlns:a16="http://schemas.microsoft.com/office/drawing/2014/main" id="{EF0481E8-D34B-4915-9FF3-21F3F7865E5D}"/>
               </a:ext>
             </a:extLst>
           </p:cNvPr>
@@ -2974,7 +2707,7 @@
           <p:cNvPr id="7" name="灯片编号占位符 6">
             <a:extLst>
               <a:ext uri="{FF2B5EF4-FFF2-40B4-BE49-F238E27FC236}">
-                <a16:creationId xmlns:a16="http://schemas.microsoft.com/office/drawing/2014/main" id="{AF6FFE60-926E-48A1-8183-1D5B6F16B7AE}"/>
+                <a16:creationId xmlns:a16="http://schemas.microsoft.com/office/drawing/2014/main" id="{5A7C689C-6853-4D82-9D69-84913A095B2B}"/>
               </a:ext>
             </a:extLst>
           </p:cNvPr>
@@ -2990,7 +2723,7 @@
           <a:bodyPr/>
           <a:lstStyle/>
           <a:p>
-            <a:fld id="{FCC2D989-55CE-4179-8A98-CF7BC414CC04}" type="slidenum">
+            <a:fld id="{0F9DC212-173F-462C-BBF5-672D14F10FB2}" type="slidenum">
               <a:rPr lang="zh-CN" altLang="en-US" smtClean="0"/>
               <a:t>‹#›</a:t>
             </a:fld>
@@ -3001,7 +2734,7 @@
     </p:spTree>
     <p:extLst>
       <p:ext uri="{BB962C8B-B14F-4D97-AF65-F5344CB8AC3E}">
-        <p14:creationId xmlns:p14="http://schemas.microsoft.com/office/powerpoint/2010/main" val="1418004315"/>
+        <p14:creationId xmlns:p14="http://schemas.microsoft.com/office/powerpoint/2010/main" val="3604363250"/>
       </p:ext>
     </p:extLst>
   </p:cSld>
@@ -3038,7 +2771,7 @@
           <p:cNvPr id="2" name="标题占位符 1">
             <a:extLst>
               <a:ext uri="{FF2B5EF4-FFF2-40B4-BE49-F238E27FC236}">
-                <a16:creationId xmlns:a16="http://schemas.microsoft.com/office/drawing/2014/main" id="{E0810501-1257-48EC-9B3F-29E7908AFF1B}"/>
+                <a16:creationId xmlns:a16="http://schemas.microsoft.com/office/drawing/2014/main" id="{B322FC31-677A-44EC-9B11-AA93A6F7118D}"/>
               </a:ext>
             </a:extLst>
           </p:cNvPr>
@@ -3076,7 +2809,7 @@
           <p:cNvPr id="3" name="文本占位符 2">
             <a:extLst>
               <a:ext uri="{FF2B5EF4-FFF2-40B4-BE49-F238E27FC236}">
-                <a16:creationId xmlns:a16="http://schemas.microsoft.com/office/drawing/2014/main" id="{6B03E9A4-FC1B-4EB7-B098-20FEEB21B6D4}"/>
+                <a16:creationId xmlns:a16="http://schemas.microsoft.com/office/drawing/2014/main" id="{CF0CC490-47C5-4DF6-A326-21B32164BD37}"/>
               </a:ext>
             </a:extLst>
           </p:cNvPr>
@@ -3143,7 +2876,7 @@
           <p:cNvPr id="4" name="日期占位符 3">
             <a:extLst>
               <a:ext uri="{FF2B5EF4-FFF2-40B4-BE49-F238E27FC236}">
-                <a16:creationId xmlns:a16="http://schemas.microsoft.com/office/drawing/2014/main" id="{50DF4EB4-56E3-4695-84DD-61ED4CFABA54}"/>
+                <a16:creationId xmlns:a16="http://schemas.microsoft.com/office/drawing/2014/main" id="{D0BA4C72-C120-45FC-A6B5-C77C213F9670}"/>
               </a:ext>
             </a:extLst>
           </p:cNvPr>
@@ -3177,9 +2910,9 @@
             </a:lvl1pPr>
           </a:lstStyle>
           <a:p>
-            <a:fld id="{E639A20E-CE8F-4836-BEED-96EA7A948E50}" type="datetimeFigureOut">
+            <a:fld id="{D55F63AD-63EC-4D16-BFA8-FE04FF214D9C}" type="datetimeFigureOut">
               <a:rPr lang="zh-CN" altLang="en-US" smtClean="0"/>
-              <a:t>2020/9/7</a:t>
+              <a:t>2020/9/8</a:t>
             </a:fld>
             <a:endParaRPr lang="zh-CN" altLang="en-US"/>
           </a:p>
@@ -3190,7 +2923,7 @@
           <p:cNvPr id="5" name="页脚占位符 4">
             <a:extLst>
               <a:ext uri="{FF2B5EF4-FFF2-40B4-BE49-F238E27FC236}">
-                <a16:creationId xmlns:a16="http://schemas.microsoft.com/office/drawing/2014/main" id="{6E8B6B46-608C-40AC-A165-1558D1D17EB3}"/>
+                <a16:creationId xmlns:a16="http://schemas.microsoft.com/office/drawing/2014/main" id="{1E7274C3-9744-4BB4-81F8-A51C8DE681B6}"/>
               </a:ext>
             </a:extLst>
           </p:cNvPr>
@@ -3233,7 +2966,7 @@
           <p:cNvPr id="6" name="灯片编号占位符 5">
             <a:extLst>
               <a:ext uri="{FF2B5EF4-FFF2-40B4-BE49-F238E27FC236}">
-                <a16:creationId xmlns:a16="http://schemas.microsoft.com/office/drawing/2014/main" id="{60E4319D-54C7-419C-B5D5-98ACBA7B73C2}"/>
+                <a16:creationId xmlns:a16="http://schemas.microsoft.com/office/drawing/2014/main" id="{3F4C262C-E3BC-45BC-A765-A853BCE0BCCA}"/>
               </a:ext>
             </a:extLst>
           </p:cNvPr>
@@ -3267,7 +3000,7 @@
             </a:lvl1pPr>
           </a:lstStyle>
           <a:p>
-            <a:fld id="{FCC2D989-55CE-4179-8A98-CF7BC414CC04}" type="slidenum">
+            <a:fld id="{0F9DC212-173F-462C-BBF5-672D14F10FB2}" type="slidenum">
               <a:rPr lang="zh-CN" altLang="en-US" smtClean="0"/>
               <a:t>‹#›</a:t>
             </a:fld>
@@ -3278,7 +3011,7 @@
     </p:spTree>
     <p:extLst>
       <p:ext uri="{BB962C8B-B14F-4D97-AF65-F5344CB8AC3E}">
-        <p14:creationId xmlns:p14="http://schemas.microsoft.com/office/powerpoint/2010/main" val="4036615293"/>
+        <p14:creationId xmlns:p14="http://schemas.microsoft.com/office/powerpoint/2010/main" val="3524042882"/>
       </p:ext>
     </p:extLst>
   </p:cSld>
@@ -3610,7 +3343,7 @@
         </p:nvSpPr>
         <p:spPr>
           <a:xfrm>
-            <a:off x="426129" y="347707"/>
+            <a:off x="20774" y="347707"/>
             <a:ext cx="5344358" cy="461639"/>
           </a:xfrm>
           <a:prstGeom prst="rect">
@@ -3637,13 +3370,10 @@
           <a:p>
             <a:pPr algn="ctr"/>
             <a:r>
-              <a:rPr lang="en-US" altLang="zh-CN" dirty="0"/>
-              <a:t>html </a:t>
-            </a:r>
-            <a:r>
-              <a:rPr lang="zh-CN" altLang="en-US" dirty="0"/>
-              <a:t>页面</a:t>
-            </a:r>
+              <a:rPr lang="en-US" altLang="zh-CN"/>
+              <a:t>html</a:t>
+            </a:r>
+            <a:endParaRPr lang="zh-CN" altLang="en-US" dirty="0"/>
           </a:p>
         </p:txBody>
       </p:sp>
@@ -3661,7 +3391,7 @@
         </p:nvSpPr>
         <p:spPr>
           <a:xfrm>
-            <a:off x="426129" y="809346"/>
+            <a:off x="20774" y="809346"/>
             <a:ext cx="2672179" cy="461639"/>
           </a:xfrm>
           <a:prstGeom prst="rect">
@@ -3688,12 +3418,8 @@
           <a:p>
             <a:pPr algn="ctr"/>
             <a:r>
-              <a:rPr lang="zh-CN" altLang="en-US" dirty="0"/>
-              <a:t>注册</a:t>
-            </a:r>
-            <a:r>
-              <a:rPr lang="en-US" altLang="zh-CN" dirty="0"/>
-              <a:t>html</a:t>
+              <a:rPr lang="en-US" altLang="zh-CN"/>
+              <a:t>html for register</a:t>
             </a:r>
             <a:endParaRPr lang="zh-CN" altLang="en-US" dirty="0"/>
           </a:p>
@@ -3713,7 +3439,7 @@
         </p:nvSpPr>
         <p:spPr>
           <a:xfrm>
-            <a:off x="3098308" y="809346"/>
+            <a:off x="2692953" y="809346"/>
             <a:ext cx="2672179" cy="461639"/>
           </a:xfrm>
           <a:prstGeom prst="rect">
@@ -3740,12 +3466,8 @@
           <a:p>
             <a:pPr algn="ctr"/>
             <a:r>
-              <a:rPr lang="zh-CN" altLang="en-US" dirty="0"/>
-              <a:t>登录</a:t>
-            </a:r>
-            <a:r>
-              <a:rPr lang="en-US" altLang="zh-CN" dirty="0"/>
-              <a:t>html</a:t>
+              <a:rPr lang="en-US" altLang="zh-CN"/>
+              <a:t>html for login</a:t>
             </a:r>
             <a:endParaRPr lang="zh-CN" altLang="en-US" dirty="0"/>
           </a:p>
@@ -3765,7 +3487,7 @@
         </p:nvSpPr>
         <p:spPr>
           <a:xfrm>
-            <a:off x="426129" y="1270985"/>
+            <a:off x="20774" y="1270985"/>
             <a:ext cx="5344358" cy="461639"/>
           </a:xfrm>
           <a:prstGeom prst="rect">
@@ -3792,20 +3514,8 @@
           <a:p>
             <a:pPr algn="ctr"/>
             <a:r>
-              <a:rPr lang="zh-CN" altLang="en-US" sz="1600" dirty="0"/>
-              <a:t>表单提交，根据</a:t>
-            </a:r>
-            <a:r>
-              <a:rPr lang="en-US" altLang="zh-CN" sz="1600" dirty="0"/>
-              <a:t>xml</a:t>
-            </a:r>
-            <a:r>
-              <a:rPr lang="zh-CN" altLang="en-US" sz="1600" dirty="0"/>
-              <a:t>配置文件转到相应的</a:t>
-            </a:r>
-            <a:r>
-              <a:rPr lang="en-US" altLang="zh-CN" sz="1600" dirty="0"/>
-              <a:t>servlet</a:t>
+              <a:rPr lang="en-US" altLang="zh-CN" sz="1600"/>
+              <a:t>submit, redirect to servlet according to xml</a:t>
             </a:r>
             <a:endParaRPr lang="zh-CN" altLang="en-US" sz="1600" dirty="0"/>
           </a:p>
@@ -3825,7 +3535,7 @@
         </p:nvSpPr>
         <p:spPr>
           <a:xfrm>
-            <a:off x="426129" y="1732624"/>
+            <a:off x="20774" y="1732624"/>
             <a:ext cx="2672179" cy="461639"/>
           </a:xfrm>
           <a:prstGeom prst="rect">
@@ -3873,7 +3583,7 @@
         </p:nvSpPr>
         <p:spPr>
           <a:xfrm>
-            <a:off x="3098308" y="1732624"/>
+            <a:off x="2692953" y="1732624"/>
             <a:ext cx="2672179" cy="461639"/>
           </a:xfrm>
           <a:prstGeom prst="rect">
@@ -3909,10 +3619,10 @@
       </p:sp>
       <p:sp>
         <p:nvSpPr>
-          <p:cNvPr id="11" name="矩形 10">
-            <a:extLst>
-              <a:ext uri="{FF2B5EF4-FFF2-40B4-BE49-F238E27FC236}">
-                <a16:creationId xmlns:a16="http://schemas.microsoft.com/office/drawing/2014/main" id="{83D53A9D-EAFD-4478-9516-BE54D7DF3130}"/>
+          <p:cNvPr id="12" name="矩形 11">
+            <a:extLst>
+              <a:ext uri="{FF2B5EF4-FFF2-40B4-BE49-F238E27FC236}">
+                <a16:creationId xmlns:a16="http://schemas.microsoft.com/office/drawing/2014/main" id="{F24E0B04-7C29-4D86-B1E5-A1D61206DB4C}"/>
               </a:ext>
             </a:extLst>
           </p:cNvPr>
@@ -3921,8 +3631,8 @@
         </p:nvSpPr>
         <p:spPr>
           <a:xfrm>
-            <a:off x="467734" y="4432918"/>
-            <a:ext cx="5344358" cy="461639"/>
+            <a:off x="8419224" y="2194262"/>
+            <a:ext cx="3760205" cy="461639"/>
           </a:xfrm>
           <a:prstGeom prst="rect">
             <a:avLst/>
@@ -3948,30 +3658,19 @@
           <a:p>
             <a:pPr algn="ctr"/>
             <a:r>
-              <a:rPr lang="en-US" altLang="zh-CN" dirty="0"/>
-              <a:t>login or </a:t>
-            </a:r>
-            <a:r>
-              <a:rPr lang="en-US" altLang="zh-CN" dirty="0" err="1"/>
-              <a:t>regist</a:t>
-            </a:r>
-            <a:r>
-              <a:rPr lang="en-US" altLang="zh-CN" dirty="0"/>
-              <a:t> </a:t>
-            </a:r>
-            <a:r>
-              <a:rPr lang="zh-CN" altLang="en-US" dirty="0"/>
-              <a:t>方法属于</a:t>
-            </a:r>
-          </a:p>
-        </p:txBody>
-      </p:sp>
-      <p:sp>
-        <p:nvSpPr>
-          <p:cNvPr id="12" name="矩形 11">
-            <a:extLst>
-              <a:ext uri="{FF2B5EF4-FFF2-40B4-BE49-F238E27FC236}">
-                <a16:creationId xmlns:a16="http://schemas.microsoft.com/office/drawing/2014/main" id="{F24E0B04-7C29-4D86-B1E5-A1D61206DB4C}"/>
+              <a:rPr lang="en-US" altLang="zh-CN"/>
+              <a:t>implement UserService Interface.</a:t>
+            </a:r>
+            <a:endParaRPr lang="zh-CN" altLang="en-US" dirty="0"/>
+          </a:p>
+        </p:txBody>
+      </p:sp>
+      <p:sp>
+        <p:nvSpPr>
+          <p:cNvPr id="13" name="矩形 12">
+            <a:extLst>
+              <a:ext uri="{FF2B5EF4-FFF2-40B4-BE49-F238E27FC236}">
+                <a16:creationId xmlns:a16="http://schemas.microsoft.com/office/drawing/2014/main" id="{7A7E9B6A-55BE-408A-805F-37E88360CC81}"/>
               </a:ext>
             </a:extLst>
           </p:cNvPr>
@@ -3980,7 +3679,7 @@
         </p:nvSpPr>
         <p:spPr>
           <a:xfrm>
-            <a:off x="8824579" y="2194262"/>
+            <a:off x="5362171" y="2194263"/>
             <a:ext cx="3057053" cy="461639"/>
           </a:xfrm>
           <a:prstGeom prst="rect">
@@ -4007,30 +3706,19 @@
           <a:p>
             <a:pPr algn="ctr"/>
             <a:r>
-              <a:rPr lang="zh-CN" altLang="en-US" dirty="0"/>
-              <a:t>部署 </a:t>
-            </a:r>
-            <a:r>
-              <a:rPr lang="en-US" altLang="zh-CN" dirty="0" err="1"/>
-              <a:t>UserService</a:t>
-            </a:r>
-            <a:r>
-              <a:rPr lang="en-US" altLang="zh-CN" dirty="0"/>
-              <a:t> </a:t>
-            </a:r>
-            <a:r>
-              <a:rPr lang="zh-CN" altLang="en-US" dirty="0"/>
-              <a:t>接口</a:t>
-            </a:r>
-          </a:p>
-        </p:txBody>
-      </p:sp>
-      <p:sp>
-        <p:nvSpPr>
-          <p:cNvPr id="13" name="矩形 12">
-            <a:extLst>
-              <a:ext uri="{FF2B5EF4-FFF2-40B4-BE49-F238E27FC236}">
-                <a16:creationId xmlns:a16="http://schemas.microsoft.com/office/drawing/2014/main" id="{7A7E9B6A-55BE-408A-805F-37E88360CC81}"/>
+              <a:rPr lang="en-US" altLang="zh-CN"/>
+              <a:t>Class UserServiceImpl</a:t>
+            </a:r>
+            <a:endParaRPr lang="zh-CN" altLang="en-US" dirty="0"/>
+          </a:p>
+        </p:txBody>
+      </p:sp>
+      <p:sp>
+        <p:nvSpPr>
+          <p:cNvPr id="16" name="矩形 15">
+            <a:extLst>
+              <a:ext uri="{FF2B5EF4-FFF2-40B4-BE49-F238E27FC236}">
+                <a16:creationId xmlns:a16="http://schemas.microsoft.com/office/drawing/2014/main" id="{411C825A-56F3-4FC2-8CA5-0A3DF21D9F19}"/>
               </a:ext>
             </a:extLst>
           </p:cNvPr>
@@ -4039,8 +3727,8 @@
         </p:nvSpPr>
         <p:spPr>
           <a:xfrm>
-            <a:off x="5767526" y="2194263"/>
-            <a:ext cx="3057053" cy="461639"/>
+            <a:off x="8419224" y="2655902"/>
+            <a:ext cx="3760205" cy="332486"/>
           </a:xfrm>
           <a:prstGeom prst="rect">
             <a:avLst/>
@@ -4066,26 +3754,31 @@
           <a:p>
             <a:pPr algn="ctr"/>
             <a:r>
-              <a:rPr lang="en-US" altLang="zh-CN" dirty="0" err="1"/>
-              <a:t>UserServiceImpl</a:t>
-            </a:r>
-            <a:r>
-              <a:rPr lang="en-US" altLang="zh-CN" dirty="0"/>
+              <a:rPr lang="en-US" altLang="zh-CN" sz="1400"/>
+              <a:t>implement</a:t>
+            </a:r>
+            <a:r>
+              <a:rPr lang="zh-CN" altLang="en-US" sz="1400"/>
               <a:t> </a:t>
             </a:r>
             <a:r>
-              <a:rPr lang="zh-CN" altLang="en-US" dirty="0"/>
-              <a:t>类</a:t>
-            </a:r>
-          </a:p>
-        </p:txBody>
-      </p:sp>
-      <p:sp>
-        <p:nvSpPr>
-          <p:cNvPr id="14" name="矩形 13">
-            <a:extLst>
-              <a:ext uri="{FF2B5EF4-FFF2-40B4-BE49-F238E27FC236}">
-                <a16:creationId xmlns:a16="http://schemas.microsoft.com/office/drawing/2014/main" id="{E07A2B91-2DF4-40EF-9833-004BD391F6CB}"/>
+              <a:rPr lang="en-US" altLang="zh-CN" sz="1400" err="1"/>
+              <a:t>UserDao</a:t>
+            </a:r>
+            <a:r>
+              <a:rPr lang="en-US" altLang="zh-CN" sz="1400"/>
+              <a:t> interface </a:t>
+            </a:r>
+            <a:endParaRPr lang="zh-CN" altLang="en-US" sz="1400" dirty="0"/>
+          </a:p>
+        </p:txBody>
+      </p:sp>
+      <p:sp>
+        <p:nvSpPr>
+          <p:cNvPr id="17" name="矩形 16">
+            <a:extLst>
+              <a:ext uri="{FF2B5EF4-FFF2-40B4-BE49-F238E27FC236}">
+                <a16:creationId xmlns:a16="http://schemas.microsoft.com/office/drawing/2014/main" id="{35478D96-CE2C-440A-A3DE-6CF930EA27A9}"/>
               </a:ext>
             </a:extLst>
           </p:cNvPr>
@@ -4094,8 +3787,8 @@
         </p:nvSpPr>
         <p:spPr>
           <a:xfrm>
-            <a:off x="648070" y="5887374"/>
-            <a:ext cx="5344358" cy="461639"/>
+            <a:off x="5362171" y="2655902"/>
+            <a:ext cx="3057053" cy="586919"/>
           </a:xfrm>
           <a:prstGeom prst="rect">
             <a:avLst/>
@@ -4121,42 +3814,19 @@
           <a:p>
             <a:pPr algn="ctr"/>
             <a:r>
-              <a:rPr lang="en-US" altLang="zh-CN" sz="1500" dirty="0" err="1"/>
-              <a:t>getUserByUserNameAndPassword</a:t>
-            </a:r>
-            <a:r>
-              <a:rPr lang="en-US" altLang="zh-CN" sz="1500" dirty="0"/>
-              <a:t> </a:t>
-            </a:r>
-            <a:r>
-              <a:rPr lang="zh-CN" altLang="en-US" sz="1500" dirty="0"/>
-              <a:t>方法</a:t>
-            </a:r>
-            <a:r>
-              <a:rPr lang="en-US" altLang="zh-CN" sz="1500" dirty="0"/>
-              <a:t> | </a:t>
-            </a:r>
-            <a:r>
-              <a:rPr lang="en-US" altLang="zh-CN" sz="1500" dirty="0" err="1"/>
-              <a:t>registUser</a:t>
-            </a:r>
-            <a:r>
-              <a:rPr lang="en-US" altLang="zh-CN" sz="1500" dirty="0"/>
-              <a:t> </a:t>
-            </a:r>
-            <a:r>
-              <a:rPr lang="zh-CN" altLang="en-US" sz="1500" dirty="0"/>
-              <a:t>方法 属于</a:t>
-            </a:r>
-          </a:p>
-        </p:txBody>
-      </p:sp>
-      <p:sp>
-        <p:nvSpPr>
-          <p:cNvPr id="15" name="矩形 14">
-            <a:extLst>
-              <a:ext uri="{FF2B5EF4-FFF2-40B4-BE49-F238E27FC236}">
-                <a16:creationId xmlns:a16="http://schemas.microsoft.com/office/drawing/2014/main" id="{1A5DD211-0E5D-4A5F-99C4-669C9F64F0CA}"/>
+              <a:rPr lang="en-US" altLang="zh-CN"/>
+              <a:t>Class UserDaoImpl   </a:t>
+            </a:r>
+            <a:endParaRPr lang="zh-CN" altLang="en-US" dirty="0"/>
+          </a:p>
+        </p:txBody>
+      </p:sp>
+      <p:sp>
+        <p:nvSpPr>
+          <p:cNvPr id="20" name="矩形 19">
+            <a:extLst>
+              <a:ext uri="{FF2B5EF4-FFF2-40B4-BE49-F238E27FC236}">
+                <a16:creationId xmlns:a16="http://schemas.microsoft.com/office/drawing/2014/main" id="{75C18D0A-691A-40CA-B9AF-DD5E50E89274}"/>
               </a:ext>
             </a:extLst>
           </p:cNvPr>
@@ -4165,302 +3835,7 @@
         </p:nvSpPr>
         <p:spPr>
           <a:xfrm>
-            <a:off x="2441361" y="6279473"/>
-            <a:ext cx="5344358" cy="461639"/>
-          </a:xfrm>
-          <a:prstGeom prst="rect">
-            <a:avLst/>
-          </a:prstGeom>
-        </p:spPr>
-        <p:style>
-          <a:lnRef idx="3">
-            <a:schemeClr val="lt1"/>
-          </a:lnRef>
-          <a:fillRef idx="1">
-            <a:schemeClr val="accent5"/>
-          </a:fillRef>
-          <a:effectRef idx="1">
-            <a:schemeClr val="accent5"/>
-          </a:effectRef>
-          <a:fontRef idx="minor">
-            <a:schemeClr val="lt1"/>
-          </a:fontRef>
-        </p:style>
-        <p:txBody>
-          <a:bodyPr rtlCol="0" anchor="ctr"/>
-          <a:lstStyle/>
-          <a:p>
-            <a:pPr algn="ctr"/>
-            <a:r>
-              <a:rPr lang="en-US" altLang="zh-CN" dirty="0"/>
-              <a:t>login or </a:t>
-            </a:r>
-            <a:r>
-              <a:rPr lang="en-US" altLang="zh-CN" dirty="0" err="1"/>
-              <a:t>regist</a:t>
-            </a:r>
-            <a:r>
-              <a:rPr lang="en-US" altLang="zh-CN" dirty="0"/>
-              <a:t> </a:t>
-            </a:r>
-            <a:r>
-              <a:rPr lang="zh-CN" altLang="en-US" dirty="0"/>
-              <a:t>方法属于</a:t>
-            </a:r>
-          </a:p>
-        </p:txBody>
-      </p:sp>
-      <p:sp>
-        <p:nvSpPr>
-          <p:cNvPr id="16" name="矩形 15">
-            <a:extLst>
-              <a:ext uri="{FF2B5EF4-FFF2-40B4-BE49-F238E27FC236}">
-                <a16:creationId xmlns:a16="http://schemas.microsoft.com/office/drawing/2014/main" id="{411C825A-56F3-4FC2-8CA5-0A3DF21D9F19}"/>
-              </a:ext>
-            </a:extLst>
-          </p:cNvPr>
-          <p:cNvSpPr/>
-          <p:nvPr/>
-        </p:nvSpPr>
-        <p:spPr>
-          <a:xfrm>
-            <a:off x="8824579" y="2655902"/>
-            <a:ext cx="3057053" cy="239698"/>
-          </a:xfrm>
-          <a:prstGeom prst="rect">
-            <a:avLst/>
-          </a:prstGeom>
-        </p:spPr>
-        <p:style>
-          <a:lnRef idx="3">
-            <a:schemeClr val="lt1"/>
-          </a:lnRef>
-          <a:fillRef idx="1">
-            <a:schemeClr val="accent5"/>
-          </a:fillRef>
-          <a:effectRef idx="1">
-            <a:schemeClr val="accent5"/>
-          </a:effectRef>
-          <a:fontRef idx="minor">
-            <a:schemeClr val="lt1"/>
-          </a:fontRef>
-        </p:style>
-        <p:txBody>
-          <a:bodyPr rtlCol="0" anchor="ctr"/>
-          <a:lstStyle/>
-          <a:p>
-            <a:pPr algn="ctr"/>
-            <a:r>
-              <a:rPr lang="zh-CN" altLang="en-US" sz="1400" dirty="0"/>
-              <a:t>部署 </a:t>
-            </a:r>
-            <a:r>
-              <a:rPr lang="en-US" altLang="zh-CN" sz="1400" dirty="0" err="1"/>
-              <a:t>UserDao</a:t>
-            </a:r>
-            <a:r>
-              <a:rPr lang="en-US" altLang="zh-CN" sz="1400" dirty="0"/>
-              <a:t> </a:t>
-            </a:r>
-            <a:r>
-              <a:rPr lang="zh-CN" altLang="en-US" sz="1400" dirty="0"/>
-              <a:t>接口</a:t>
-            </a:r>
-            <a:r>
-              <a:rPr lang="en-US" altLang="zh-CN" sz="1400" dirty="0"/>
-              <a:t> </a:t>
-            </a:r>
-            <a:endParaRPr lang="zh-CN" altLang="en-US" sz="1400" dirty="0"/>
-          </a:p>
-        </p:txBody>
-      </p:sp>
-      <p:sp>
-        <p:nvSpPr>
-          <p:cNvPr id="17" name="矩形 16">
-            <a:extLst>
-              <a:ext uri="{FF2B5EF4-FFF2-40B4-BE49-F238E27FC236}">
-                <a16:creationId xmlns:a16="http://schemas.microsoft.com/office/drawing/2014/main" id="{35478D96-CE2C-440A-A3DE-6CF930EA27A9}"/>
-              </a:ext>
-            </a:extLst>
-          </p:cNvPr>
-          <p:cNvSpPr/>
-          <p:nvPr/>
-        </p:nvSpPr>
-        <p:spPr>
-          <a:xfrm>
-            <a:off x="5767526" y="2655902"/>
-            <a:ext cx="3057053" cy="461639"/>
-          </a:xfrm>
-          <a:prstGeom prst="rect">
-            <a:avLst/>
-          </a:prstGeom>
-        </p:spPr>
-        <p:style>
-          <a:lnRef idx="3">
-            <a:schemeClr val="lt1"/>
-          </a:lnRef>
-          <a:fillRef idx="1">
-            <a:schemeClr val="accent5"/>
-          </a:fillRef>
-          <a:effectRef idx="1">
-            <a:schemeClr val="accent5"/>
-          </a:effectRef>
-          <a:fontRef idx="minor">
-            <a:schemeClr val="lt1"/>
-          </a:fontRef>
-        </p:style>
-        <p:txBody>
-          <a:bodyPr rtlCol="0" anchor="ctr"/>
-          <a:lstStyle/>
-          <a:p>
-            <a:pPr algn="ctr"/>
-            <a:r>
-              <a:rPr lang="en-US" altLang="zh-CN" dirty="0" err="1"/>
-              <a:t>UserDaoImpl</a:t>
-            </a:r>
-            <a:r>
-              <a:rPr lang="en-US" altLang="zh-CN" dirty="0"/>
-              <a:t> </a:t>
-            </a:r>
-            <a:r>
-              <a:rPr lang="zh-CN" altLang="en-US" dirty="0"/>
-              <a:t>类</a:t>
-            </a:r>
-            <a:r>
-              <a:rPr lang="en-US" altLang="zh-CN" dirty="0"/>
-              <a:t>  </a:t>
-            </a:r>
-            <a:endParaRPr lang="zh-CN" altLang="en-US" dirty="0"/>
-          </a:p>
-        </p:txBody>
-      </p:sp>
-      <p:sp>
-        <p:nvSpPr>
-          <p:cNvPr id="18" name="矩形 17">
-            <a:extLst>
-              <a:ext uri="{FF2B5EF4-FFF2-40B4-BE49-F238E27FC236}">
-                <a16:creationId xmlns:a16="http://schemas.microsoft.com/office/drawing/2014/main" id="{C5E1ED16-FB54-4324-AFAA-F2B785C1D265}"/>
-              </a:ext>
-            </a:extLst>
-          </p:cNvPr>
-          <p:cNvSpPr/>
-          <p:nvPr/>
-        </p:nvSpPr>
-        <p:spPr>
-          <a:xfrm>
-            <a:off x="9134947" y="4894556"/>
-            <a:ext cx="3057053" cy="461639"/>
-          </a:xfrm>
-          <a:prstGeom prst="rect">
-            <a:avLst/>
-          </a:prstGeom>
-        </p:spPr>
-        <p:style>
-          <a:lnRef idx="3">
-            <a:schemeClr val="lt1"/>
-          </a:lnRef>
-          <a:fillRef idx="1">
-            <a:schemeClr val="accent5"/>
-          </a:fillRef>
-          <a:effectRef idx="1">
-            <a:schemeClr val="accent5"/>
-          </a:effectRef>
-          <a:fontRef idx="minor">
-            <a:schemeClr val="lt1"/>
-          </a:fontRef>
-        </p:style>
-        <p:txBody>
-          <a:bodyPr rtlCol="0" anchor="ctr"/>
-          <a:lstStyle/>
-          <a:p>
-            <a:pPr algn="ctr"/>
-            <a:r>
-              <a:rPr lang="en-US" altLang="zh-CN" dirty="0" err="1"/>
-              <a:t>UserService</a:t>
-            </a:r>
-            <a:r>
-              <a:rPr lang="en-US" altLang="zh-CN" dirty="0"/>
-              <a:t> </a:t>
-            </a:r>
-            <a:r>
-              <a:rPr lang="zh-CN" altLang="en-US" dirty="0"/>
-              <a:t>接口</a:t>
-            </a:r>
-            <a:r>
-              <a:rPr lang="en-US" altLang="zh-CN" dirty="0"/>
-              <a:t> </a:t>
-            </a:r>
-            <a:endParaRPr lang="zh-CN" altLang="en-US" dirty="0"/>
-          </a:p>
-        </p:txBody>
-      </p:sp>
-      <p:sp>
-        <p:nvSpPr>
-          <p:cNvPr id="19" name="矩形 18">
-            <a:extLst>
-              <a:ext uri="{FF2B5EF4-FFF2-40B4-BE49-F238E27FC236}">
-                <a16:creationId xmlns:a16="http://schemas.microsoft.com/office/drawing/2014/main" id="{91069BFB-CEB8-4F3E-BC34-C3C7C38B2942}"/>
-              </a:ext>
-            </a:extLst>
-          </p:cNvPr>
-          <p:cNvSpPr/>
-          <p:nvPr/>
-        </p:nvSpPr>
-        <p:spPr>
-          <a:xfrm>
-            <a:off x="6077894" y="4894557"/>
-            <a:ext cx="3057053" cy="461639"/>
-          </a:xfrm>
-          <a:prstGeom prst="rect">
-            <a:avLst/>
-          </a:prstGeom>
-        </p:spPr>
-        <p:style>
-          <a:lnRef idx="3">
-            <a:schemeClr val="lt1"/>
-          </a:lnRef>
-          <a:fillRef idx="1">
-            <a:schemeClr val="accent5"/>
-          </a:fillRef>
-          <a:effectRef idx="1">
-            <a:schemeClr val="accent5"/>
-          </a:effectRef>
-          <a:fontRef idx="minor">
-            <a:schemeClr val="lt1"/>
-          </a:fontRef>
-        </p:style>
-        <p:txBody>
-          <a:bodyPr rtlCol="0" anchor="ctr"/>
-          <a:lstStyle/>
-          <a:p>
-            <a:pPr algn="ctr"/>
-            <a:r>
-              <a:rPr lang="en-US" altLang="zh-CN" dirty="0" err="1"/>
-              <a:t>UserServiceImpl</a:t>
-            </a:r>
-            <a:r>
-              <a:rPr lang="en-US" altLang="zh-CN" dirty="0"/>
-              <a:t>  </a:t>
-            </a:r>
-            <a:endParaRPr lang="zh-CN" altLang="en-US" dirty="0"/>
-          </a:p>
-        </p:txBody>
-      </p:sp>
-      <p:sp>
-        <p:nvSpPr>
-          <p:cNvPr id="20" name="矩形 19">
-            <a:extLst>
-              <a:ext uri="{FF2B5EF4-FFF2-40B4-BE49-F238E27FC236}">
-                <a16:creationId xmlns:a16="http://schemas.microsoft.com/office/drawing/2014/main" id="{75C18D0A-691A-40CA-B9AF-DD5E50E89274}"/>
-              </a:ext>
-            </a:extLst>
-          </p:cNvPr>
-          <p:cNvSpPr/>
-          <p:nvPr/>
-        </p:nvSpPr>
-        <p:spPr>
-          <a:xfrm>
-            <a:off x="423168" y="2194262"/>
+            <a:off x="17813" y="2194262"/>
             <a:ext cx="2672179" cy="461639"/>
           </a:xfrm>
           <a:prstGeom prst="rect">
@@ -4487,13 +3862,10 @@
           <a:p>
             <a:pPr algn="ctr"/>
             <a:r>
-              <a:rPr lang="en-US" altLang="zh-CN" dirty="0"/>
-              <a:t>login </a:t>
-            </a:r>
-            <a:r>
-              <a:rPr lang="zh-CN" altLang="en-US" dirty="0"/>
-              <a:t>方法</a:t>
-            </a:r>
+              <a:rPr lang="en-US" altLang="zh-CN"/>
+              <a:t>login method</a:t>
+            </a:r>
+            <a:endParaRPr lang="zh-CN" altLang="en-US" dirty="0"/>
           </a:p>
         </p:txBody>
       </p:sp>
@@ -4511,7 +3883,7 @@
         </p:nvSpPr>
         <p:spPr>
           <a:xfrm>
-            <a:off x="3095347" y="2194262"/>
+            <a:off x="2689992" y="2194262"/>
             <a:ext cx="2672179" cy="461639"/>
           </a:xfrm>
           <a:prstGeom prst="rect">
@@ -4538,17 +3910,22 @@
           <a:p>
             <a:pPr algn="ctr"/>
             <a:r>
-              <a:rPr lang="en-US" altLang="zh-CN" dirty="0" err="1"/>
+              <a:rPr lang="en-US" altLang="zh-CN" err="1"/>
               <a:t>Regist</a:t>
             </a:r>
             <a:r>
-              <a:rPr lang="en-US" altLang="zh-CN" dirty="0"/>
+              <a:rPr lang="en-US" altLang="zh-CN"/>
+              <a:t> method</a:t>
+            </a:r>
+            <a:r>
+              <a:rPr lang="zh-CN" altLang="en-US"/>
               <a:t> </a:t>
             </a:r>
             <a:r>
-              <a:rPr lang="zh-CN" altLang="en-US" dirty="0"/>
-              <a:t>方法 属于</a:t>
-            </a:r>
+              <a:rPr lang="en-US" altLang="zh-CN"/>
+              <a:t>belong to:</a:t>
+            </a:r>
+            <a:endParaRPr lang="zh-CN" altLang="en-US" dirty="0"/>
           </a:p>
         </p:txBody>
       </p:sp>
@@ -4566,8 +3943,8 @@
         </p:nvSpPr>
         <p:spPr>
           <a:xfrm>
-            <a:off x="423168" y="2655900"/>
-            <a:ext cx="2672179" cy="461639"/>
+            <a:off x="17813" y="2655900"/>
+            <a:ext cx="2672179" cy="586919"/>
           </a:xfrm>
           <a:prstGeom prst="rect">
             <a:avLst/>
@@ -4593,17 +3970,22 @@
           <a:p>
             <a:pPr algn="ctr"/>
             <a:r>
-              <a:rPr lang="en-US" altLang="zh-CN" sz="1100" dirty="0" err="1"/>
+              <a:rPr lang="en-US" altLang="zh-CN" sz="1100" err="1"/>
               <a:t>getUserByUserNameAndPassword</a:t>
             </a:r>
             <a:r>
-              <a:rPr lang="en-US" altLang="zh-CN" sz="1100" dirty="0"/>
+              <a:rPr lang="en-US" altLang="zh-CN" sz="1100"/>
               <a:t> </a:t>
             </a:r>
             <a:r>
-              <a:rPr lang="zh-CN" altLang="en-US" sz="1100" dirty="0"/>
-              <a:t>方法</a:t>
-            </a:r>
+              <a:rPr lang="zh-CN" altLang="en-US" sz="1100"/>
+              <a:t> </a:t>
+            </a:r>
+            <a:r>
+              <a:rPr lang="en-US" altLang="zh-CN" sz="1100"/>
+              <a:t>method</a:t>
+            </a:r>
+            <a:endParaRPr lang="zh-CN" altLang="en-US" sz="1100" dirty="0"/>
           </a:p>
         </p:txBody>
       </p:sp>
@@ -4621,8 +4003,8 @@
         </p:nvSpPr>
         <p:spPr>
           <a:xfrm>
-            <a:off x="3095347" y="2655900"/>
-            <a:ext cx="2672179" cy="461639"/>
+            <a:off x="2689992" y="2655900"/>
+            <a:ext cx="2672179" cy="586919"/>
           </a:xfrm>
           <a:prstGeom prst="rect">
             <a:avLst/>
@@ -4648,17 +4030,22 @@
           <a:p>
             <a:pPr algn="ctr"/>
             <a:r>
-              <a:rPr lang="en-US" altLang="zh-CN" dirty="0" err="1"/>
+              <a:rPr lang="en-US" altLang="zh-CN" err="1"/>
               <a:t>registUser</a:t>
             </a:r>
             <a:r>
-              <a:rPr lang="en-US" altLang="zh-CN" dirty="0"/>
+              <a:rPr lang="en-US" altLang="zh-CN"/>
+              <a:t> method</a:t>
+            </a:r>
+            <a:r>
+              <a:rPr lang="zh-CN" altLang="en-US"/>
               <a:t> </a:t>
             </a:r>
             <a:r>
-              <a:rPr lang="zh-CN" altLang="en-US" dirty="0"/>
-              <a:t>方法 属于</a:t>
-            </a:r>
+              <a:rPr lang="en-US" altLang="zh-CN"/>
+              <a:t>belong to:</a:t>
+            </a:r>
+            <a:endParaRPr lang="zh-CN" altLang="en-US" dirty="0"/>
           </a:p>
         </p:txBody>
       </p:sp>
@@ -4676,8 +4063,8 @@
         </p:nvSpPr>
         <p:spPr>
           <a:xfrm>
-            <a:off x="5767526" y="3117541"/>
-            <a:ext cx="3057053" cy="461639"/>
+            <a:off x="5362171" y="3249519"/>
+            <a:ext cx="3057053" cy="622921"/>
           </a:xfrm>
           <a:prstGeom prst="rect">
             <a:avLst/>
@@ -4703,20 +4090,8 @@
           <a:p>
             <a:pPr algn="ctr"/>
             <a:r>
-              <a:rPr lang="en-US" altLang="zh-CN" dirty="0" err="1"/>
-              <a:t>BaseDao</a:t>
-            </a:r>
-            <a:r>
-              <a:rPr lang="en-US" altLang="zh-CN" dirty="0"/>
-              <a:t> </a:t>
-            </a:r>
-            <a:r>
-              <a:rPr lang="zh-CN" altLang="en-US" dirty="0"/>
-              <a:t>类</a:t>
-            </a:r>
-            <a:r>
-              <a:rPr lang="en-US" altLang="zh-CN" dirty="0"/>
-              <a:t>  </a:t>
+              <a:rPr lang="en-US" altLang="zh-CN"/>
+              <a:t>Class BaseDao  </a:t>
             </a:r>
             <a:endParaRPr lang="zh-CN" altLang="en-US" dirty="0"/>
           </a:p>
@@ -4736,8 +4111,8 @@
         </p:nvSpPr>
         <p:spPr>
           <a:xfrm>
-            <a:off x="423168" y="3117539"/>
-            <a:ext cx="2672179" cy="461639"/>
+            <a:off x="17813" y="3249517"/>
+            <a:ext cx="2672179" cy="622921"/>
           </a:xfrm>
           <a:prstGeom prst="rect">
             <a:avLst/>
@@ -4763,17 +4138,14 @@
           <a:p>
             <a:pPr algn="ctr"/>
             <a:r>
-              <a:rPr lang="en-US" altLang="zh-CN" dirty="0" err="1"/>
+              <a:rPr lang="en-US" altLang="zh-CN" err="1"/>
               <a:t>getBean</a:t>
             </a:r>
             <a:r>
-              <a:rPr lang="en-US" altLang="zh-CN" dirty="0"/>
-              <a:t> </a:t>
-            </a:r>
-            <a:r>
-              <a:rPr lang="zh-CN" altLang="en-US" dirty="0"/>
-              <a:t>方法</a:t>
-            </a:r>
+              <a:rPr lang="en-US" altLang="zh-CN"/>
+              <a:t> method</a:t>
+            </a:r>
+            <a:endParaRPr lang="zh-CN" altLang="en-US" dirty="0"/>
           </a:p>
         </p:txBody>
       </p:sp>
@@ -4791,8 +4163,8 @@
         </p:nvSpPr>
         <p:spPr>
           <a:xfrm>
-            <a:off x="3095347" y="3117539"/>
-            <a:ext cx="2672179" cy="461639"/>
+            <a:off x="2689992" y="3249517"/>
+            <a:ext cx="2672179" cy="622921"/>
           </a:xfrm>
           <a:prstGeom prst="rect">
             <a:avLst/>
@@ -4818,13 +4190,10 @@
           <a:p>
             <a:pPr algn="ctr"/>
             <a:r>
-              <a:rPr lang="en-US" altLang="zh-CN" dirty="0"/>
-              <a:t>update </a:t>
-            </a:r>
-            <a:r>
-              <a:rPr lang="zh-CN" altLang="en-US" dirty="0"/>
-              <a:t>方法 属于</a:t>
-            </a:r>
+              <a:rPr lang="en-US" altLang="zh-CN"/>
+              <a:t>update method belong to:</a:t>
+            </a:r>
+            <a:endParaRPr lang="zh-CN" altLang="en-US" dirty="0"/>
           </a:p>
         </p:txBody>
       </p:sp>
@@ -4842,8 +4211,8 @@
         </p:nvSpPr>
         <p:spPr>
           <a:xfrm>
-            <a:off x="8824579" y="2894119"/>
-            <a:ext cx="3057053" cy="223420"/>
+            <a:off x="8419224" y="2988388"/>
+            <a:ext cx="3760205" cy="251703"/>
           </a:xfrm>
           <a:prstGeom prst="rect">
             <a:avLst/>
@@ -4869,8 +4238,12 @@
           <a:p>
             <a:pPr algn="ctr"/>
             <a:r>
-              <a:rPr lang="zh-CN" altLang="en-US" sz="1400" dirty="0"/>
-              <a:t>继承 </a:t>
+              <a:rPr lang="en-US" altLang="zh-CN" sz="1400"/>
+              <a:t>extends</a:t>
+            </a:r>
+            <a:r>
+              <a:rPr lang="zh-CN" altLang="en-US" sz="1400"/>
+              <a:t> </a:t>
             </a:r>
             <a:r>
               <a:rPr lang="en-US" altLang="zh-CN" sz="1400" dirty="0" err="1"/>
@@ -4878,14 +4251,18 @@
             </a:r>
             <a:r>
               <a:rPr lang="en-US" altLang="zh-CN" sz="1400" dirty="0"/>
-              <a:t> &lt;T&gt; </a:t>
-            </a:r>
-            <a:r>
-              <a:rPr lang="zh-CN" altLang="en-US" sz="1400" dirty="0"/>
-              <a:t>类</a:t>
+              <a:t> &lt;T</a:t>
+            </a:r>
+            <a:r>
+              <a:rPr lang="en-US" altLang="zh-CN" sz="1400"/>
+              <a:t>&gt; Clas</a:t>
             </a:r>
             <a:r>
               <a:rPr lang="en-US" altLang="zh-CN" sz="1400" dirty="0"/>
+              <a:t>s</a:t>
+            </a:r>
+            <a:r>
+              <a:rPr lang="en-US" altLang="zh-CN" sz="1400"/>
               <a:t> </a:t>
             </a:r>
             <a:endParaRPr lang="zh-CN" altLang="en-US" sz="1400" dirty="0"/>
@@ -4906,8 +4283,8 @@
         </p:nvSpPr>
         <p:spPr>
           <a:xfrm>
-            <a:off x="423168" y="3591013"/>
-            <a:ext cx="2672179" cy="239698"/>
+            <a:off x="17813" y="3873815"/>
+            <a:ext cx="2672179" cy="392343"/>
           </a:xfrm>
           <a:prstGeom prst="rect">
             <a:avLst/>
@@ -4966,8 +4343,8 @@
         </p:nvSpPr>
         <p:spPr>
           <a:xfrm>
-            <a:off x="423168" y="3829230"/>
-            <a:ext cx="2672179" cy="223420"/>
+            <a:off x="17813" y="4272291"/>
+            <a:ext cx="2672179" cy="365699"/>
           </a:xfrm>
           <a:prstGeom prst="rect">
             <a:avLst/>
@@ -5026,8 +4403,8 @@
         </p:nvSpPr>
         <p:spPr>
           <a:xfrm>
-            <a:off x="3095347" y="3582885"/>
-            <a:ext cx="2672179" cy="239698"/>
+            <a:off x="2689992" y="3875114"/>
+            <a:ext cx="2672179" cy="392343"/>
           </a:xfrm>
           <a:prstGeom prst="rect">
             <a:avLst/>
@@ -5082,8 +4459,8 @@
         </p:nvSpPr>
         <p:spPr>
           <a:xfrm>
-            <a:off x="3095347" y="3821102"/>
-            <a:ext cx="2672179" cy="223420"/>
+            <a:off x="2689992" y="4273590"/>
+            <a:ext cx="2672179" cy="365699"/>
           </a:xfrm>
           <a:prstGeom prst="rect">
             <a:avLst/>
@@ -5131,7 +4508,7 @@
     </p:spTree>
     <p:extLst>
       <p:ext uri="{BB962C8B-B14F-4D97-AF65-F5344CB8AC3E}">
-        <p14:creationId xmlns:p14="http://schemas.microsoft.com/office/powerpoint/2010/main" val="2479402773"/>
+        <p14:creationId xmlns:p14="http://schemas.microsoft.com/office/powerpoint/2010/main" val="2773729368"/>
       </p:ext>
     </p:extLst>
   </p:cSld>
@@ -5158,6 +4535,1747 @@
           <a:chExt cx="0" cy="0"/>
         </a:xfrm>
       </p:grpSpPr>
+      <p:grpSp>
+        <p:nvGrpSpPr>
+          <p:cNvPr id="4" name="组合 3">
+            <a:extLst>
+              <a:ext uri="{FF2B5EF4-FFF2-40B4-BE49-F238E27FC236}">
+                <a16:creationId xmlns:a16="http://schemas.microsoft.com/office/drawing/2014/main" id="{7F7E7138-D56D-4124-9248-15E25894D837}"/>
+              </a:ext>
+            </a:extLst>
+          </p:cNvPr>
+          <p:cNvGrpSpPr/>
+          <p:nvPr/>
+        </p:nvGrpSpPr>
+        <p:grpSpPr>
+          <a:xfrm>
+            <a:off x="-283912" y="109582"/>
+            <a:ext cx="16802824" cy="4208832"/>
+            <a:chOff x="-283912" y="109582"/>
+            <a:chExt cx="16802824" cy="4208832"/>
+          </a:xfrm>
+        </p:grpSpPr>
+        <p:sp>
+          <p:nvSpPr>
+            <p:cNvPr id="5" name="矩形 4">
+              <a:extLst>
+                <a:ext uri="{FF2B5EF4-FFF2-40B4-BE49-F238E27FC236}">
+                  <a16:creationId xmlns:a16="http://schemas.microsoft.com/office/drawing/2014/main" id="{542B3708-D4D5-4354-ABB7-89697D5EEFFA}"/>
+                </a:ext>
+              </a:extLst>
+            </p:cNvPr>
+            <p:cNvSpPr/>
+            <p:nvPr/>
+          </p:nvSpPr>
+          <p:spPr>
+            <a:xfrm>
+              <a:off x="5063409" y="109582"/>
+              <a:ext cx="5344358" cy="461639"/>
+            </a:xfrm>
+            <a:prstGeom prst="rect">
+              <a:avLst/>
+            </a:prstGeom>
+          </p:spPr>
+          <p:style>
+            <a:lnRef idx="3">
+              <a:schemeClr val="lt1"/>
+            </a:lnRef>
+            <a:fillRef idx="1">
+              <a:schemeClr val="accent5"/>
+            </a:fillRef>
+            <a:effectRef idx="1">
+              <a:schemeClr val="accent5"/>
+            </a:effectRef>
+            <a:fontRef idx="minor">
+              <a:schemeClr val="lt1"/>
+            </a:fontRef>
+          </p:style>
+          <p:txBody>
+            <a:bodyPr rtlCol="0" anchor="ctr"/>
+            <a:lstStyle/>
+            <a:p>
+              <a:pPr algn="ctr"/>
+              <a:r>
+                <a:rPr lang="en-US" altLang="zh-CN"/>
+                <a:t>html</a:t>
+              </a:r>
+              <a:endParaRPr lang="zh-CN" altLang="en-US"/>
+            </a:p>
+          </p:txBody>
+        </p:sp>
+        <p:sp>
+          <p:nvSpPr>
+            <p:cNvPr id="6" name="矩形 5">
+              <a:extLst>
+                <a:ext uri="{FF2B5EF4-FFF2-40B4-BE49-F238E27FC236}">
+                  <a16:creationId xmlns:a16="http://schemas.microsoft.com/office/drawing/2014/main" id="{3BCECD89-B29E-4C3B-BAFD-13D3AEC073AB}"/>
+                </a:ext>
+              </a:extLst>
+            </p:cNvPr>
+            <p:cNvSpPr/>
+            <p:nvPr/>
+          </p:nvSpPr>
+          <p:spPr>
+            <a:xfrm>
+              <a:off x="5063409" y="571221"/>
+              <a:ext cx="2672179" cy="461639"/>
+            </a:xfrm>
+            <a:prstGeom prst="rect">
+              <a:avLst/>
+            </a:prstGeom>
+          </p:spPr>
+          <p:style>
+            <a:lnRef idx="3">
+              <a:schemeClr val="lt1"/>
+            </a:lnRef>
+            <a:fillRef idx="1">
+              <a:schemeClr val="accent5"/>
+            </a:fillRef>
+            <a:effectRef idx="1">
+              <a:schemeClr val="accent5"/>
+            </a:effectRef>
+            <a:fontRef idx="minor">
+              <a:schemeClr val="lt1"/>
+            </a:fontRef>
+          </p:style>
+          <p:txBody>
+            <a:bodyPr rtlCol="0" anchor="ctr"/>
+            <a:lstStyle/>
+            <a:p>
+              <a:pPr algn="ctr"/>
+              <a:r>
+                <a:rPr lang="en-US" altLang="zh-CN"/>
+                <a:t>regist</a:t>
+              </a:r>
+              <a:r>
+                <a:rPr lang="zh-CN" altLang="en-US"/>
+                <a:t> </a:t>
+              </a:r>
+              <a:r>
+                <a:rPr lang="en-US" altLang="zh-CN"/>
+                <a:t>html</a:t>
+              </a:r>
+              <a:endParaRPr lang="zh-CN" altLang="en-US"/>
+            </a:p>
+          </p:txBody>
+        </p:sp>
+        <p:sp>
+          <p:nvSpPr>
+            <p:cNvPr id="7" name="矩形 6">
+              <a:extLst>
+                <a:ext uri="{FF2B5EF4-FFF2-40B4-BE49-F238E27FC236}">
+                  <a16:creationId xmlns:a16="http://schemas.microsoft.com/office/drawing/2014/main" id="{B9D02A7D-8685-4442-8E7B-274EF30D4EF9}"/>
+                </a:ext>
+              </a:extLst>
+            </p:cNvPr>
+            <p:cNvSpPr/>
+            <p:nvPr/>
+          </p:nvSpPr>
+          <p:spPr>
+            <a:xfrm>
+              <a:off x="7735588" y="571221"/>
+              <a:ext cx="2672179" cy="461639"/>
+            </a:xfrm>
+            <a:prstGeom prst="rect">
+              <a:avLst/>
+            </a:prstGeom>
+          </p:spPr>
+          <p:style>
+            <a:lnRef idx="3">
+              <a:schemeClr val="lt1"/>
+            </a:lnRef>
+            <a:fillRef idx="1">
+              <a:schemeClr val="accent5"/>
+            </a:fillRef>
+            <a:effectRef idx="1">
+              <a:schemeClr val="accent5"/>
+            </a:effectRef>
+            <a:fontRef idx="minor">
+              <a:schemeClr val="lt1"/>
+            </a:fontRef>
+          </p:style>
+          <p:txBody>
+            <a:bodyPr rtlCol="0" anchor="ctr"/>
+            <a:lstStyle/>
+            <a:p>
+              <a:pPr algn="ctr"/>
+              <a:r>
+                <a:rPr lang="en-US" altLang="zh-CN"/>
+                <a:t>login</a:t>
+              </a:r>
+              <a:r>
+                <a:rPr lang="zh-CN" altLang="en-US"/>
+                <a:t> </a:t>
+              </a:r>
+              <a:r>
+                <a:rPr lang="en-US" altLang="zh-CN"/>
+                <a:t>html</a:t>
+              </a:r>
+              <a:endParaRPr lang="zh-CN" altLang="en-US"/>
+            </a:p>
+          </p:txBody>
+        </p:sp>
+        <p:sp>
+          <p:nvSpPr>
+            <p:cNvPr id="8" name="矩形 7">
+              <a:extLst>
+                <a:ext uri="{FF2B5EF4-FFF2-40B4-BE49-F238E27FC236}">
+                  <a16:creationId xmlns:a16="http://schemas.microsoft.com/office/drawing/2014/main" id="{720918B4-E168-48FE-93C0-FD019A0091D9}"/>
+                </a:ext>
+              </a:extLst>
+            </p:cNvPr>
+            <p:cNvSpPr/>
+            <p:nvPr/>
+          </p:nvSpPr>
+          <p:spPr>
+            <a:xfrm>
+              <a:off x="5063409" y="1032860"/>
+              <a:ext cx="5344358" cy="461639"/>
+            </a:xfrm>
+            <a:prstGeom prst="rect">
+              <a:avLst/>
+            </a:prstGeom>
+          </p:spPr>
+          <p:style>
+            <a:lnRef idx="3">
+              <a:schemeClr val="lt1"/>
+            </a:lnRef>
+            <a:fillRef idx="1">
+              <a:schemeClr val="accent5"/>
+            </a:fillRef>
+            <a:effectRef idx="1">
+              <a:schemeClr val="accent5"/>
+            </a:effectRef>
+            <a:fontRef idx="minor">
+              <a:schemeClr val="lt1"/>
+            </a:fontRef>
+          </p:style>
+          <p:txBody>
+            <a:bodyPr rtlCol="0" anchor="ctr"/>
+            <a:lstStyle/>
+            <a:p>
+              <a:pPr algn="ctr"/>
+              <a:r>
+                <a:rPr lang="en-US" altLang="zh-CN" sz="1600"/>
+                <a:t>submit, then redirect to relevant servlet</a:t>
+              </a:r>
+              <a:endParaRPr lang="zh-CN" altLang="en-US" sz="1600"/>
+            </a:p>
+          </p:txBody>
+        </p:sp>
+        <p:sp>
+          <p:nvSpPr>
+            <p:cNvPr id="9" name="矩形 8">
+              <a:extLst>
+                <a:ext uri="{FF2B5EF4-FFF2-40B4-BE49-F238E27FC236}">
+                  <a16:creationId xmlns:a16="http://schemas.microsoft.com/office/drawing/2014/main" id="{EE23F8C0-7BBC-4127-AFF4-4AAB1EA0BC42}"/>
+                </a:ext>
+              </a:extLst>
+            </p:cNvPr>
+            <p:cNvSpPr/>
+            <p:nvPr/>
+          </p:nvSpPr>
+          <p:spPr>
+            <a:xfrm>
+              <a:off x="5063409" y="1494499"/>
+              <a:ext cx="2672179" cy="461639"/>
+            </a:xfrm>
+            <a:prstGeom prst="rect">
+              <a:avLst/>
+            </a:prstGeom>
+          </p:spPr>
+          <p:style>
+            <a:lnRef idx="3">
+              <a:schemeClr val="lt1"/>
+            </a:lnRef>
+            <a:fillRef idx="1">
+              <a:schemeClr val="accent5"/>
+            </a:fillRef>
+            <a:effectRef idx="1">
+              <a:schemeClr val="accent5"/>
+            </a:effectRef>
+            <a:fontRef idx="minor">
+              <a:schemeClr val="lt1"/>
+            </a:fontRef>
+          </p:style>
+          <p:txBody>
+            <a:bodyPr rtlCol="0" anchor="ctr"/>
+            <a:lstStyle/>
+            <a:p>
+              <a:pPr algn="ctr"/>
+              <a:r>
+                <a:rPr lang="en-US" altLang="zh-CN" err="1"/>
+                <a:t>LoginServlet</a:t>
+              </a:r>
+              <a:endParaRPr lang="zh-CN" altLang="en-US"/>
+            </a:p>
+          </p:txBody>
+        </p:sp>
+        <p:sp>
+          <p:nvSpPr>
+            <p:cNvPr id="10" name="矩形 9">
+              <a:extLst>
+                <a:ext uri="{FF2B5EF4-FFF2-40B4-BE49-F238E27FC236}">
+                  <a16:creationId xmlns:a16="http://schemas.microsoft.com/office/drawing/2014/main" id="{AF465699-E062-453D-A6B8-2D86C0A41D8E}"/>
+                </a:ext>
+              </a:extLst>
+            </p:cNvPr>
+            <p:cNvSpPr/>
+            <p:nvPr/>
+          </p:nvSpPr>
+          <p:spPr>
+            <a:xfrm>
+              <a:off x="7735588" y="1494499"/>
+              <a:ext cx="2672179" cy="461639"/>
+            </a:xfrm>
+            <a:prstGeom prst="rect">
+              <a:avLst/>
+            </a:prstGeom>
+          </p:spPr>
+          <p:style>
+            <a:lnRef idx="3">
+              <a:schemeClr val="lt1"/>
+            </a:lnRef>
+            <a:fillRef idx="1">
+              <a:schemeClr val="accent5"/>
+            </a:fillRef>
+            <a:effectRef idx="1">
+              <a:schemeClr val="accent5"/>
+            </a:effectRef>
+            <a:fontRef idx="minor">
+              <a:schemeClr val="lt1"/>
+            </a:fontRef>
+          </p:style>
+          <p:txBody>
+            <a:bodyPr rtlCol="0" anchor="ctr"/>
+            <a:lstStyle/>
+            <a:p>
+              <a:pPr algn="ctr"/>
+              <a:r>
+                <a:rPr lang="en-US" altLang="zh-CN" err="1"/>
+                <a:t>RegistServlet</a:t>
+              </a:r>
+              <a:endParaRPr lang="zh-CN" altLang="en-US"/>
+            </a:p>
+          </p:txBody>
+        </p:sp>
+        <p:sp>
+          <p:nvSpPr>
+            <p:cNvPr id="11" name="矩形 10">
+              <a:extLst>
+                <a:ext uri="{FF2B5EF4-FFF2-40B4-BE49-F238E27FC236}">
+                  <a16:creationId xmlns:a16="http://schemas.microsoft.com/office/drawing/2014/main" id="{58B5CBC3-BAF1-4A75-9B21-2C6A28B3DA40}"/>
+                </a:ext>
+              </a:extLst>
+            </p:cNvPr>
+            <p:cNvSpPr/>
+            <p:nvPr/>
+          </p:nvSpPr>
+          <p:spPr>
+            <a:xfrm>
+              <a:off x="5060448" y="3856775"/>
+              <a:ext cx="5344358" cy="461639"/>
+            </a:xfrm>
+            <a:prstGeom prst="rect">
+              <a:avLst/>
+            </a:prstGeom>
+          </p:spPr>
+          <p:style>
+            <a:lnRef idx="3">
+              <a:schemeClr val="lt1"/>
+            </a:lnRef>
+            <a:fillRef idx="1">
+              <a:schemeClr val="accent5"/>
+            </a:fillRef>
+            <a:effectRef idx="1">
+              <a:schemeClr val="accent5"/>
+            </a:effectRef>
+            <a:fontRef idx="minor">
+              <a:schemeClr val="lt1"/>
+            </a:fontRef>
+          </p:style>
+          <p:txBody>
+            <a:bodyPr rtlCol="0" anchor="ctr"/>
+            <a:lstStyle/>
+            <a:p>
+              <a:pPr algn="ctr"/>
+              <a:r>
+                <a:rPr lang="en-US" altLang="zh-CN" sz="1400"/>
+                <a:t>call methods</a:t>
+              </a:r>
+              <a:r>
+                <a:rPr lang="zh-CN" altLang="en-US" sz="1400"/>
+                <a:t> </a:t>
+              </a:r>
+              <a:r>
+                <a:rPr lang="en-US" altLang="zh-CN" sz="1400"/>
+                <a:t>.getConnection() | .close() of object ComboPooledDataSource in Class JDBCUtils</a:t>
+              </a:r>
+              <a:endParaRPr lang="zh-CN" altLang="en-US" sz="1400"/>
+            </a:p>
+          </p:txBody>
+        </p:sp>
+        <p:sp>
+          <p:nvSpPr>
+            <p:cNvPr id="12" name="矩形 11">
+              <a:extLst>
+                <a:ext uri="{FF2B5EF4-FFF2-40B4-BE49-F238E27FC236}">
+                  <a16:creationId xmlns:a16="http://schemas.microsoft.com/office/drawing/2014/main" id="{6DC6F347-9EA4-4F7A-8F02-ABECC21207C1}"/>
+                </a:ext>
+              </a:extLst>
+            </p:cNvPr>
+            <p:cNvSpPr/>
+            <p:nvPr/>
+          </p:nvSpPr>
+          <p:spPr>
+            <a:xfrm>
+              <a:off x="13461859" y="1956137"/>
+              <a:ext cx="3057053" cy="461639"/>
+            </a:xfrm>
+            <a:prstGeom prst="rect">
+              <a:avLst/>
+            </a:prstGeom>
+          </p:spPr>
+          <p:style>
+            <a:lnRef idx="3">
+              <a:schemeClr val="lt1"/>
+            </a:lnRef>
+            <a:fillRef idx="1">
+              <a:schemeClr val="accent5"/>
+            </a:fillRef>
+            <a:effectRef idx="1">
+              <a:schemeClr val="accent5"/>
+            </a:effectRef>
+            <a:fontRef idx="minor">
+              <a:schemeClr val="lt1"/>
+            </a:fontRef>
+          </p:style>
+          <p:txBody>
+            <a:bodyPr rtlCol="0" anchor="ctr"/>
+            <a:lstStyle/>
+            <a:p>
+              <a:pPr algn="ctr"/>
+              <a:r>
+                <a:rPr lang="en-US" altLang="zh-CN"/>
+                <a:t>implement</a:t>
+              </a:r>
+              <a:r>
+                <a:rPr lang="zh-CN" altLang="en-US"/>
+                <a:t> </a:t>
+              </a:r>
+              <a:r>
+                <a:rPr lang="en-US" altLang="zh-CN"/>
+                <a:t>UserService</a:t>
+              </a:r>
+              <a:endParaRPr lang="zh-CN" altLang="en-US"/>
+            </a:p>
+          </p:txBody>
+        </p:sp>
+        <p:sp>
+          <p:nvSpPr>
+            <p:cNvPr id="13" name="矩形 12">
+              <a:extLst>
+                <a:ext uri="{FF2B5EF4-FFF2-40B4-BE49-F238E27FC236}">
+                  <a16:creationId xmlns:a16="http://schemas.microsoft.com/office/drawing/2014/main" id="{EC9CDE67-3527-4DA5-89D1-7DBC6664C038}"/>
+                </a:ext>
+              </a:extLst>
+            </p:cNvPr>
+            <p:cNvSpPr/>
+            <p:nvPr/>
+          </p:nvSpPr>
+          <p:spPr>
+            <a:xfrm>
+              <a:off x="10404806" y="1956138"/>
+              <a:ext cx="3057053" cy="461639"/>
+            </a:xfrm>
+            <a:prstGeom prst="rect">
+              <a:avLst/>
+            </a:prstGeom>
+          </p:spPr>
+          <p:style>
+            <a:lnRef idx="3">
+              <a:schemeClr val="lt1"/>
+            </a:lnRef>
+            <a:fillRef idx="1">
+              <a:schemeClr val="accent5"/>
+            </a:fillRef>
+            <a:effectRef idx="1">
+              <a:schemeClr val="accent5"/>
+            </a:effectRef>
+            <a:fontRef idx="minor">
+              <a:schemeClr val="lt1"/>
+            </a:fontRef>
+          </p:style>
+          <p:txBody>
+            <a:bodyPr rtlCol="0" anchor="ctr"/>
+            <a:lstStyle/>
+            <a:p>
+              <a:pPr algn="ctr"/>
+              <a:r>
+                <a:rPr lang="en-US" altLang="zh-CN"/>
+                <a:t>Class UserServiceImpl</a:t>
+              </a:r>
+              <a:endParaRPr lang="zh-CN" altLang="en-US"/>
+            </a:p>
+          </p:txBody>
+        </p:sp>
+        <p:sp>
+          <p:nvSpPr>
+            <p:cNvPr id="14" name="矩形 13">
+              <a:extLst>
+                <a:ext uri="{FF2B5EF4-FFF2-40B4-BE49-F238E27FC236}">
+                  <a16:creationId xmlns:a16="http://schemas.microsoft.com/office/drawing/2014/main" id="{B0734D8C-F3D0-42AC-B606-DC4DB6C7BEDC}"/>
+                </a:ext>
+              </a:extLst>
+            </p:cNvPr>
+            <p:cNvSpPr/>
+            <p:nvPr/>
+          </p:nvSpPr>
+          <p:spPr>
+            <a:xfrm>
+              <a:off x="13461859" y="2417777"/>
+              <a:ext cx="3057053" cy="239698"/>
+            </a:xfrm>
+            <a:prstGeom prst="rect">
+              <a:avLst/>
+            </a:prstGeom>
+          </p:spPr>
+          <p:style>
+            <a:lnRef idx="3">
+              <a:schemeClr val="lt1"/>
+            </a:lnRef>
+            <a:fillRef idx="1">
+              <a:schemeClr val="accent5"/>
+            </a:fillRef>
+            <a:effectRef idx="1">
+              <a:schemeClr val="accent5"/>
+            </a:effectRef>
+            <a:fontRef idx="minor">
+              <a:schemeClr val="lt1"/>
+            </a:fontRef>
+          </p:style>
+          <p:txBody>
+            <a:bodyPr rtlCol="0" anchor="ctr"/>
+            <a:lstStyle/>
+            <a:p>
+              <a:pPr algn="ctr"/>
+              <a:r>
+                <a:rPr lang="en-US" altLang="zh-CN" sz="1400"/>
+                <a:t>implement</a:t>
+              </a:r>
+              <a:r>
+                <a:rPr lang="zh-CN" altLang="en-US" sz="1400"/>
+                <a:t> </a:t>
+              </a:r>
+              <a:r>
+                <a:rPr lang="en-US" altLang="zh-CN" sz="1400" err="1"/>
+                <a:t>UserDao</a:t>
+              </a:r>
+              <a:r>
+                <a:rPr lang="en-US" altLang="zh-CN" sz="1400"/>
+                <a:t>  </a:t>
+              </a:r>
+              <a:endParaRPr lang="zh-CN" altLang="en-US" sz="1400"/>
+            </a:p>
+          </p:txBody>
+        </p:sp>
+        <p:sp>
+          <p:nvSpPr>
+            <p:cNvPr id="15" name="矩形 14">
+              <a:extLst>
+                <a:ext uri="{FF2B5EF4-FFF2-40B4-BE49-F238E27FC236}">
+                  <a16:creationId xmlns:a16="http://schemas.microsoft.com/office/drawing/2014/main" id="{18B088F9-26F6-4F46-9A5E-63425C90177D}"/>
+                </a:ext>
+              </a:extLst>
+            </p:cNvPr>
+            <p:cNvSpPr/>
+            <p:nvPr/>
+          </p:nvSpPr>
+          <p:spPr>
+            <a:xfrm>
+              <a:off x="10404806" y="2417777"/>
+              <a:ext cx="3057053" cy="461639"/>
+            </a:xfrm>
+            <a:prstGeom prst="rect">
+              <a:avLst/>
+            </a:prstGeom>
+          </p:spPr>
+          <p:style>
+            <a:lnRef idx="3">
+              <a:schemeClr val="lt1"/>
+            </a:lnRef>
+            <a:fillRef idx="1">
+              <a:schemeClr val="accent5"/>
+            </a:fillRef>
+            <a:effectRef idx="1">
+              <a:schemeClr val="accent5"/>
+            </a:effectRef>
+            <a:fontRef idx="minor">
+              <a:schemeClr val="lt1"/>
+            </a:fontRef>
+          </p:style>
+          <p:txBody>
+            <a:bodyPr rtlCol="0" anchor="ctr"/>
+            <a:lstStyle/>
+            <a:p>
+              <a:pPr algn="ctr"/>
+              <a:r>
+                <a:rPr lang="en-US" altLang="zh-CN"/>
+                <a:t>Class UserDaoImpl  </a:t>
+              </a:r>
+              <a:endParaRPr lang="zh-CN" altLang="en-US"/>
+            </a:p>
+          </p:txBody>
+        </p:sp>
+        <p:sp>
+          <p:nvSpPr>
+            <p:cNvPr id="16" name="矩形 15">
+              <a:extLst>
+                <a:ext uri="{FF2B5EF4-FFF2-40B4-BE49-F238E27FC236}">
+                  <a16:creationId xmlns:a16="http://schemas.microsoft.com/office/drawing/2014/main" id="{50B8F3D9-28FA-43DE-B097-30763CC1765F}"/>
+                </a:ext>
+              </a:extLst>
+            </p:cNvPr>
+            <p:cNvSpPr/>
+            <p:nvPr/>
+          </p:nvSpPr>
+          <p:spPr>
+            <a:xfrm>
+              <a:off x="5060448" y="1956137"/>
+              <a:ext cx="2672179" cy="461639"/>
+            </a:xfrm>
+            <a:prstGeom prst="rect">
+              <a:avLst/>
+            </a:prstGeom>
+          </p:spPr>
+          <p:style>
+            <a:lnRef idx="3">
+              <a:schemeClr val="lt1"/>
+            </a:lnRef>
+            <a:fillRef idx="1">
+              <a:schemeClr val="accent5"/>
+            </a:fillRef>
+            <a:effectRef idx="1">
+              <a:schemeClr val="accent5"/>
+            </a:effectRef>
+            <a:fontRef idx="minor">
+              <a:schemeClr val="lt1"/>
+            </a:fontRef>
+          </p:style>
+          <p:txBody>
+            <a:bodyPr rtlCol="0" anchor="ctr"/>
+            <a:lstStyle/>
+            <a:p>
+              <a:pPr algn="ctr"/>
+              <a:r>
+                <a:rPr lang="en-US" altLang="zh-CN"/>
+                <a:t>login method</a:t>
+              </a:r>
+              <a:endParaRPr lang="zh-CN" altLang="en-US"/>
+            </a:p>
+          </p:txBody>
+        </p:sp>
+        <p:sp>
+          <p:nvSpPr>
+            <p:cNvPr id="17" name="矩形 16">
+              <a:extLst>
+                <a:ext uri="{FF2B5EF4-FFF2-40B4-BE49-F238E27FC236}">
+                  <a16:creationId xmlns:a16="http://schemas.microsoft.com/office/drawing/2014/main" id="{B56487F3-7C22-4450-A957-A57205BD56CF}"/>
+                </a:ext>
+              </a:extLst>
+            </p:cNvPr>
+            <p:cNvSpPr/>
+            <p:nvPr/>
+          </p:nvSpPr>
+          <p:spPr>
+            <a:xfrm>
+              <a:off x="7732627" y="1956137"/>
+              <a:ext cx="2672179" cy="461639"/>
+            </a:xfrm>
+            <a:prstGeom prst="rect">
+              <a:avLst/>
+            </a:prstGeom>
+          </p:spPr>
+          <p:style>
+            <a:lnRef idx="3">
+              <a:schemeClr val="lt1"/>
+            </a:lnRef>
+            <a:fillRef idx="1">
+              <a:schemeClr val="accent5"/>
+            </a:fillRef>
+            <a:effectRef idx="1">
+              <a:schemeClr val="accent5"/>
+            </a:effectRef>
+            <a:fontRef idx="minor">
+              <a:schemeClr val="lt1"/>
+            </a:fontRef>
+          </p:style>
+          <p:txBody>
+            <a:bodyPr rtlCol="0" anchor="ctr"/>
+            <a:lstStyle/>
+            <a:p>
+              <a:pPr algn="ctr"/>
+              <a:r>
+                <a:rPr lang="en-US" altLang="zh-CN" err="1"/>
+                <a:t>Regist</a:t>
+              </a:r>
+              <a:r>
+                <a:rPr lang="en-US" altLang="zh-CN"/>
+                <a:t> method</a:t>
+              </a:r>
+              <a:r>
+                <a:rPr lang="zh-CN" altLang="en-US"/>
+                <a:t> </a:t>
+              </a:r>
+              <a:r>
+                <a:rPr lang="en-US" altLang="zh-CN"/>
+                <a:t>--&gt;</a:t>
+              </a:r>
+              <a:endParaRPr lang="zh-CN" altLang="en-US"/>
+            </a:p>
+          </p:txBody>
+        </p:sp>
+        <p:sp>
+          <p:nvSpPr>
+            <p:cNvPr id="18" name="矩形 17">
+              <a:extLst>
+                <a:ext uri="{FF2B5EF4-FFF2-40B4-BE49-F238E27FC236}">
+                  <a16:creationId xmlns:a16="http://schemas.microsoft.com/office/drawing/2014/main" id="{DB62BD0B-E715-4224-8E82-A1451D0422B4}"/>
+                </a:ext>
+              </a:extLst>
+            </p:cNvPr>
+            <p:cNvSpPr/>
+            <p:nvPr/>
+          </p:nvSpPr>
+          <p:spPr>
+            <a:xfrm>
+              <a:off x="5060448" y="2417775"/>
+              <a:ext cx="2672179" cy="461639"/>
+            </a:xfrm>
+            <a:prstGeom prst="rect">
+              <a:avLst/>
+            </a:prstGeom>
+          </p:spPr>
+          <p:style>
+            <a:lnRef idx="3">
+              <a:schemeClr val="lt1"/>
+            </a:lnRef>
+            <a:fillRef idx="1">
+              <a:schemeClr val="accent5"/>
+            </a:fillRef>
+            <a:effectRef idx="1">
+              <a:schemeClr val="accent5"/>
+            </a:effectRef>
+            <a:fontRef idx="minor">
+              <a:schemeClr val="lt1"/>
+            </a:fontRef>
+          </p:style>
+          <p:txBody>
+            <a:bodyPr rtlCol="0" anchor="ctr"/>
+            <a:lstStyle/>
+            <a:p>
+              <a:pPr algn="ctr"/>
+              <a:r>
+                <a:rPr lang="en-US" altLang="zh-CN" sz="1100"/>
+                <a:t>getUserByUserNameAndPassword</a:t>
+              </a:r>
+              <a:endParaRPr lang="zh-CN" altLang="en-US" sz="1100"/>
+            </a:p>
+          </p:txBody>
+        </p:sp>
+        <p:sp>
+          <p:nvSpPr>
+            <p:cNvPr id="19" name="矩形 18">
+              <a:extLst>
+                <a:ext uri="{FF2B5EF4-FFF2-40B4-BE49-F238E27FC236}">
+                  <a16:creationId xmlns:a16="http://schemas.microsoft.com/office/drawing/2014/main" id="{8428C5B1-2FA5-46D8-BC35-A4DE9F17CF0C}"/>
+                </a:ext>
+              </a:extLst>
+            </p:cNvPr>
+            <p:cNvSpPr/>
+            <p:nvPr/>
+          </p:nvSpPr>
+          <p:spPr>
+            <a:xfrm>
+              <a:off x="7732627" y="2417775"/>
+              <a:ext cx="2672179" cy="461639"/>
+            </a:xfrm>
+            <a:prstGeom prst="rect">
+              <a:avLst/>
+            </a:prstGeom>
+          </p:spPr>
+          <p:style>
+            <a:lnRef idx="3">
+              <a:schemeClr val="lt1"/>
+            </a:lnRef>
+            <a:fillRef idx="1">
+              <a:schemeClr val="accent5"/>
+            </a:fillRef>
+            <a:effectRef idx="1">
+              <a:schemeClr val="accent5"/>
+            </a:effectRef>
+            <a:fontRef idx="minor">
+              <a:schemeClr val="lt1"/>
+            </a:fontRef>
+          </p:style>
+          <p:txBody>
+            <a:bodyPr rtlCol="0" anchor="ctr"/>
+            <a:lstStyle/>
+            <a:p>
+              <a:pPr algn="ctr"/>
+              <a:r>
+                <a:rPr lang="en-US" altLang="zh-CN" err="1"/>
+                <a:t>registUser</a:t>
+              </a:r>
+              <a:r>
+                <a:rPr lang="en-US" altLang="zh-CN"/>
+                <a:t> method --&gt;</a:t>
+              </a:r>
+              <a:endParaRPr lang="zh-CN" altLang="en-US"/>
+            </a:p>
+          </p:txBody>
+        </p:sp>
+        <p:sp>
+          <p:nvSpPr>
+            <p:cNvPr id="20" name="矩形 19">
+              <a:extLst>
+                <a:ext uri="{FF2B5EF4-FFF2-40B4-BE49-F238E27FC236}">
+                  <a16:creationId xmlns:a16="http://schemas.microsoft.com/office/drawing/2014/main" id="{C6629624-1269-40CC-A28B-5FAF8CA8E87F}"/>
+                </a:ext>
+              </a:extLst>
+            </p:cNvPr>
+            <p:cNvSpPr/>
+            <p:nvPr/>
+          </p:nvSpPr>
+          <p:spPr>
+            <a:xfrm>
+              <a:off x="10404806" y="2879416"/>
+              <a:ext cx="3057053" cy="461639"/>
+            </a:xfrm>
+            <a:prstGeom prst="rect">
+              <a:avLst/>
+            </a:prstGeom>
+          </p:spPr>
+          <p:style>
+            <a:lnRef idx="3">
+              <a:schemeClr val="lt1"/>
+            </a:lnRef>
+            <a:fillRef idx="1">
+              <a:schemeClr val="accent5"/>
+            </a:fillRef>
+            <a:effectRef idx="1">
+              <a:schemeClr val="accent5"/>
+            </a:effectRef>
+            <a:fontRef idx="minor">
+              <a:schemeClr val="lt1"/>
+            </a:fontRef>
+          </p:style>
+          <p:txBody>
+            <a:bodyPr rtlCol="0" anchor="ctr"/>
+            <a:lstStyle/>
+            <a:p>
+              <a:pPr algn="ctr"/>
+              <a:r>
+                <a:rPr lang="en-US" altLang="zh-CN"/>
+                <a:t>Class BaseDao  </a:t>
+              </a:r>
+              <a:endParaRPr lang="zh-CN" altLang="en-US"/>
+            </a:p>
+          </p:txBody>
+        </p:sp>
+        <p:sp>
+          <p:nvSpPr>
+            <p:cNvPr id="21" name="矩形 20">
+              <a:extLst>
+                <a:ext uri="{FF2B5EF4-FFF2-40B4-BE49-F238E27FC236}">
+                  <a16:creationId xmlns:a16="http://schemas.microsoft.com/office/drawing/2014/main" id="{861C0611-BA41-4662-BA56-1354C50F7A36}"/>
+                </a:ext>
+              </a:extLst>
+            </p:cNvPr>
+            <p:cNvSpPr/>
+            <p:nvPr/>
+          </p:nvSpPr>
+          <p:spPr>
+            <a:xfrm>
+              <a:off x="5060448" y="2879414"/>
+              <a:ext cx="2672179" cy="461639"/>
+            </a:xfrm>
+            <a:prstGeom prst="rect">
+              <a:avLst/>
+            </a:prstGeom>
+          </p:spPr>
+          <p:style>
+            <a:lnRef idx="3">
+              <a:schemeClr val="lt1"/>
+            </a:lnRef>
+            <a:fillRef idx="1">
+              <a:schemeClr val="accent5"/>
+            </a:fillRef>
+            <a:effectRef idx="1">
+              <a:schemeClr val="accent5"/>
+            </a:effectRef>
+            <a:fontRef idx="minor">
+              <a:schemeClr val="lt1"/>
+            </a:fontRef>
+          </p:style>
+          <p:txBody>
+            <a:bodyPr rtlCol="0" anchor="ctr"/>
+            <a:lstStyle/>
+            <a:p>
+              <a:pPr algn="ctr"/>
+              <a:r>
+                <a:rPr lang="en-US" altLang="zh-CN" err="1"/>
+                <a:t>getBean</a:t>
+              </a:r>
+              <a:r>
+                <a:rPr lang="en-US" altLang="zh-CN"/>
+                <a:t> method</a:t>
+              </a:r>
+              <a:endParaRPr lang="zh-CN" altLang="en-US"/>
+            </a:p>
+          </p:txBody>
+        </p:sp>
+        <p:sp>
+          <p:nvSpPr>
+            <p:cNvPr id="22" name="矩形 21">
+              <a:extLst>
+                <a:ext uri="{FF2B5EF4-FFF2-40B4-BE49-F238E27FC236}">
+                  <a16:creationId xmlns:a16="http://schemas.microsoft.com/office/drawing/2014/main" id="{A2735EAE-ABF8-4A7C-8AB9-2EDE0BD3B0C3}"/>
+                </a:ext>
+              </a:extLst>
+            </p:cNvPr>
+            <p:cNvSpPr/>
+            <p:nvPr/>
+          </p:nvSpPr>
+          <p:spPr>
+            <a:xfrm>
+              <a:off x="7732627" y="2879414"/>
+              <a:ext cx="2672179" cy="461639"/>
+            </a:xfrm>
+            <a:prstGeom prst="rect">
+              <a:avLst/>
+            </a:prstGeom>
+          </p:spPr>
+          <p:style>
+            <a:lnRef idx="3">
+              <a:schemeClr val="lt1"/>
+            </a:lnRef>
+            <a:fillRef idx="1">
+              <a:schemeClr val="accent5"/>
+            </a:fillRef>
+            <a:effectRef idx="1">
+              <a:schemeClr val="accent5"/>
+            </a:effectRef>
+            <a:fontRef idx="minor">
+              <a:schemeClr val="lt1"/>
+            </a:fontRef>
+          </p:style>
+          <p:txBody>
+            <a:bodyPr rtlCol="0" anchor="ctr"/>
+            <a:lstStyle/>
+            <a:p>
+              <a:pPr algn="ctr"/>
+              <a:r>
+                <a:rPr lang="en-US" altLang="zh-CN"/>
+                <a:t>update method --&gt;</a:t>
+              </a:r>
+              <a:endParaRPr lang="zh-CN" altLang="en-US"/>
+            </a:p>
+          </p:txBody>
+        </p:sp>
+        <p:sp>
+          <p:nvSpPr>
+            <p:cNvPr id="23" name="矩形 22">
+              <a:extLst>
+                <a:ext uri="{FF2B5EF4-FFF2-40B4-BE49-F238E27FC236}">
+                  <a16:creationId xmlns:a16="http://schemas.microsoft.com/office/drawing/2014/main" id="{B13BCB91-8001-4616-8D1F-6EAFD37EE3E3}"/>
+                </a:ext>
+              </a:extLst>
+            </p:cNvPr>
+            <p:cNvSpPr/>
+            <p:nvPr/>
+          </p:nvSpPr>
+          <p:spPr>
+            <a:xfrm>
+              <a:off x="13461859" y="2655994"/>
+              <a:ext cx="3057053" cy="223420"/>
+            </a:xfrm>
+            <a:prstGeom prst="rect">
+              <a:avLst/>
+            </a:prstGeom>
+          </p:spPr>
+          <p:style>
+            <a:lnRef idx="3">
+              <a:schemeClr val="lt1"/>
+            </a:lnRef>
+            <a:fillRef idx="1">
+              <a:schemeClr val="accent5"/>
+            </a:fillRef>
+            <a:effectRef idx="1">
+              <a:schemeClr val="accent5"/>
+            </a:effectRef>
+            <a:fontRef idx="minor">
+              <a:schemeClr val="lt1"/>
+            </a:fontRef>
+          </p:style>
+          <p:txBody>
+            <a:bodyPr rtlCol="0" anchor="ctr"/>
+            <a:lstStyle/>
+            <a:p>
+              <a:pPr algn="ctr"/>
+              <a:r>
+                <a:rPr lang="en-US" altLang="zh-CN" sz="1400"/>
+                <a:t>extends</a:t>
+              </a:r>
+              <a:r>
+                <a:rPr lang="zh-CN" altLang="en-US" sz="1400"/>
+                <a:t> </a:t>
+              </a:r>
+              <a:r>
+                <a:rPr lang="en-US" altLang="zh-CN" sz="1400"/>
+                <a:t>Class</a:t>
+              </a:r>
+              <a:r>
+                <a:rPr lang="zh-CN" altLang="en-US" sz="1400"/>
+                <a:t> </a:t>
+              </a:r>
+              <a:r>
+                <a:rPr lang="en-US" altLang="zh-CN" sz="1400" err="1"/>
+                <a:t>BaseDao</a:t>
+              </a:r>
+              <a:r>
+                <a:rPr lang="en-US" altLang="zh-CN" sz="1400"/>
+                <a:t> &lt;T&gt; </a:t>
+              </a:r>
+              <a:endParaRPr lang="zh-CN" altLang="en-US" sz="1400"/>
+            </a:p>
+          </p:txBody>
+        </p:sp>
+        <p:sp>
+          <p:nvSpPr>
+            <p:cNvPr id="24" name="矩形 23">
+              <a:extLst>
+                <a:ext uri="{FF2B5EF4-FFF2-40B4-BE49-F238E27FC236}">
+                  <a16:creationId xmlns:a16="http://schemas.microsoft.com/office/drawing/2014/main" id="{646D8DAA-5521-46E8-8073-71E703A4E1D2}"/>
+                </a:ext>
+              </a:extLst>
+            </p:cNvPr>
+            <p:cNvSpPr/>
+            <p:nvPr/>
+          </p:nvSpPr>
+          <p:spPr>
+            <a:xfrm>
+              <a:off x="5060448" y="3352888"/>
+              <a:ext cx="2672179" cy="239698"/>
+            </a:xfrm>
+            <a:prstGeom prst="rect">
+              <a:avLst/>
+            </a:prstGeom>
+          </p:spPr>
+          <p:style>
+            <a:lnRef idx="3">
+              <a:schemeClr val="lt1"/>
+            </a:lnRef>
+            <a:fillRef idx="1">
+              <a:schemeClr val="accent6"/>
+            </a:fillRef>
+            <a:effectRef idx="1">
+              <a:schemeClr val="accent6"/>
+            </a:effectRef>
+            <a:fontRef idx="minor">
+              <a:schemeClr val="lt1"/>
+            </a:fontRef>
+          </p:style>
+          <p:txBody>
+            <a:bodyPr rtlCol="0" anchor="ctr"/>
+            <a:lstStyle/>
+            <a:p>
+              <a:pPr algn="ctr"/>
+              <a:r>
+                <a:rPr lang="en-US" altLang="zh-CN" sz="1400" err="1"/>
+                <a:t>runner.update</a:t>
+              </a:r>
+              <a:r>
+                <a:rPr lang="en-US" altLang="zh-CN" sz="1400"/>
+                <a:t>(</a:t>
+              </a:r>
+              <a:r>
+                <a:rPr lang="en-US" altLang="zh-CN" sz="1400" err="1"/>
+                <a:t>x,x,x</a:t>
+              </a:r>
+              <a:r>
+                <a:rPr lang="en-US" altLang="zh-CN" sz="1400"/>
+                <a:t>,…)</a:t>
+              </a:r>
+              <a:endParaRPr lang="zh-CN" altLang="en-US" sz="1400"/>
+            </a:p>
+          </p:txBody>
+        </p:sp>
+        <p:sp>
+          <p:nvSpPr>
+            <p:cNvPr id="25" name="矩形 24">
+              <a:extLst>
+                <a:ext uri="{FF2B5EF4-FFF2-40B4-BE49-F238E27FC236}">
+                  <a16:creationId xmlns:a16="http://schemas.microsoft.com/office/drawing/2014/main" id="{E1E0AD6F-7215-4360-8018-6A0ED181C08E}"/>
+                </a:ext>
+              </a:extLst>
+            </p:cNvPr>
+            <p:cNvSpPr/>
+            <p:nvPr/>
+          </p:nvSpPr>
+          <p:spPr>
+            <a:xfrm>
+              <a:off x="5060448" y="3591104"/>
+              <a:ext cx="2672179" cy="254470"/>
+            </a:xfrm>
+            <a:prstGeom prst="rect">
+              <a:avLst/>
+            </a:prstGeom>
+          </p:spPr>
+          <p:style>
+            <a:lnRef idx="3">
+              <a:schemeClr val="lt1"/>
+            </a:lnRef>
+            <a:fillRef idx="1">
+              <a:schemeClr val="accent5"/>
+            </a:fillRef>
+            <a:effectRef idx="1">
+              <a:schemeClr val="accent5"/>
+            </a:effectRef>
+            <a:fontRef idx="minor">
+              <a:schemeClr val="lt1"/>
+            </a:fontRef>
+          </p:style>
+          <p:txBody>
+            <a:bodyPr rtlCol="0" anchor="ctr"/>
+            <a:lstStyle/>
+            <a:p>
+              <a:pPr algn="ctr"/>
+              <a:r>
+                <a:rPr lang="en-US" altLang="zh-CN" sz="1200" err="1"/>
+                <a:t>getconnection</a:t>
+              </a:r>
+              <a:r>
+                <a:rPr lang="en-US" altLang="zh-CN" sz="1200"/>
+                <a:t>() | </a:t>
+              </a:r>
+              <a:r>
+                <a:rPr lang="en-US" altLang="zh-CN" sz="1200" err="1"/>
+                <a:t>releaseconnection</a:t>
+              </a:r>
+              <a:r>
+                <a:rPr lang="en-US" altLang="zh-CN" sz="1200"/>
+                <a:t>()</a:t>
+              </a:r>
+              <a:endParaRPr lang="zh-CN" altLang="en-US" sz="1200"/>
+            </a:p>
+          </p:txBody>
+        </p:sp>
+        <p:sp>
+          <p:nvSpPr>
+            <p:cNvPr id="26" name="矩形 25">
+              <a:extLst>
+                <a:ext uri="{FF2B5EF4-FFF2-40B4-BE49-F238E27FC236}">
+                  <a16:creationId xmlns:a16="http://schemas.microsoft.com/office/drawing/2014/main" id="{2984FA4F-3CFC-4F6F-AC93-830C0C1C0AE0}"/>
+                </a:ext>
+              </a:extLst>
+            </p:cNvPr>
+            <p:cNvSpPr/>
+            <p:nvPr/>
+          </p:nvSpPr>
+          <p:spPr>
+            <a:xfrm>
+              <a:off x="7732627" y="3344760"/>
+              <a:ext cx="2672179" cy="239698"/>
+            </a:xfrm>
+            <a:prstGeom prst="rect">
+              <a:avLst/>
+            </a:prstGeom>
+          </p:spPr>
+          <p:style>
+            <a:lnRef idx="3">
+              <a:schemeClr val="lt1"/>
+            </a:lnRef>
+            <a:fillRef idx="1">
+              <a:schemeClr val="accent6"/>
+            </a:fillRef>
+            <a:effectRef idx="1">
+              <a:schemeClr val="accent6"/>
+            </a:effectRef>
+            <a:fontRef idx="minor">
+              <a:schemeClr val="lt1"/>
+            </a:fontRef>
+          </p:style>
+          <p:txBody>
+            <a:bodyPr rtlCol="0" anchor="ctr"/>
+            <a:lstStyle/>
+            <a:p>
+              <a:pPr algn="ctr"/>
+              <a:r>
+                <a:rPr lang="en-US" altLang="zh-CN" sz="1400"/>
+                <a:t>runner. query(</a:t>
+              </a:r>
+              <a:r>
+                <a:rPr lang="en-US" altLang="zh-CN" sz="1400" err="1"/>
+                <a:t>x,x,x</a:t>
+              </a:r>
+              <a:r>
+                <a:rPr lang="en-US" altLang="zh-CN" sz="1400"/>
+                <a:t>,…)</a:t>
+              </a:r>
+              <a:endParaRPr lang="zh-CN" altLang="en-US" sz="1400"/>
+            </a:p>
+          </p:txBody>
+        </p:sp>
+        <p:sp>
+          <p:nvSpPr>
+            <p:cNvPr id="27" name="矩形 26">
+              <a:extLst>
+                <a:ext uri="{FF2B5EF4-FFF2-40B4-BE49-F238E27FC236}">
+                  <a16:creationId xmlns:a16="http://schemas.microsoft.com/office/drawing/2014/main" id="{7F62D4E7-2380-4890-8754-3F527B0401F8}"/>
+                </a:ext>
+              </a:extLst>
+            </p:cNvPr>
+            <p:cNvSpPr/>
+            <p:nvPr/>
+          </p:nvSpPr>
+          <p:spPr>
+            <a:xfrm>
+              <a:off x="7732627" y="3588163"/>
+              <a:ext cx="2672179" cy="254470"/>
+            </a:xfrm>
+            <a:prstGeom prst="rect">
+              <a:avLst/>
+            </a:prstGeom>
+          </p:spPr>
+          <p:style>
+            <a:lnRef idx="3">
+              <a:schemeClr val="lt1"/>
+            </a:lnRef>
+            <a:fillRef idx="1">
+              <a:schemeClr val="accent5"/>
+            </a:fillRef>
+            <a:effectRef idx="1">
+              <a:schemeClr val="accent5"/>
+            </a:effectRef>
+            <a:fontRef idx="minor">
+              <a:schemeClr val="lt1"/>
+            </a:fontRef>
+          </p:style>
+          <p:txBody>
+            <a:bodyPr rtlCol="0" anchor="ctr"/>
+            <a:lstStyle/>
+            <a:p>
+              <a:pPr algn="ctr"/>
+              <a:r>
+                <a:rPr lang="en-US" altLang="zh-CN" sz="1200" err="1"/>
+                <a:t>getconnection</a:t>
+              </a:r>
+              <a:r>
+                <a:rPr lang="en-US" altLang="zh-CN" sz="1200"/>
+                <a:t>() | </a:t>
+              </a:r>
+              <a:r>
+                <a:rPr lang="en-US" altLang="zh-CN" sz="1200" err="1"/>
+                <a:t>releaseconnection</a:t>
+              </a:r>
+              <a:r>
+                <a:rPr lang="en-US" altLang="zh-CN" sz="1200"/>
+                <a:t>()</a:t>
+              </a:r>
+              <a:endParaRPr lang="zh-CN" altLang="en-US" sz="1200"/>
+            </a:p>
+          </p:txBody>
+        </p:sp>
+        <p:sp>
+          <p:nvSpPr>
+            <p:cNvPr id="28" name="矩形 27">
+              <a:extLst>
+                <a:ext uri="{FF2B5EF4-FFF2-40B4-BE49-F238E27FC236}">
+                  <a16:creationId xmlns:a16="http://schemas.microsoft.com/office/drawing/2014/main" id="{02302D5A-7C2B-4725-A73B-EDDB1A27F861}"/>
+                </a:ext>
+              </a:extLst>
+            </p:cNvPr>
+            <p:cNvSpPr/>
+            <p:nvPr/>
+          </p:nvSpPr>
+          <p:spPr>
+            <a:xfrm>
+              <a:off x="10404806" y="3591104"/>
+              <a:ext cx="3057053" cy="254470"/>
+            </a:xfrm>
+            <a:prstGeom prst="rect">
+              <a:avLst/>
+            </a:prstGeom>
+          </p:spPr>
+          <p:style>
+            <a:lnRef idx="3">
+              <a:schemeClr val="lt1"/>
+            </a:lnRef>
+            <a:fillRef idx="1">
+              <a:schemeClr val="accent5"/>
+            </a:fillRef>
+            <a:effectRef idx="1">
+              <a:schemeClr val="accent5"/>
+            </a:effectRef>
+            <a:fontRef idx="minor">
+              <a:schemeClr val="lt1"/>
+            </a:fontRef>
+          </p:style>
+          <p:txBody>
+            <a:bodyPr rtlCol="0" anchor="ctr"/>
+            <a:lstStyle/>
+            <a:p>
+              <a:pPr algn="ctr"/>
+              <a:r>
+                <a:rPr lang="en-US" altLang="zh-CN" sz="1200"/>
+                <a:t>Class</a:t>
+              </a:r>
+              <a:r>
+                <a:rPr lang="zh-CN" altLang="en-US" sz="1200"/>
+                <a:t> </a:t>
+              </a:r>
+              <a:r>
+                <a:rPr lang="en-US" altLang="zh-CN" sz="1200"/>
+                <a:t>JDBCUtils </a:t>
+              </a:r>
+              <a:endParaRPr lang="zh-CN" altLang="en-US" sz="1200"/>
+            </a:p>
+          </p:txBody>
+        </p:sp>
+        <p:sp>
+          <p:nvSpPr>
+            <p:cNvPr id="29" name="矩形 28">
+              <a:extLst>
+                <a:ext uri="{FF2B5EF4-FFF2-40B4-BE49-F238E27FC236}">
+                  <a16:creationId xmlns:a16="http://schemas.microsoft.com/office/drawing/2014/main" id="{EFA9971C-114E-45B7-B142-8D724B4BC52D}"/>
+                </a:ext>
+              </a:extLst>
+            </p:cNvPr>
+            <p:cNvSpPr/>
+            <p:nvPr/>
+          </p:nvSpPr>
+          <p:spPr>
+            <a:xfrm>
+              <a:off x="10404806" y="3343996"/>
+              <a:ext cx="3057053" cy="254470"/>
+            </a:xfrm>
+            <a:prstGeom prst="rect">
+              <a:avLst/>
+            </a:prstGeom>
+          </p:spPr>
+          <p:style>
+            <a:lnRef idx="3">
+              <a:schemeClr val="lt1"/>
+            </a:lnRef>
+            <a:fillRef idx="1">
+              <a:schemeClr val="accent6"/>
+            </a:fillRef>
+            <a:effectRef idx="1">
+              <a:schemeClr val="accent6"/>
+            </a:effectRef>
+            <a:fontRef idx="minor">
+              <a:schemeClr val="lt1"/>
+            </a:fontRef>
+          </p:style>
+          <p:txBody>
+            <a:bodyPr rtlCol="0" anchor="ctr"/>
+            <a:lstStyle/>
+            <a:p>
+              <a:pPr algn="ctr"/>
+              <a:r>
+                <a:rPr lang="en-US" altLang="zh-CN" sz="1200"/>
+                <a:t> dbutils </a:t>
+              </a:r>
+              <a:endParaRPr lang="zh-CN" altLang="en-US" sz="1200"/>
+            </a:p>
+          </p:txBody>
+        </p:sp>
+        <p:sp>
+          <p:nvSpPr>
+            <p:cNvPr id="30" name="矩形 29">
+              <a:extLst>
+                <a:ext uri="{FF2B5EF4-FFF2-40B4-BE49-F238E27FC236}">
+                  <a16:creationId xmlns:a16="http://schemas.microsoft.com/office/drawing/2014/main" id="{9B8C2F68-F6AA-45FD-8AAC-AE5781B739E7}"/>
+                </a:ext>
+              </a:extLst>
+            </p:cNvPr>
+            <p:cNvSpPr/>
+            <p:nvPr/>
+          </p:nvSpPr>
+          <p:spPr>
+            <a:xfrm>
+              <a:off x="10404805" y="3842633"/>
+              <a:ext cx="3057053" cy="461639"/>
+            </a:xfrm>
+            <a:prstGeom prst="rect">
+              <a:avLst/>
+            </a:prstGeom>
+          </p:spPr>
+          <p:style>
+            <a:lnRef idx="3">
+              <a:schemeClr val="lt1"/>
+            </a:lnRef>
+            <a:fillRef idx="1">
+              <a:schemeClr val="accent5"/>
+            </a:fillRef>
+            <a:effectRef idx="1">
+              <a:schemeClr val="accent5"/>
+            </a:effectRef>
+            <a:fontRef idx="minor">
+              <a:schemeClr val="lt1"/>
+            </a:fontRef>
+          </p:style>
+          <p:txBody>
+            <a:bodyPr rtlCol="0" anchor="ctr"/>
+            <a:lstStyle/>
+            <a:p>
+              <a:pPr algn="ctr"/>
+              <a:r>
+                <a:rPr lang="en-US" altLang="zh-CN" sz="1200"/>
+                <a:t>C3P0 connectpool</a:t>
+              </a:r>
+              <a:endParaRPr lang="zh-CN" altLang="en-US" sz="1200"/>
+            </a:p>
+          </p:txBody>
+        </p:sp>
+        <p:sp>
+          <p:nvSpPr>
+            <p:cNvPr id="31" name="矩形 30">
+              <a:extLst>
+                <a:ext uri="{FF2B5EF4-FFF2-40B4-BE49-F238E27FC236}">
+                  <a16:creationId xmlns:a16="http://schemas.microsoft.com/office/drawing/2014/main" id="{75C845A0-CDA7-4974-93C2-EC840A88BE41}"/>
+                </a:ext>
+              </a:extLst>
+            </p:cNvPr>
+            <p:cNvSpPr/>
+            <p:nvPr/>
+          </p:nvSpPr>
+          <p:spPr>
+            <a:xfrm>
+              <a:off x="13461859" y="3856775"/>
+              <a:ext cx="3057053" cy="447497"/>
+            </a:xfrm>
+            <a:prstGeom prst="rect">
+              <a:avLst/>
+            </a:prstGeom>
+          </p:spPr>
+          <p:style>
+            <a:lnRef idx="3">
+              <a:schemeClr val="lt1"/>
+            </a:lnRef>
+            <a:fillRef idx="1">
+              <a:schemeClr val="accent5"/>
+            </a:fillRef>
+            <a:effectRef idx="1">
+              <a:schemeClr val="accent5"/>
+            </a:effectRef>
+            <a:fontRef idx="minor">
+              <a:schemeClr val="lt1"/>
+            </a:fontRef>
+          </p:style>
+          <p:txBody>
+            <a:bodyPr rtlCol="0" anchor="ctr"/>
+            <a:lstStyle/>
+            <a:p>
+              <a:pPr algn="ctr"/>
+              <a:r>
+                <a:rPr lang="en-US" altLang="zh-CN" sz="1200"/>
+                <a:t>C3P0 xml config</a:t>
+              </a:r>
+              <a:endParaRPr lang="zh-CN" altLang="en-US" sz="1200"/>
+            </a:p>
+          </p:txBody>
+        </p:sp>
+        <p:sp>
+          <p:nvSpPr>
+            <p:cNvPr id="32" name="矩形 31">
+              <a:extLst>
+                <a:ext uri="{FF2B5EF4-FFF2-40B4-BE49-F238E27FC236}">
+                  <a16:creationId xmlns:a16="http://schemas.microsoft.com/office/drawing/2014/main" id="{B32BDA3F-9ECB-457D-848C-D07180453AA2}"/>
+                </a:ext>
+              </a:extLst>
+            </p:cNvPr>
+            <p:cNvSpPr/>
+            <p:nvPr/>
+          </p:nvSpPr>
+          <p:spPr>
+            <a:xfrm>
+              <a:off x="2388267" y="1948365"/>
+              <a:ext cx="2672179" cy="915148"/>
+            </a:xfrm>
+            <a:prstGeom prst="rect">
+              <a:avLst/>
+            </a:prstGeom>
+          </p:spPr>
+          <p:style>
+            <a:lnRef idx="3">
+              <a:schemeClr val="lt1"/>
+            </a:lnRef>
+            <a:fillRef idx="1">
+              <a:schemeClr val="accent2"/>
+            </a:fillRef>
+            <a:effectRef idx="1">
+              <a:schemeClr val="accent2"/>
+            </a:effectRef>
+            <a:fontRef idx="minor">
+              <a:schemeClr val="lt1"/>
+            </a:fontRef>
+          </p:style>
+          <p:txBody>
+            <a:bodyPr rtlCol="0" anchor="ctr"/>
+            <a:lstStyle/>
+            <a:p>
+              <a:pPr algn="ctr"/>
+              <a:r>
+                <a:rPr lang="en-US" altLang="zh-CN"/>
+                <a:t>return</a:t>
+              </a:r>
+              <a:r>
+                <a:rPr lang="zh-CN" altLang="en-US"/>
+                <a:t> </a:t>
+              </a:r>
+              <a:r>
+                <a:rPr lang="en-US" altLang="zh-CN"/>
+                <a:t>User</a:t>
+              </a:r>
+              <a:endParaRPr lang="zh-CN" altLang="en-US"/>
+            </a:p>
+          </p:txBody>
+        </p:sp>
+        <p:sp>
+          <p:nvSpPr>
+            <p:cNvPr id="33" name="矩形 32">
+              <a:extLst>
+                <a:ext uri="{FF2B5EF4-FFF2-40B4-BE49-F238E27FC236}">
+                  <a16:creationId xmlns:a16="http://schemas.microsoft.com/office/drawing/2014/main" id="{CA724412-827F-4EF3-9F0D-9255990F3CEB}"/>
+                </a:ext>
+              </a:extLst>
+            </p:cNvPr>
+            <p:cNvSpPr/>
+            <p:nvPr/>
+          </p:nvSpPr>
+          <p:spPr>
+            <a:xfrm>
+              <a:off x="2388267" y="2880900"/>
+              <a:ext cx="2672179" cy="450927"/>
+            </a:xfrm>
+            <a:prstGeom prst="rect">
+              <a:avLst/>
+            </a:prstGeom>
+          </p:spPr>
+          <p:style>
+            <a:lnRef idx="3">
+              <a:schemeClr val="lt1"/>
+            </a:lnRef>
+            <a:fillRef idx="1">
+              <a:schemeClr val="accent2"/>
+            </a:fillRef>
+            <a:effectRef idx="1">
+              <a:schemeClr val="accent2"/>
+            </a:effectRef>
+            <a:fontRef idx="minor">
+              <a:schemeClr val="lt1"/>
+            </a:fontRef>
+          </p:style>
+          <p:txBody>
+            <a:bodyPr rtlCol="0" anchor="ctr"/>
+            <a:lstStyle/>
+            <a:p>
+              <a:pPr algn="ctr"/>
+              <a:r>
+                <a:rPr lang="en-US" altLang="zh-CN" sz="1200"/>
+                <a:t>BaseDao </a:t>
+              </a:r>
+              <a:r>
+                <a:rPr lang="zh-CN" altLang="en-US" sz="1200"/>
+                <a:t> </a:t>
+              </a:r>
+              <a:r>
+                <a:rPr lang="en-US" altLang="zh-CN" sz="1200"/>
+                <a:t>getBean&lt;T&gt; </a:t>
+              </a:r>
+              <a:endParaRPr lang="zh-CN" altLang="en-US" sz="1200"/>
+            </a:p>
+          </p:txBody>
+        </p:sp>
+        <p:sp>
+          <p:nvSpPr>
+            <p:cNvPr id="34" name="矩形 33">
+              <a:extLst>
+                <a:ext uri="{FF2B5EF4-FFF2-40B4-BE49-F238E27FC236}">
+                  <a16:creationId xmlns:a16="http://schemas.microsoft.com/office/drawing/2014/main" id="{10975A06-E5A2-4492-9D69-E25E847940A4}"/>
+                </a:ext>
+              </a:extLst>
+            </p:cNvPr>
+            <p:cNvSpPr/>
+            <p:nvPr/>
+          </p:nvSpPr>
+          <p:spPr>
+            <a:xfrm>
+              <a:off x="-283912" y="2872306"/>
+              <a:ext cx="2672179" cy="450927"/>
+            </a:xfrm>
+            <a:prstGeom prst="rect">
+              <a:avLst/>
+            </a:prstGeom>
+          </p:spPr>
+          <p:style>
+            <a:lnRef idx="3">
+              <a:schemeClr val="lt1"/>
+            </a:lnRef>
+            <a:fillRef idx="1">
+              <a:schemeClr val="accent2"/>
+            </a:fillRef>
+            <a:effectRef idx="1">
+              <a:schemeClr val="accent2"/>
+            </a:effectRef>
+            <a:fontRef idx="minor">
+              <a:schemeClr val="lt1"/>
+            </a:fontRef>
+          </p:style>
+          <p:txBody>
+            <a:bodyPr rtlCol="0" anchor="ctr"/>
+            <a:lstStyle/>
+            <a:p>
+              <a:pPr algn="ctr"/>
+              <a:r>
+                <a:rPr lang="en-US" altLang="zh-CN" sz="1400"/>
+                <a:t>T --&gt; BeanHandler&lt;&gt;(type)</a:t>
+              </a:r>
+              <a:endParaRPr lang="zh-CN" altLang="en-US" sz="1400"/>
+            </a:p>
+          </p:txBody>
+        </p:sp>
+        <p:sp>
+          <p:nvSpPr>
+            <p:cNvPr id="35" name="矩形 34">
+              <a:extLst>
+                <a:ext uri="{FF2B5EF4-FFF2-40B4-BE49-F238E27FC236}">
+                  <a16:creationId xmlns:a16="http://schemas.microsoft.com/office/drawing/2014/main" id="{ADBB8A73-1C32-43C2-B196-D4032EBB47F5}"/>
+                </a:ext>
+              </a:extLst>
+            </p:cNvPr>
+            <p:cNvSpPr/>
+            <p:nvPr/>
+          </p:nvSpPr>
+          <p:spPr>
+            <a:xfrm>
+              <a:off x="-283912" y="3584458"/>
+              <a:ext cx="2672179" cy="450927"/>
+            </a:xfrm>
+            <a:prstGeom prst="rect">
+              <a:avLst/>
+            </a:prstGeom>
+          </p:spPr>
+          <p:style>
+            <a:lnRef idx="3">
+              <a:schemeClr val="lt1"/>
+            </a:lnRef>
+            <a:fillRef idx="1">
+              <a:schemeClr val="accent2"/>
+            </a:fillRef>
+            <a:effectRef idx="1">
+              <a:schemeClr val="accent2"/>
+            </a:effectRef>
+            <a:fontRef idx="minor">
+              <a:schemeClr val="lt1"/>
+            </a:fontRef>
+          </p:style>
+          <p:txBody>
+            <a:bodyPr rtlCol="0" anchor="ctr"/>
+            <a:lstStyle/>
+            <a:p>
+              <a:pPr algn="ctr"/>
+              <a:r>
+                <a:rPr lang="en-US" altLang="zh-CN" sz="1400" b="1"/>
+                <a:t>type: </a:t>
+              </a:r>
+            </a:p>
+            <a:p>
+              <a:pPr algn="ctr"/>
+              <a:r>
+                <a:rPr lang="en-US" altLang="zh-CN" sz="1400" b="1"/>
+                <a:t>private Class&lt;T&gt; type;</a:t>
+              </a:r>
+              <a:endParaRPr lang="zh-CN" altLang="en-US" sz="1400"/>
+            </a:p>
+          </p:txBody>
+        </p:sp>
+        <p:cxnSp>
+          <p:nvCxnSpPr>
+            <p:cNvPr id="36" name="直接箭头连接符 35">
+              <a:extLst>
+                <a:ext uri="{FF2B5EF4-FFF2-40B4-BE49-F238E27FC236}">
+                  <a16:creationId xmlns:a16="http://schemas.microsoft.com/office/drawing/2014/main" id="{6D3EB991-008E-4C6C-97E8-6EBC6719FF1B}"/>
+                </a:ext>
+              </a:extLst>
+            </p:cNvPr>
+            <p:cNvCxnSpPr>
+              <a:cxnSpLocks/>
+              <a:stCxn id="34" idx="2"/>
+              <a:endCxn id="35" idx="0"/>
+            </p:cNvCxnSpPr>
+            <p:nvPr/>
+          </p:nvCxnSpPr>
+          <p:spPr>
+            <a:xfrm>
+              <a:off x="1052178" y="3323233"/>
+              <a:ext cx="0" cy="261225"/>
+            </a:xfrm>
+            <a:prstGeom prst="straightConnector1">
+              <a:avLst/>
+            </a:prstGeom>
+            <a:ln>
+              <a:tailEnd type="triangle"/>
+            </a:ln>
+          </p:spPr>
+          <p:style>
+            <a:lnRef idx="1">
+              <a:schemeClr val="accent1"/>
+            </a:lnRef>
+            <a:fillRef idx="0">
+              <a:schemeClr val="accent1"/>
+            </a:fillRef>
+            <a:effectRef idx="0">
+              <a:schemeClr val="accent1"/>
+            </a:effectRef>
+            <a:fontRef idx="minor">
+              <a:schemeClr val="tx1"/>
+            </a:fontRef>
+          </p:style>
+        </p:cxnSp>
+      </p:grpSp>
+    </p:spTree>
+    <p:extLst>
+      <p:ext uri="{BB962C8B-B14F-4D97-AF65-F5344CB8AC3E}">
+        <p14:creationId xmlns:p14="http://schemas.microsoft.com/office/powerpoint/2010/main" val="242767470"/>
+      </p:ext>
+    </p:extLst>
+  </p:cSld>
+  <p:clrMapOvr>
+    <a:masterClrMapping/>
+  </p:clrMapOvr>
+</p:sld>
+</file>
+
+<file path=ppt/slides/slide3.xml><?xml version="1.0" encoding="utf-8"?>
+<p:sld xmlns:a="http://schemas.openxmlformats.org/drawingml/2006/main" xmlns:r="http://schemas.openxmlformats.org/officeDocument/2006/relationships" xmlns:p="http://schemas.openxmlformats.org/presentationml/2006/main">
+  <p:cSld>
+    <p:spTree>
+      <p:nvGrpSpPr>
+        <p:cNvPr id="1" name=""/>
+        <p:cNvGrpSpPr/>
+        <p:nvPr/>
+      </p:nvGrpSpPr>
+      <p:grpSpPr>
+        <a:xfrm>
+          <a:off x="0" y="0"/>
+          <a:ext cx="0" cy="0"/>
+          <a:chOff x="0" y="0"/>
+          <a:chExt cx="0" cy="0"/>
+        </a:xfrm>
+      </p:grpSpPr>
       <p:sp>
         <p:nvSpPr>
           <p:cNvPr id="4" name="矩形 3">
@@ -5172,7 +6290,7 @@
         </p:nvSpPr>
         <p:spPr>
           <a:xfrm>
-            <a:off x="20774" y="347707"/>
+            <a:off x="426129" y="347707"/>
             <a:ext cx="5344358" cy="461639"/>
           </a:xfrm>
           <a:prstGeom prst="rect">
@@ -5199,10 +6317,13 @@
           <a:p>
             <a:pPr algn="ctr"/>
             <a:r>
-              <a:rPr lang="en-US" altLang="zh-CN"/>
-              <a:t>html</a:t>
-            </a:r>
-            <a:endParaRPr lang="zh-CN" altLang="en-US" dirty="0"/>
+              <a:rPr lang="en-US" altLang="zh-CN" dirty="0"/>
+              <a:t>html </a:t>
+            </a:r>
+            <a:r>
+              <a:rPr lang="zh-CN" altLang="en-US" dirty="0"/>
+              <a:t>页面</a:t>
+            </a:r>
           </a:p>
         </p:txBody>
       </p:sp>
@@ -5220,7 +6341,7 @@
         </p:nvSpPr>
         <p:spPr>
           <a:xfrm>
-            <a:off x="20774" y="809346"/>
+            <a:off x="426129" y="809346"/>
             <a:ext cx="2672179" cy="461639"/>
           </a:xfrm>
           <a:prstGeom prst="rect">
@@ -5247,8 +6368,12 @@
           <a:p>
             <a:pPr algn="ctr"/>
             <a:r>
-              <a:rPr lang="en-US" altLang="zh-CN"/>
-              <a:t>html for register</a:t>
+              <a:rPr lang="zh-CN" altLang="en-US" dirty="0"/>
+              <a:t>注册</a:t>
+            </a:r>
+            <a:r>
+              <a:rPr lang="en-US" altLang="zh-CN" dirty="0"/>
+              <a:t>html</a:t>
             </a:r>
             <a:endParaRPr lang="zh-CN" altLang="en-US" dirty="0"/>
           </a:p>
@@ -5268,7 +6393,7 @@
         </p:nvSpPr>
         <p:spPr>
           <a:xfrm>
-            <a:off x="2692953" y="809346"/>
+            <a:off x="3098308" y="809346"/>
             <a:ext cx="2672179" cy="461639"/>
           </a:xfrm>
           <a:prstGeom prst="rect">
@@ -5295,8 +6420,12 @@
           <a:p>
             <a:pPr algn="ctr"/>
             <a:r>
-              <a:rPr lang="en-US" altLang="zh-CN"/>
-              <a:t>html for login</a:t>
+              <a:rPr lang="zh-CN" altLang="en-US" dirty="0"/>
+              <a:t>登录</a:t>
+            </a:r>
+            <a:r>
+              <a:rPr lang="en-US" altLang="zh-CN" dirty="0"/>
+              <a:t>html</a:t>
             </a:r>
             <a:endParaRPr lang="zh-CN" altLang="en-US" dirty="0"/>
           </a:p>
@@ -5316,7 +6445,7 @@
         </p:nvSpPr>
         <p:spPr>
           <a:xfrm>
-            <a:off x="20774" y="1270985"/>
+            <a:off x="426129" y="1270985"/>
             <a:ext cx="5344358" cy="461639"/>
           </a:xfrm>
           <a:prstGeom prst="rect">
@@ -5343,8 +6472,20 @@
           <a:p>
             <a:pPr algn="ctr"/>
             <a:r>
-              <a:rPr lang="en-US" altLang="zh-CN" sz="1600"/>
-              <a:t>submit, redirect to servlet according to xml</a:t>
+              <a:rPr lang="zh-CN" altLang="en-US" sz="1600" dirty="0"/>
+              <a:t>表单提交，根据</a:t>
+            </a:r>
+            <a:r>
+              <a:rPr lang="en-US" altLang="zh-CN" sz="1600" dirty="0"/>
+              <a:t>xml</a:t>
+            </a:r>
+            <a:r>
+              <a:rPr lang="zh-CN" altLang="en-US" sz="1600" dirty="0"/>
+              <a:t>配置文件转到相应的</a:t>
+            </a:r>
+            <a:r>
+              <a:rPr lang="en-US" altLang="zh-CN" sz="1600" dirty="0"/>
+              <a:t>servlet</a:t>
             </a:r>
             <a:endParaRPr lang="zh-CN" altLang="en-US" sz="1600" dirty="0"/>
           </a:p>
@@ -5364,7 +6505,7 @@
         </p:nvSpPr>
         <p:spPr>
           <a:xfrm>
-            <a:off x="20774" y="1732624"/>
+            <a:off x="426129" y="1732624"/>
             <a:ext cx="2672179" cy="461639"/>
           </a:xfrm>
           <a:prstGeom prst="rect">
@@ -5412,7 +6553,7 @@
         </p:nvSpPr>
         <p:spPr>
           <a:xfrm>
-            <a:off x="2692953" y="1732624"/>
+            <a:off x="3098308" y="1732624"/>
             <a:ext cx="2672179" cy="461639"/>
           </a:xfrm>
           <a:prstGeom prst="rect">
@@ -5448,10 +6589,10 @@
       </p:sp>
       <p:sp>
         <p:nvSpPr>
-          <p:cNvPr id="12" name="矩形 11">
-            <a:extLst>
-              <a:ext uri="{FF2B5EF4-FFF2-40B4-BE49-F238E27FC236}">
-                <a16:creationId xmlns:a16="http://schemas.microsoft.com/office/drawing/2014/main" id="{F24E0B04-7C29-4D86-B1E5-A1D61206DB4C}"/>
+          <p:cNvPr id="11" name="矩形 10">
+            <a:extLst>
+              <a:ext uri="{FF2B5EF4-FFF2-40B4-BE49-F238E27FC236}">
+                <a16:creationId xmlns:a16="http://schemas.microsoft.com/office/drawing/2014/main" id="{83D53A9D-EAFD-4478-9516-BE54D7DF3130}"/>
               </a:ext>
             </a:extLst>
           </p:cNvPr>
@@ -5460,8 +6601,8 @@
         </p:nvSpPr>
         <p:spPr>
           <a:xfrm>
-            <a:off x="8419224" y="2194262"/>
-            <a:ext cx="3760205" cy="461639"/>
+            <a:off x="467734" y="4432918"/>
+            <a:ext cx="5344358" cy="461639"/>
           </a:xfrm>
           <a:prstGeom prst="rect">
             <a:avLst/>
@@ -5487,19 +6628,30 @@
           <a:p>
             <a:pPr algn="ctr"/>
             <a:r>
-              <a:rPr lang="en-US" altLang="zh-CN"/>
-              <a:t>implement UserService Interface.</a:t>
-            </a:r>
-            <a:endParaRPr lang="zh-CN" altLang="en-US" dirty="0"/>
-          </a:p>
-        </p:txBody>
-      </p:sp>
-      <p:sp>
-        <p:nvSpPr>
-          <p:cNvPr id="13" name="矩形 12">
-            <a:extLst>
-              <a:ext uri="{FF2B5EF4-FFF2-40B4-BE49-F238E27FC236}">
-                <a16:creationId xmlns:a16="http://schemas.microsoft.com/office/drawing/2014/main" id="{7A7E9B6A-55BE-408A-805F-37E88360CC81}"/>
+              <a:rPr lang="en-US" altLang="zh-CN" dirty="0"/>
+              <a:t>login or </a:t>
+            </a:r>
+            <a:r>
+              <a:rPr lang="en-US" altLang="zh-CN" dirty="0" err="1"/>
+              <a:t>regist</a:t>
+            </a:r>
+            <a:r>
+              <a:rPr lang="en-US" altLang="zh-CN" dirty="0"/>
+              <a:t> </a:t>
+            </a:r>
+            <a:r>
+              <a:rPr lang="zh-CN" altLang="en-US" dirty="0"/>
+              <a:t>方法属于</a:t>
+            </a:r>
+          </a:p>
+        </p:txBody>
+      </p:sp>
+      <p:sp>
+        <p:nvSpPr>
+          <p:cNvPr id="12" name="矩形 11">
+            <a:extLst>
+              <a:ext uri="{FF2B5EF4-FFF2-40B4-BE49-F238E27FC236}">
+                <a16:creationId xmlns:a16="http://schemas.microsoft.com/office/drawing/2014/main" id="{F24E0B04-7C29-4D86-B1E5-A1D61206DB4C}"/>
               </a:ext>
             </a:extLst>
           </p:cNvPr>
@@ -5508,7 +6660,7 @@
         </p:nvSpPr>
         <p:spPr>
           <a:xfrm>
-            <a:off x="5362171" y="2194263"/>
+            <a:off x="8824579" y="2194262"/>
             <a:ext cx="3057053" cy="461639"/>
           </a:xfrm>
           <a:prstGeom prst="rect">
@@ -5535,19 +6687,30 @@
           <a:p>
             <a:pPr algn="ctr"/>
             <a:r>
-              <a:rPr lang="en-US" altLang="zh-CN"/>
-              <a:t>Class UserServiceImpl</a:t>
-            </a:r>
-            <a:endParaRPr lang="zh-CN" altLang="en-US" dirty="0"/>
-          </a:p>
-        </p:txBody>
-      </p:sp>
-      <p:sp>
-        <p:nvSpPr>
-          <p:cNvPr id="16" name="矩形 15">
-            <a:extLst>
-              <a:ext uri="{FF2B5EF4-FFF2-40B4-BE49-F238E27FC236}">
-                <a16:creationId xmlns:a16="http://schemas.microsoft.com/office/drawing/2014/main" id="{411C825A-56F3-4FC2-8CA5-0A3DF21D9F19}"/>
+              <a:rPr lang="zh-CN" altLang="en-US" dirty="0"/>
+              <a:t>部署 </a:t>
+            </a:r>
+            <a:r>
+              <a:rPr lang="en-US" altLang="zh-CN" dirty="0" err="1"/>
+              <a:t>UserService</a:t>
+            </a:r>
+            <a:r>
+              <a:rPr lang="en-US" altLang="zh-CN" dirty="0"/>
+              <a:t> </a:t>
+            </a:r>
+            <a:r>
+              <a:rPr lang="zh-CN" altLang="en-US" dirty="0"/>
+              <a:t>接口</a:t>
+            </a:r>
+          </a:p>
+        </p:txBody>
+      </p:sp>
+      <p:sp>
+        <p:nvSpPr>
+          <p:cNvPr id="13" name="矩形 12">
+            <a:extLst>
+              <a:ext uri="{FF2B5EF4-FFF2-40B4-BE49-F238E27FC236}">
+                <a16:creationId xmlns:a16="http://schemas.microsoft.com/office/drawing/2014/main" id="{7A7E9B6A-55BE-408A-805F-37E88360CC81}"/>
               </a:ext>
             </a:extLst>
           </p:cNvPr>
@@ -5556,8 +6719,8 @@
         </p:nvSpPr>
         <p:spPr>
           <a:xfrm>
-            <a:off x="8419224" y="2655902"/>
-            <a:ext cx="3760205" cy="332486"/>
+            <a:off x="5767526" y="2194263"/>
+            <a:ext cx="3057053" cy="461639"/>
           </a:xfrm>
           <a:prstGeom prst="rect">
             <a:avLst/>
@@ -5583,31 +6746,26 @@
           <a:p>
             <a:pPr algn="ctr"/>
             <a:r>
-              <a:rPr lang="en-US" altLang="zh-CN" sz="1400"/>
-              <a:t>implement</a:t>
-            </a:r>
-            <a:r>
-              <a:rPr lang="zh-CN" altLang="en-US" sz="1400"/>
+              <a:rPr lang="en-US" altLang="zh-CN" dirty="0" err="1"/>
+              <a:t>UserServiceImpl</a:t>
+            </a:r>
+            <a:r>
+              <a:rPr lang="en-US" altLang="zh-CN" dirty="0"/>
               <a:t> </a:t>
             </a:r>
             <a:r>
-              <a:rPr lang="en-US" altLang="zh-CN" sz="1400" err="1"/>
-              <a:t>UserDao</a:t>
-            </a:r>
-            <a:r>
-              <a:rPr lang="en-US" altLang="zh-CN" sz="1400"/>
-              <a:t> interface </a:t>
-            </a:r>
-            <a:endParaRPr lang="zh-CN" altLang="en-US" sz="1400" dirty="0"/>
-          </a:p>
-        </p:txBody>
-      </p:sp>
-      <p:sp>
-        <p:nvSpPr>
-          <p:cNvPr id="17" name="矩形 16">
-            <a:extLst>
-              <a:ext uri="{FF2B5EF4-FFF2-40B4-BE49-F238E27FC236}">
-                <a16:creationId xmlns:a16="http://schemas.microsoft.com/office/drawing/2014/main" id="{35478D96-CE2C-440A-A3DE-6CF930EA27A9}"/>
+              <a:rPr lang="zh-CN" altLang="en-US" dirty="0"/>
+              <a:t>类</a:t>
+            </a:r>
+          </a:p>
+        </p:txBody>
+      </p:sp>
+      <p:sp>
+        <p:nvSpPr>
+          <p:cNvPr id="14" name="矩形 13">
+            <a:extLst>
+              <a:ext uri="{FF2B5EF4-FFF2-40B4-BE49-F238E27FC236}">
+                <a16:creationId xmlns:a16="http://schemas.microsoft.com/office/drawing/2014/main" id="{E07A2B91-2DF4-40EF-9833-004BD391F6CB}"/>
               </a:ext>
             </a:extLst>
           </p:cNvPr>
@@ -5616,8 +6774,8 @@
         </p:nvSpPr>
         <p:spPr>
           <a:xfrm>
-            <a:off x="5362171" y="2655902"/>
-            <a:ext cx="3057053" cy="586919"/>
+            <a:off x="648070" y="5887374"/>
+            <a:ext cx="5344358" cy="461639"/>
           </a:xfrm>
           <a:prstGeom prst="rect">
             <a:avLst/>
@@ -5643,19 +6801,42 @@
           <a:p>
             <a:pPr algn="ctr"/>
             <a:r>
-              <a:rPr lang="en-US" altLang="zh-CN"/>
-              <a:t>Class UserDaoImpl   </a:t>
-            </a:r>
-            <a:endParaRPr lang="zh-CN" altLang="en-US" dirty="0"/>
-          </a:p>
-        </p:txBody>
-      </p:sp>
-      <p:sp>
-        <p:nvSpPr>
-          <p:cNvPr id="20" name="矩形 19">
-            <a:extLst>
-              <a:ext uri="{FF2B5EF4-FFF2-40B4-BE49-F238E27FC236}">
-                <a16:creationId xmlns:a16="http://schemas.microsoft.com/office/drawing/2014/main" id="{75C18D0A-691A-40CA-B9AF-DD5E50E89274}"/>
+              <a:rPr lang="en-US" altLang="zh-CN" sz="1500" dirty="0" err="1"/>
+              <a:t>getUserByUserNameAndPassword</a:t>
+            </a:r>
+            <a:r>
+              <a:rPr lang="en-US" altLang="zh-CN" sz="1500" dirty="0"/>
+              <a:t> </a:t>
+            </a:r>
+            <a:r>
+              <a:rPr lang="zh-CN" altLang="en-US" sz="1500" dirty="0"/>
+              <a:t>方法</a:t>
+            </a:r>
+            <a:r>
+              <a:rPr lang="en-US" altLang="zh-CN" sz="1500" dirty="0"/>
+              <a:t> | </a:t>
+            </a:r>
+            <a:r>
+              <a:rPr lang="en-US" altLang="zh-CN" sz="1500" dirty="0" err="1"/>
+              <a:t>registUser</a:t>
+            </a:r>
+            <a:r>
+              <a:rPr lang="en-US" altLang="zh-CN" sz="1500" dirty="0"/>
+              <a:t> </a:t>
+            </a:r>
+            <a:r>
+              <a:rPr lang="zh-CN" altLang="en-US" sz="1500" dirty="0"/>
+              <a:t>方法 属于</a:t>
+            </a:r>
+          </a:p>
+        </p:txBody>
+      </p:sp>
+      <p:sp>
+        <p:nvSpPr>
+          <p:cNvPr id="15" name="矩形 14">
+            <a:extLst>
+              <a:ext uri="{FF2B5EF4-FFF2-40B4-BE49-F238E27FC236}">
+                <a16:creationId xmlns:a16="http://schemas.microsoft.com/office/drawing/2014/main" id="{1A5DD211-0E5D-4A5F-99C4-669C9F64F0CA}"/>
               </a:ext>
             </a:extLst>
           </p:cNvPr>
@@ -5664,7 +6845,302 @@
         </p:nvSpPr>
         <p:spPr>
           <a:xfrm>
-            <a:off x="17813" y="2194262"/>
+            <a:off x="2441361" y="6279473"/>
+            <a:ext cx="5344358" cy="461639"/>
+          </a:xfrm>
+          <a:prstGeom prst="rect">
+            <a:avLst/>
+          </a:prstGeom>
+        </p:spPr>
+        <p:style>
+          <a:lnRef idx="3">
+            <a:schemeClr val="lt1"/>
+          </a:lnRef>
+          <a:fillRef idx="1">
+            <a:schemeClr val="accent5"/>
+          </a:fillRef>
+          <a:effectRef idx="1">
+            <a:schemeClr val="accent5"/>
+          </a:effectRef>
+          <a:fontRef idx="minor">
+            <a:schemeClr val="lt1"/>
+          </a:fontRef>
+        </p:style>
+        <p:txBody>
+          <a:bodyPr rtlCol="0" anchor="ctr"/>
+          <a:lstStyle/>
+          <a:p>
+            <a:pPr algn="ctr"/>
+            <a:r>
+              <a:rPr lang="en-US" altLang="zh-CN" dirty="0"/>
+              <a:t>login or </a:t>
+            </a:r>
+            <a:r>
+              <a:rPr lang="en-US" altLang="zh-CN" dirty="0" err="1"/>
+              <a:t>regist</a:t>
+            </a:r>
+            <a:r>
+              <a:rPr lang="en-US" altLang="zh-CN" dirty="0"/>
+              <a:t> </a:t>
+            </a:r>
+            <a:r>
+              <a:rPr lang="zh-CN" altLang="en-US" dirty="0"/>
+              <a:t>方法属于</a:t>
+            </a:r>
+          </a:p>
+        </p:txBody>
+      </p:sp>
+      <p:sp>
+        <p:nvSpPr>
+          <p:cNvPr id="16" name="矩形 15">
+            <a:extLst>
+              <a:ext uri="{FF2B5EF4-FFF2-40B4-BE49-F238E27FC236}">
+                <a16:creationId xmlns:a16="http://schemas.microsoft.com/office/drawing/2014/main" id="{411C825A-56F3-4FC2-8CA5-0A3DF21D9F19}"/>
+              </a:ext>
+            </a:extLst>
+          </p:cNvPr>
+          <p:cNvSpPr/>
+          <p:nvPr/>
+        </p:nvSpPr>
+        <p:spPr>
+          <a:xfrm>
+            <a:off x="8824579" y="2655902"/>
+            <a:ext cx="3057053" cy="239698"/>
+          </a:xfrm>
+          <a:prstGeom prst="rect">
+            <a:avLst/>
+          </a:prstGeom>
+        </p:spPr>
+        <p:style>
+          <a:lnRef idx="3">
+            <a:schemeClr val="lt1"/>
+          </a:lnRef>
+          <a:fillRef idx="1">
+            <a:schemeClr val="accent5"/>
+          </a:fillRef>
+          <a:effectRef idx="1">
+            <a:schemeClr val="accent5"/>
+          </a:effectRef>
+          <a:fontRef idx="minor">
+            <a:schemeClr val="lt1"/>
+          </a:fontRef>
+        </p:style>
+        <p:txBody>
+          <a:bodyPr rtlCol="0" anchor="ctr"/>
+          <a:lstStyle/>
+          <a:p>
+            <a:pPr algn="ctr"/>
+            <a:r>
+              <a:rPr lang="zh-CN" altLang="en-US" sz="1400" dirty="0"/>
+              <a:t>部署 </a:t>
+            </a:r>
+            <a:r>
+              <a:rPr lang="en-US" altLang="zh-CN" sz="1400" dirty="0" err="1"/>
+              <a:t>UserDao</a:t>
+            </a:r>
+            <a:r>
+              <a:rPr lang="en-US" altLang="zh-CN" sz="1400" dirty="0"/>
+              <a:t> </a:t>
+            </a:r>
+            <a:r>
+              <a:rPr lang="zh-CN" altLang="en-US" sz="1400" dirty="0"/>
+              <a:t>接口</a:t>
+            </a:r>
+            <a:r>
+              <a:rPr lang="en-US" altLang="zh-CN" sz="1400" dirty="0"/>
+              <a:t> </a:t>
+            </a:r>
+            <a:endParaRPr lang="zh-CN" altLang="en-US" sz="1400" dirty="0"/>
+          </a:p>
+        </p:txBody>
+      </p:sp>
+      <p:sp>
+        <p:nvSpPr>
+          <p:cNvPr id="17" name="矩形 16">
+            <a:extLst>
+              <a:ext uri="{FF2B5EF4-FFF2-40B4-BE49-F238E27FC236}">
+                <a16:creationId xmlns:a16="http://schemas.microsoft.com/office/drawing/2014/main" id="{35478D96-CE2C-440A-A3DE-6CF930EA27A9}"/>
+              </a:ext>
+            </a:extLst>
+          </p:cNvPr>
+          <p:cNvSpPr/>
+          <p:nvPr/>
+        </p:nvSpPr>
+        <p:spPr>
+          <a:xfrm>
+            <a:off x="5767526" y="2655902"/>
+            <a:ext cx="3057053" cy="461639"/>
+          </a:xfrm>
+          <a:prstGeom prst="rect">
+            <a:avLst/>
+          </a:prstGeom>
+        </p:spPr>
+        <p:style>
+          <a:lnRef idx="3">
+            <a:schemeClr val="lt1"/>
+          </a:lnRef>
+          <a:fillRef idx="1">
+            <a:schemeClr val="accent5"/>
+          </a:fillRef>
+          <a:effectRef idx="1">
+            <a:schemeClr val="accent5"/>
+          </a:effectRef>
+          <a:fontRef idx="minor">
+            <a:schemeClr val="lt1"/>
+          </a:fontRef>
+        </p:style>
+        <p:txBody>
+          <a:bodyPr rtlCol="0" anchor="ctr"/>
+          <a:lstStyle/>
+          <a:p>
+            <a:pPr algn="ctr"/>
+            <a:r>
+              <a:rPr lang="en-US" altLang="zh-CN" dirty="0" err="1"/>
+              <a:t>UserDaoImpl</a:t>
+            </a:r>
+            <a:r>
+              <a:rPr lang="en-US" altLang="zh-CN" dirty="0"/>
+              <a:t> </a:t>
+            </a:r>
+            <a:r>
+              <a:rPr lang="zh-CN" altLang="en-US" dirty="0"/>
+              <a:t>类</a:t>
+            </a:r>
+            <a:r>
+              <a:rPr lang="en-US" altLang="zh-CN" dirty="0"/>
+              <a:t>  </a:t>
+            </a:r>
+            <a:endParaRPr lang="zh-CN" altLang="en-US" dirty="0"/>
+          </a:p>
+        </p:txBody>
+      </p:sp>
+      <p:sp>
+        <p:nvSpPr>
+          <p:cNvPr id="18" name="矩形 17">
+            <a:extLst>
+              <a:ext uri="{FF2B5EF4-FFF2-40B4-BE49-F238E27FC236}">
+                <a16:creationId xmlns:a16="http://schemas.microsoft.com/office/drawing/2014/main" id="{C5E1ED16-FB54-4324-AFAA-F2B785C1D265}"/>
+              </a:ext>
+            </a:extLst>
+          </p:cNvPr>
+          <p:cNvSpPr/>
+          <p:nvPr/>
+        </p:nvSpPr>
+        <p:spPr>
+          <a:xfrm>
+            <a:off x="9134947" y="4894556"/>
+            <a:ext cx="3057053" cy="461639"/>
+          </a:xfrm>
+          <a:prstGeom prst="rect">
+            <a:avLst/>
+          </a:prstGeom>
+        </p:spPr>
+        <p:style>
+          <a:lnRef idx="3">
+            <a:schemeClr val="lt1"/>
+          </a:lnRef>
+          <a:fillRef idx="1">
+            <a:schemeClr val="accent5"/>
+          </a:fillRef>
+          <a:effectRef idx="1">
+            <a:schemeClr val="accent5"/>
+          </a:effectRef>
+          <a:fontRef idx="minor">
+            <a:schemeClr val="lt1"/>
+          </a:fontRef>
+        </p:style>
+        <p:txBody>
+          <a:bodyPr rtlCol="0" anchor="ctr"/>
+          <a:lstStyle/>
+          <a:p>
+            <a:pPr algn="ctr"/>
+            <a:r>
+              <a:rPr lang="en-US" altLang="zh-CN" dirty="0" err="1"/>
+              <a:t>UserService</a:t>
+            </a:r>
+            <a:r>
+              <a:rPr lang="en-US" altLang="zh-CN" dirty="0"/>
+              <a:t> </a:t>
+            </a:r>
+            <a:r>
+              <a:rPr lang="zh-CN" altLang="en-US" dirty="0"/>
+              <a:t>接口</a:t>
+            </a:r>
+            <a:r>
+              <a:rPr lang="en-US" altLang="zh-CN" dirty="0"/>
+              <a:t> </a:t>
+            </a:r>
+            <a:endParaRPr lang="zh-CN" altLang="en-US" dirty="0"/>
+          </a:p>
+        </p:txBody>
+      </p:sp>
+      <p:sp>
+        <p:nvSpPr>
+          <p:cNvPr id="19" name="矩形 18">
+            <a:extLst>
+              <a:ext uri="{FF2B5EF4-FFF2-40B4-BE49-F238E27FC236}">
+                <a16:creationId xmlns:a16="http://schemas.microsoft.com/office/drawing/2014/main" id="{91069BFB-CEB8-4F3E-BC34-C3C7C38B2942}"/>
+              </a:ext>
+            </a:extLst>
+          </p:cNvPr>
+          <p:cNvSpPr/>
+          <p:nvPr/>
+        </p:nvSpPr>
+        <p:spPr>
+          <a:xfrm>
+            <a:off x="6077894" y="4894557"/>
+            <a:ext cx="3057053" cy="461639"/>
+          </a:xfrm>
+          <a:prstGeom prst="rect">
+            <a:avLst/>
+          </a:prstGeom>
+        </p:spPr>
+        <p:style>
+          <a:lnRef idx="3">
+            <a:schemeClr val="lt1"/>
+          </a:lnRef>
+          <a:fillRef idx="1">
+            <a:schemeClr val="accent5"/>
+          </a:fillRef>
+          <a:effectRef idx="1">
+            <a:schemeClr val="accent5"/>
+          </a:effectRef>
+          <a:fontRef idx="minor">
+            <a:schemeClr val="lt1"/>
+          </a:fontRef>
+        </p:style>
+        <p:txBody>
+          <a:bodyPr rtlCol="0" anchor="ctr"/>
+          <a:lstStyle/>
+          <a:p>
+            <a:pPr algn="ctr"/>
+            <a:r>
+              <a:rPr lang="en-US" altLang="zh-CN" dirty="0" err="1"/>
+              <a:t>UserServiceImpl</a:t>
+            </a:r>
+            <a:r>
+              <a:rPr lang="en-US" altLang="zh-CN" dirty="0"/>
+              <a:t>  </a:t>
+            </a:r>
+            <a:endParaRPr lang="zh-CN" altLang="en-US" dirty="0"/>
+          </a:p>
+        </p:txBody>
+      </p:sp>
+      <p:sp>
+        <p:nvSpPr>
+          <p:cNvPr id="20" name="矩形 19">
+            <a:extLst>
+              <a:ext uri="{FF2B5EF4-FFF2-40B4-BE49-F238E27FC236}">
+                <a16:creationId xmlns:a16="http://schemas.microsoft.com/office/drawing/2014/main" id="{75C18D0A-691A-40CA-B9AF-DD5E50E89274}"/>
+              </a:ext>
+            </a:extLst>
+          </p:cNvPr>
+          <p:cNvSpPr/>
+          <p:nvPr/>
+        </p:nvSpPr>
+        <p:spPr>
+          <a:xfrm>
+            <a:off x="423168" y="2194262"/>
             <a:ext cx="2672179" cy="461639"/>
           </a:xfrm>
           <a:prstGeom prst="rect">
@@ -5691,10 +7167,13 @@
           <a:p>
             <a:pPr algn="ctr"/>
             <a:r>
-              <a:rPr lang="en-US" altLang="zh-CN"/>
-              <a:t>login method</a:t>
-            </a:r>
-            <a:endParaRPr lang="zh-CN" altLang="en-US" dirty="0"/>
+              <a:rPr lang="en-US" altLang="zh-CN" dirty="0"/>
+              <a:t>login </a:t>
+            </a:r>
+            <a:r>
+              <a:rPr lang="zh-CN" altLang="en-US" dirty="0"/>
+              <a:t>方法</a:t>
+            </a:r>
           </a:p>
         </p:txBody>
       </p:sp>
@@ -5712,7 +7191,7 @@
         </p:nvSpPr>
         <p:spPr>
           <a:xfrm>
-            <a:off x="2689992" y="2194262"/>
+            <a:off x="3095347" y="2194262"/>
             <a:ext cx="2672179" cy="461639"/>
           </a:xfrm>
           <a:prstGeom prst="rect">
@@ -5739,22 +7218,17 @@
           <a:p>
             <a:pPr algn="ctr"/>
             <a:r>
-              <a:rPr lang="en-US" altLang="zh-CN" err="1"/>
+              <a:rPr lang="en-US" altLang="zh-CN" dirty="0" err="1"/>
               <a:t>Regist</a:t>
             </a:r>
             <a:r>
-              <a:rPr lang="en-US" altLang="zh-CN"/>
-              <a:t> method</a:t>
-            </a:r>
-            <a:r>
-              <a:rPr lang="zh-CN" altLang="en-US"/>
+              <a:rPr lang="en-US" altLang="zh-CN" dirty="0"/>
               <a:t> </a:t>
             </a:r>
             <a:r>
-              <a:rPr lang="en-US" altLang="zh-CN"/>
-              <a:t>belong to:</a:t>
-            </a:r>
-            <a:endParaRPr lang="zh-CN" altLang="en-US" dirty="0"/>
+              <a:rPr lang="zh-CN" altLang="en-US" dirty="0"/>
+              <a:t>方法 属于</a:t>
+            </a:r>
           </a:p>
         </p:txBody>
       </p:sp>
@@ -5772,8 +7246,8 @@
         </p:nvSpPr>
         <p:spPr>
           <a:xfrm>
-            <a:off x="17813" y="2655900"/>
-            <a:ext cx="2672179" cy="586919"/>
+            <a:off x="423168" y="2655900"/>
+            <a:ext cx="2672179" cy="461639"/>
           </a:xfrm>
           <a:prstGeom prst="rect">
             <a:avLst/>
@@ -5799,22 +7273,17 @@
           <a:p>
             <a:pPr algn="ctr"/>
             <a:r>
-              <a:rPr lang="en-US" altLang="zh-CN" sz="1100" err="1"/>
+              <a:rPr lang="en-US" altLang="zh-CN" sz="1100" dirty="0" err="1"/>
               <a:t>getUserByUserNameAndPassword</a:t>
             </a:r>
             <a:r>
-              <a:rPr lang="en-US" altLang="zh-CN" sz="1100"/>
+              <a:rPr lang="en-US" altLang="zh-CN" sz="1100" dirty="0"/>
               <a:t> </a:t>
             </a:r>
             <a:r>
-              <a:rPr lang="zh-CN" altLang="en-US" sz="1100"/>
-              <a:t> </a:t>
-            </a:r>
-            <a:r>
-              <a:rPr lang="en-US" altLang="zh-CN" sz="1100"/>
-              <a:t>method</a:t>
-            </a:r>
-            <a:endParaRPr lang="zh-CN" altLang="en-US" sz="1100" dirty="0"/>
+              <a:rPr lang="zh-CN" altLang="en-US" sz="1100" dirty="0"/>
+              <a:t>方法</a:t>
+            </a:r>
           </a:p>
         </p:txBody>
       </p:sp>
@@ -5832,8 +7301,8 @@
         </p:nvSpPr>
         <p:spPr>
           <a:xfrm>
-            <a:off x="2689992" y="2655900"/>
-            <a:ext cx="2672179" cy="586919"/>
+            <a:off x="3095347" y="2655900"/>
+            <a:ext cx="2672179" cy="461639"/>
           </a:xfrm>
           <a:prstGeom prst="rect">
             <a:avLst/>
@@ -5859,22 +7328,17 @@
           <a:p>
             <a:pPr algn="ctr"/>
             <a:r>
-              <a:rPr lang="en-US" altLang="zh-CN" err="1"/>
+              <a:rPr lang="en-US" altLang="zh-CN" dirty="0" err="1"/>
               <a:t>registUser</a:t>
             </a:r>
             <a:r>
-              <a:rPr lang="en-US" altLang="zh-CN"/>
-              <a:t> method</a:t>
-            </a:r>
-            <a:r>
-              <a:rPr lang="zh-CN" altLang="en-US"/>
+              <a:rPr lang="en-US" altLang="zh-CN" dirty="0"/>
               <a:t> </a:t>
             </a:r>
             <a:r>
-              <a:rPr lang="en-US" altLang="zh-CN"/>
-              <a:t>belong to:</a:t>
-            </a:r>
-            <a:endParaRPr lang="zh-CN" altLang="en-US" dirty="0"/>
+              <a:rPr lang="zh-CN" altLang="en-US" dirty="0"/>
+              <a:t>方法 属于</a:t>
+            </a:r>
           </a:p>
         </p:txBody>
       </p:sp>
@@ -5892,8 +7356,8 @@
         </p:nvSpPr>
         <p:spPr>
           <a:xfrm>
-            <a:off x="5362171" y="3249519"/>
-            <a:ext cx="3057053" cy="622921"/>
+            <a:off x="5767526" y="3117541"/>
+            <a:ext cx="3057053" cy="461639"/>
           </a:xfrm>
           <a:prstGeom prst="rect">
             <a:avLst/>
@@ -5919,8 +7383,20 @@
           <a:p>
             <a:pPr algn="ctr"/>
             <a:r>
-              <a:rPr lang="en-US" altLang="zh-CN"/>
-              <a:t>Class BaseDao  </a:t>
+              <a:rPr lang="en-US" altLang="zh-CN" dirty="0" err="1"/>
+              <a:t>BaseDao</a:t>
+            </a:r>
+            <a:r>
+              <a:rPr lang="en-US" altLang="zh-CN" dirty="0"/>
+              <a:t> </a:t>
+            </a:r>
+            <a:r>
+              <a:rPr lang="zh-CN" altLang="en-US" dirty="0"/>
+              <a:t>类</a:t>
+            </a:r>
+            <a:r>
+              <a:rPr lang="en-US" altLang="zh-CN" dirty="0"/>
+              <a:t>  </a:t>
             </a:r>
             <a:endParaRPr lang="zh-CN" altLang="en-US" dirty="0"/>
           </a:p>
@@ -5940,8 +7416,8 @@
         </p:nvSpPr>
         <p:spPr>
           <a:xfrm>
-            <a:off x="17813" y="3249517"/>
-            <a:ext cx="2672179" cy="622921"/>
+            <a:off x="423168" y="3117539"/>
+            <a:ext cx="2672179" cy="461639"/>
           </a:xfrm>
           <a:prstGeom prst="rect">
             <a:avLst/>
@@ -5967,14 +7443,17 @@
           <a:p>
             <a:pPr algn="ctr"/>
             <a:r>
-              <a:rPr lang="en-US" altLang="zh-CN" err="1"/>
+              <a:rPr lang="en-US" altLang="zh-CN" dirty="0" err="1"/>
               <a:t>getBean</a:t>
             </a:r>
             <a:r>
-              <a:rPr lang="en-US" altLang="zh-CN"/>
-              <a:t> method</a:t>
-            </a:r>
-            <a:endParaRPr lang="zh-CN" altLang="en-US" dirty="0"/>
+              <a:rPr lang="en-US" altLang="zh-CN" dirty="0"/>
+              <a:t> </a:t>
+            </a:r>
+            <a:r>
+              <a:rPr lang="zh-CN" altLang="en-US" dirty="0"/>
+              <a:t>方法</a:t>
+            </a:r>
           </a:p>
         </p:txBody>
       </p:sp>
@@ -5992,8 +7471,8 @@
         </p:nvSpPr>
         <p:spPr>
           <a:xfrm>
-            <a:off x="2689992" y="3249517"/>
-            <a:ext cx="2672179" cy="622921"/>
+            <a:off x="3095347" y="3117539"/>
+            <a:ext cx="2672179" cy="461639"/>
           </a:xfrm>
           <a:prstGeom prst="rect">
             <a:avLst/>
@@ -6019,10 +7498,13 @@
           <a:p>
             <a:pPr algn="ctr"/>
             <a:r>
-              <a:rPr lang="en-US" altLang="zh-CN"/>
-              <a:t>update method belong to:</a:t>
-            </a:r>
-            <a:endParaRPr lang="zh-CN" altLang="en-US" dirty="0"/>
+              <a:rPr lang="en-US" altLang="zh-CN" dirty="0"/>
+              <a:t>update </a:t>
+            </a:r>
+            <a:r>
+              <a:rPr lang="zh-CN" altLang="en-US" dirty="0"/>
+              <a:t>方法 属于</a:t>
+            </a:r>
           </a:p>
         </p:txBody>
       </p:sp>
@@ -6040,8 +7522,8 @@
         </p:nvSpPr>
         <p:spPr>
           <a:xfrm>
-            <a:off x="8419224" y="2988388"/>
-            <a:ext cx="3760205" cy="251703"/>
+            <a:off x="8824579" y="2894119"/>
+            <a:ext cx="3057053" cy="223420"/>
           </a:xfrm>
           <a:prstGeom prst="rect">
             <a:avLst/>
@@ -6067,12 +7549,8 @@
           <a:p>
             <a:pPr algn="ctr"/>
             <a:r>
-              <a:rPr lang="en-US" altLang="zh-CN" sz="1400"/>
-              <a:t>extends</a:t>
-            </a:r>
-            <a:r>
-              <a:rPr lang="zh-CN" altLang="en-US" sz="1400"/>
-              <a:t> </a:t>
+              <a:rPr lang="zh-CN" altLang="en-US" sz="1400" dirty="0"/>
+              <a:t>继承 </a:t>
             </a:r>
             <a:r>
               <a:rPr lang="en-US" altLang="zh-CN" sz="1400" dirty="0" err="1"/>
@@ -6080,18 +7558,14 @@
             </a:r>
             <a:r>
               <a:rPr lang="en-US" altLang="zh-CN" sz="1400" dirty="0"/>
-              <a:t> &lt;T</a:t>
-            </a:r>
-            <a:r>
-              <a:rPr lang="en-US" altLang="zh-CN" sz="1400"/>
-              <a:t>&gt; Clas</a:t>
+              <a:t> &lt;T&gt; </a:t>
+            </a:r>
+            <a:r>
+              <a:rPr lang="zh-CN" altLang="en-US" sz="1400" dirty="0"/>
+              <a:t>类</a:t>
             </a:r>
             <a:r>
               <a:rPr lang="en-US" altLang="zh-CN" sz="1400" dirty="0"/>
-              <a:t>s</a:t>
-            </a:r>
-            <a:r>
-              <a:rPr lang="en-US" altLang="zh-CN" sz="1400"/>
               <a:t> </a:t>
             </a:r>
             <a:endParaRPr lang="zh-CN" altLang="en-US" sz="1400" dirty="0"/>
@@ -6112,8 +7586,8 @@
         </p:nvSpPr>
         <p:spPr>
           <a:xfrm>
-            <a:off x="17813" y="3873815"/>
-            <a:ext cx="2672179" cy="392343"/>
+            <a:off x="423168" y="3591013"/>
+            <a:ext cx="2672179" cy="239698"/>
           </a:xfrm>
           <a:prstGeom prst="rect">
             <a:avLst/>
@@ -6172,8 +7646,8 @@
         </p:nvSpPr>
         <p:spPr>
           <a:xfrm>
-            <a:off x="17813" y="4272291"/>
-            <a:ext cx="2672179" cy="365699"/>
+            <a:off x="423168" y="3829230"/>
+            <a:ext cx="2672179" cy="223420"/>
           </a:xfrm>
           <a:prstGeom prst="rect">
             <a:avLst/>
@@ -6232,8 +7706,8 @@
         </p:nvSpPr>
         <p:spPr>
           <a:xfrm>
-            <a:off x="2689992" y="3875114"/>
-            <a:ext cx="2672179" cy="392343"/>
+            <a:off x="3095347" y="3582885"/>
+            <a:ext cx="2672179" cy="239698"/>
           </a:xfrm>
           <a:prstGeom prst="rect">
             <a:avLst/>
@@ -6288,8 +7762,8 @@
         </p:nvSpPr>
         <p:spPr>
           <a:xfrm>
-            <a:off x="2689992" y="4273590"/>
-            <a:ext cx="2672179" cy="365699"/>
+            <a:off x="3095347" y="3821102"/>
+            <a:ext cx="2672179" cy="223420"/>
           </a:xfrm>
           <a:prstGeom prst="rect">
             <a:avLst/>
@@ -6337,7 +7811,1891 @@
     </p:spTree>
     <p:extLst>
       <p:ext uri="{BB962C8B-B14F-4D97-AF65-F5344CB8AC3E}">
-        <p14:creationId xmlns:p14="http://schemas.microsoft.com/office/powerpoint/2010/main" val="2773729368"/>
+        <p14:creationId xmlns:p14="http://schemas.microsoft.com/office/powerpoint/2010/main" val="2479402773"/>
+      </p:ext>
+    </p:extLst>
+  </p:cSld>
+  <p:clrMapOvr>
+    <a:masterClrMapping/>
+  </p:clrMapOvr>
+</p:sld>
+</file>
+
+<file path=ppt/slides/slide4.xml><?xml version="1.0" encoding="utf-8"?>
+<p:sld xmlns:a="http://schemas.openxmlformats.org/drawingml/2006/main" xmlns:r="http://schemas.openxmlformats.org/officeDocument/2006/relationships" xmlns:p="http://schemas.openxmlformats.org/presentationml/2006/main">
+  <p:cSld>
+    <p:spTree>
+      <p:nvGrpSpPr>
+        <p:cNvPr id="1" name=""/>
+        <p:cNvGrpSpPr/>
+        <p:nvPr/>
+      </p:nvGrpSpPr>
+      <p:grpSpPr>
+        <a:xfrm>
+          <a:off x="0" y="0"/>
+          <a:ext cx="0" cy="0"/>
+          <a:chOff x="0" y="0"/>
+          <a:chExt cx="0" cy="0"/>
+        </a:xfrm>
+      </p:grpSpPr>
+      <p:grpSp>
+        <p:nvGrpSpPr>
+          <p:cNvPr id="4" name="组合 3">
+            <a:extLst>
+              <a:ext uri="{FF2B5EF4-FFF2-40B4-BE49-F238E27FC236}">
+                <a16:creationId xmlns:a16="http://schemas.microsoft.com/office/drawing/2014/main" id="{7F7E7138-D56D-4124-9248-15E25894D837}"/>
+              </a:ext>
+            </a:extLst>
+          </p:cNvPr>
+          <p:cNvGrpSpPr/>
+          <p:nvPr/>
+        </p:nvGrpSpPr>
+        <p:grpSpPr>
+          <a:xfrm>
+            <a:off x="-283912" y="109582"/>
+            <a:ext cx="16802824" cy="4208832"/>
+            <a:chOff x="-283912" y="109582"/>
+            <a:chExt cx="16802824" cy="4208832"/>
+          </a:xfrm>
+        </p:grpSpPr>
+        <p:sp>
+          <p:nvSpPr>
+            <p:cNvPr id="5" name="矩形 4">
+              <a:extLst>
+                <a:ext uri="{FF2B5EF4-FFF2-40B4-BE49-F238E27FC236}">
+                  <a16:creationId xmlns:a16="http://schemas.microsoft.com/office/drawing/2014/main" id="{542B3708-D4D5-4354-ABB7-89697D5EEFFA}"/>
+                </a:ext>
+              </a:extLst>
+            </p:cNvPr>
+            <p:cNvSpPr/>
+            <p:nvPr/>
+          </p:nvSpPr>
+          <p:spPr>
+            <a:xfrm>
+              <a:off x="5063409" y="109582"/>
+              <a:ext cx="5344358" cy="461639"/>
+            </a:xfrm>
+            <a:prstGeom prst="rect">
+              <a:avLst/>
+            </a:prstGeom>
+          </p:spPr>
+          <p:style>
+            <a:lnRef idx="3">
+              <a:schemeClr val="lt1"/>
+            </a:lnRef>
+            <a:fillRef idx="1">
+              <a:schemeClr val="accent5"/>
+            </a:fillRef>
+            <a:effectRef idx="1">
+              <a:schemeClr val="accent5"/>
+            </a:effectRef>
+            <a:fontRef idx="minor">
+              <a:schemeClr val="lt1"/>
+            </a:fontRef>
+          </p:style>
+          <p:txBody>
+            <a:bodyPr rtlCol="0" anchor="ctr"/>
+            <a:lstStyle/>
+            <a:p>
+              <a:pPr algn="ctr"/>
+              <a:r>
+                <a:rPr lang="en-US" altLang="zh-CN"/>
+                <a:t>html </a:t>
+              </a:r>
+              <a:r>
+                <a:rPr lang="zh-CN" altLang="en-US"/>
+                <a:t>页面</a:t>
+              </a:r>
+            </a:p>
+          </p:txBody>
+        </p:sp>
+        <p:sp>
+          <p:nvSpPr>
+            <p:cNvPr id="6" name="矩形 5">
+              <a:extLst>
+                <a:ext uri="{FF2B5EF4-FFF2-40B4-BE49-F238E27FC236}">
+                  <a16:creationId xmlns:a16="http://schemas.microsoft.com/office/drawing/2014/main" id="{3BCECD89-B29E-4C3B-BAFD-13D3AEC073AB}"/>
+                </a:ext>
+              </a:extLst>
+            </p:cNvPr>
+            <p:cNvSpPr/>
+            <p:nvPr/>
+          </p:nvSpPr>
+          <p:spPr>
+            <a:xfrm>
+              <a:off x="5063409" y="571221"/>
+              <a:ext cx="2672179" cy="461639"/>
+            </a:xfrm>
+            <a:prstGeom prst="rect">
+              <a:avLst/>
+            </a:prstGeom>
+          </p:spPr>
+          <p:style>
+            <a:lnRef idx="3">
+              <a:schemeClr val="lt1"/>
+            </a:lnRef>
+            <a:fillRef idx="1">
+              <a:schemeClr val="accent5"/>
+            </a:fillRef>
+            <a:effectRef idx="1">
+              <a:schemeClr val="accent5"/>
+            </a:effectRef>
+            <a:fontRef idx="minor">
+              <a:schemeClr val="lt1"/>
+            </a:fontRef>
+          </p:style>
+          <p:txBody>
+            <a:bodyPr rtlCol="0" anchor="ctr"/>
+            <a:lstStyle/>
+            <a:p>
+              <a:pPr algn="ctr"/>
+              <a:r>
+                <a:rPr lang="zh-CN" altLang="en-US"/>
+                <a:t>注册</a:t>
+              </a:r>
+              <a:r>
+                <a:rPr lang="en-US" altLang="zh-CN"/>
+                <a:t>html</a:t>
+              </a:r>
+              <a:endParaRPr lang="zh-CN" altLang="en-US"/>
+            </a:p>
+          </p:txBody>
+        </p:sp>
+        <p:sp>
+          <p:nvSpPr>
+            <p:cNvPr id="7" name="矩形 6">
+              <a:extLst>
+                <a:ext uri="{FF2B5EF4-FFF2-40B4-BE49-F238E27FC236}">
+                  <a16:creationId xmlns:a16="http://schemas.microsoft.com/office/drawing/2014/main" id="{B9D02A7D-8685-4442-8E7B-274EF30D4EF9}"/>
+                </a:ext>
+              </a:extLst>
+            </p:cNvPr>
+            <p:cNvSpPr/>
+            <p:nvPr/>
+          </p:nvSpPr>
+          <p:spPr>
+            <a:xfrm>
+              <a:off x="7735588" y="571221"/>
+              <a:ext cx="2672179" cy="461639"/>
+            </a:xfrm>
+            <a:prstGeom prst="rect">
+              <a:avLst/>
+            </a:prstGeom>
+          </p:spPr>
+          <p:style>
+            <a:lnRef idx="3">
+              <a:schemeClr val="lt1"/>
+            </a:lnRef>
+            <a:fillRef idx="1">
+              <a:schemeClr val="accent5"/>
+            </a:fillRef>
+            <a:effectRef idx="1">
+              <a:schemeClr val="accent5"/>
+            </a:effectRef>
+            <a:fontRef idx="minor">
+              <a:schemeClr val="lt1"/>
+            </a:fontRef>
+          </p:style>
+          <p:txBody>
+            <a:bodyPr rtlCol="0" anchor="ctr"/>
+            <a:lstStyle/>
+            <a:p>
+              <a:pPr algn="ctr"/>
+              <a:r>
+                <a:rPr lang="zh-CN" altLang="en-US"/>
+                <a:t>登录</a:t>
+              </a:r>
+              <a:r>
+                <a:rPr lang="en-US" altLang="zh-CN"/>
+                <a:t>html</a:t>
+              </a:r>
+              <a:endParaRPr lang="zh-CN" altLang="en-US"/>
+            </a:p>
+          </p:txBody>
+        </p:sp>
+        <p:sp>
+          <p:nvSpPr>
+            <p:cNvPr id="8" name="矩形 7">
+              <a:extLst>
+                <a:ext uri="{FF2B5EF4-FFF2-40B4-BE49-F238E27FC236}">
+                  <a16:creationId xmlns:a16="http://schemas.microsoft.com/office/drawing/2014/main" id="{720918B4-E168-48FE-93C0-FD019A0091D9}"/>
+                </a:ext>
+              </a:extLst>
+            </p:cNvPr>
+            <p:cNvSpPr/>
+            <p:nvPr/>
+          </p:nvSpPr>
+          <p:spPr>
+            <a:xfrm>
+              <a:off x="5063409" y="1032860"/>
+              <a:ext cx="5344358" cy="461639"/>
+            </a:xfrm>
+            <a:prstGeom prst="rect">
+              <a:avLst/>
+            </a:prstGeom>
+          </p:spPr>
+          <p:style>
+            <a:lnRef idx="3">
+              <a:schemeClr val="lt1"/>
+            </a:lnRef>
+            <a:fillRef idx="1">
+              <a:schemeClr val="accent5"/>
+            </a:fillRef>
+            <a:effectRef idx="1">
+              <a:schemeClr val="accent5"/>
+            </a:effectRef>
+            <a:fontRef idx="minor">
+              <a:schemeClr val="lt1"/>
+            </a:fontRef>
+          </p:style>
+          <p:txBody>
+            <a:bodyPr rtlCol="0" anchor="ctr"/>
+            <a:lstStyle/>
+            <a:p>
+              <a:pPr algn="ctr"/>
+              <a:r>
+                <a:rPr lang="zh-CN" altLang="en-US" sz="1600"/>
+                <a:t>表单提交，根据</a:t>
+              </a:r>
+              <a:r>
+                <a:rPr lang="en-US" altLang="zh-CN" sz="1600"/>
+                <a:t>xml</a:t>
+              </a:r>
+              <a:r>
+                <a:rPr lang="zh-CN" altLang="en-US" sz="1600"/>
+                <a:t>配置文件转到相应的</a:t>
+              </a:r>
+              <a:r>
+                <a:rPr lang="en-US" altLang="zh-CN" sz="1600"/>
+                <a:t>servlet</a:t>
+              </a:r>
+              <a:endParaRPr lang="zh-CN" altLang="en-US" sz="1600"/>
+            </a:p>
+          </p:txBody>
+        </p:sp>
+        <p:sp>
+          <p:nvSpPr>
+            <p:cNvPr id="9" name="矩形 8">
+              <a:extLst>
+                <a:ext uri="{FF2B5EF4-FFF2-40B4-BE49-F238E27FC236}">
+                  <a16:creationId xmlns:a16="http://schemas.microsoft.com/office/drawing/2014/main" id="{EE23F8C0-7BBC-4127-AFF4-4AAB1EA0BC42}"/>
+                </a:ext>
+              </a:extLst>
+            </p:cNvPr>
+            <p:cNvSpPr/>
+            <p:nvPr/>
+          </p:nvSpPr>
+          <p:spPr>
+            <a:xfrm>
+              <a:off x="5063409" y="1494499"/>
+              <a:ext cx="2672179" cy="461639"/>
+            </a:xfrm>
+            <a:prstGeom prst="rect">
+              <a:avLst/>
+            </a:prstGeom>
+          </p:spPr>
+          <p:style>
+            <a:lnRef idx="3">
+              <a:schemeClr val="lt1"/>
+            </a:lnRef>
+            <a:fillRef idx="1">
+              <a:schemeClr val="accent5"/>
+            </a:fillRef>
+            <a:effectRef idx="1">
+              <a:schemeClr val="accent5"/>
+            </a:effectRef>
+            <a:fontRef idx="minor">
+              <a:schemeClr val="lt1"/>
+            </a:fontRef>
+          </p:style>
+          <p:txBody>
+            <a:bodyPr rtlCol="0" anchor="ctr"/>
+            <a:lstStyle/>
+            <a:p>
+              <a:pPr algn="ctr"/>
+              <a:r>
+                <a:rPr lang="en-US" altLang="zh-CN" err="1"/>
+                <a:t>LoginServlet</a:t>
+              </a:r>
+              <a:endParaRPr lang="zh-CN" altLang="en-US"/>
+            </a:p>
+          </p:txBody>
+        </p:sp>
+        <p:sp>
+          <p:nvSpPr>
+            <p:cNvPr id="10" name="矩形 9">
+              <a:extLst>
+                <a:ext uri="{FF2B5EF4-FFF2-40B4-BE49-F238E27FC236}">
+                  <a16:creationId xmlns:a16="http://schemas.microsoft.com/office/drawing/2014/main" id="{AF465699-E062-453D-A6B8-2D86C0A41D8E}"/>
+                </a:ext>
+              </a:extLst>
+            </p:cNvPr>
+            <p:cNvSpPr/>
+            <p:nvPr/>
+          </p:nvSpPr>
+          <p:spPr>
+            <a:xfrm>
+              <a:off x="7735588" y="1494499"/>
+              <a:ext cx="2672179" cy="461639"/>
+            </a:xfrm>
+            <a:prstGeom prst="rect">
+              <a:avLst/>
+            </a:prstGeom>
+          </p:spPr>
+          <p:style>
+            <a:lnRef idx="3">
+              <a:schemeClr val="lt1"/>
+            </a:lnRef>
+            <a:fillRef idx="1">
+              <a:schemeClr val="accent5"/>
+            </a:fillRef>
+            <a:effectRef idx="1">
+              <a:schemeClr val="accent5"/>
+            </a:effectRef>
+            <a:fontRef idx="minor">
+              <a:schemeClr val="lt1"/>
+            </a:fontRef>
+          </p:style>
+          <p:txBody>
+            <a:bodyPr rtlCol="0" anchor="ctr"/>
+            <a:lstStyle/>
+            <a:p>
+              <a:pPr algn="ctr"/>
+              <a:r>
+                <a:rPr lang="en-US" altLang="zh-CN" err="1"/>
+                <a:t>RegistServlet</a:t>
+              </a:r>
+              <a:endParaRPr lang="zh-CN" altLang="en-US"/>
+            </a:p>
+          </p:txBody>
+        </p:sp>
+        <p:sp>
+          <p:nvSpPr>
+            <p:cNvPr id="11" name="矩形 10">
+              <a:extLst>
+                <a:ext uri="{FF2B5EF4-FFF2-40B4-BE49-F238E27FC236}">
+                  <a16:creationId xmlns:a16="http://schemas.microsoft.com/office/drawing/2014/main" id="{58B5CBC3-BAF1-4A75-9B21-2C6A28B3DA40}"/>
+                </a:ext>
+              </a:extLst>
+            </p:cNvPr>
+            <p:cNvSpPr/>
+            <p:nvPr/>
+          </p:nvSpPr>
+          <p:spPr>
+            <a:xfrm>
+              <a:off x="5060448" y="3856775"/>
+              <a:ext cx="5344358" cy="461639"/>
+            </a:xfrm>
+            <a:prstGeom prst="rect">
+              <a:avLst/>
+            </a:prstGeom>
+          </p:spPr>
+          <p:style>
+            <a:lnRef idx="3">
+              <a:schemeClr val="lt1"/>
+            </a:lnRef>
+            <a:fillRef idx="1">
+              <a:schemeClr val="accent5"/>
+            </a:fillRef>
+            <a:effectRef idx="1">
+              <a:schemeClr val="accent5"/>
+            </a:effectRef>
+            <a:fontRef idx="minor">
+              <a:schemeClr val="lt1"/>
+            </a:fontRef>
+          </p:style>
+          <p:txBody>
+            <a:bodyPr rtlCol="0" anchor="ctr"/>
+            <a:lstStyle/>
+            <a:p>
+              <a:pPr algn="ctr"/>
+              <a:r>
+                <a:rPr lang="zh-CN" altLang="en-US" sz="1400"/>
+                <a:t>在</a:t>
+              </a:r>
+              <a:r>
+                <a:rPr lang="en-US" altLang="zh-CN" sz="1400"/>
+                <a:t>JDBCUtils</a:t>
+              </a:r>
+              <a:r>
+                <a:rPr lang="zh-CN" altLang="en-US" sz="1400"/>
+                <a:t>类中 使用 </a:t>
+              </a:r>
+              <a:r>
+                <a:rPr lang="en-US" altLang="zh-CN" sz="1400"/>
+                <a:t>ComboPooledDataSource </a:t>
+              </a:r>
+              <a:r>
+                <a:rPr lang="zh-CN" altLang="en-US" sz="1400"/>
+                <a:t>对象调用 </a:t>
+              </a:r>
+              <a:r>
+                <a:rPr lang="en-US" altLang="zh-CN" sz="1400"/>
+                <a:t>.getConnection() | .close() </a:t>
+              </a:r>
+              <a:r>
+                <a:rPr lang="zh-CN" altLang="en-US" sz="1400"/>
+                <a:t>方法</a:t>
+              </a:r>
+            </a:p>
+          </p:txBody>
+        </p:sp>
+        <p:sp>
+          <p:nvSpPr>
+            <p:cNvPr id="12" name="矩形 11">
+              <a:extLst>
+                <a:ext uri="{FF2B5EF4-FFF2-40B4-BE49-F238E27FC236}">
+                  <a16:creationId xmlns:a16="http://schemas.microsoft.com/office/drawing/2014/main" id="{6DC6F347-9EA4-4F7A-8F02-ABECC21207C1}"/>
+                </a:ext>
+              </a:extLst>
+            </p:cNvPr>
+            <p:cNvSpPr/>
+            <p:nvPr/>
+          </p:nvSpPr>
+          <p:spPr>
+            <a:xfrm>
+              <a:off x="13461859" y="1956137"/>
+              <a:ext cx="3057053" cy="461639"/>
+            </a:xfrm>
+            <a:prstGeom prst="rect">
+              <a:avLst/>
+            </a:prstGeom>
+          </p:spPr>
+          <p:style>
+            <a:lnRef idx="3">
+              <a:schemeClr val="lt1"/>
+            </a:lnRef>
+            <a:fillRef idx="1">
+              <a:schemeClr val="accent5"/>
+            </a:fillRef>
+            <a:effectRef idx="1">
+              <a:schemeClr val="accent5"/>
+            </a:effectRef>
+            <a:fontRef idx="minor">
+              <a:schemeClr val="lt1"/>
+            </a:fontRef>
+          </p:style>
+          <p:txBody>
+            <a:bodyPr rtlCol="0" anchor="ctr"/>
+            <a:lstStyle/>
+            <a:p>
+              <a:pPr algn="ctr"/>
+              <a:r>
+                <a:rPr lang="zh-CN" altLang="en-US"/>
+                <a:t>部署 </a:t>
+              </a:r>
+              <a:r>
+                <a:rPr lang="en-US" altLang="zh-CN" err="1"/>
+                <a:t>UserService</a:t>
+              </a:r>
+              <a:r>
+                <a:rPr lang="en-US" altLang="zh-CN"/>
+                <a:t> </a:t>
+              </a:r>
+              <a:r>
+                <a:rPr lang="zh-CN" altLang="en-US"/>
+                <a:t>接口</a:t>
+              </a:r>
+            </a:p>
+          </p:txBody>
+        </p:sp>
+        <p:sp>
+          <p:nvSpPr>
+            <p:cNvPr id="13" name="矩形 12">
+              <a:extLst>
+                <a:ext uri="{FF2B5EF4-FFF2-40B4-BE49-F238E27FC236}">
+                  <a16:creationId xmlns:a16="http://schemas.microsoft.com/office/drawing/2014/main" id="{EC9CDE67-3527-4DA5-89D1-7DBC6664C038}"/>
+                </a:ext>
+              </a:extLst>
+            </p:cNvPr>
+            <p:cNvSpPr/>
+            <p:nvPr/>
+          </p:nvSpPr>
+          <p:spPr>
+            <a:xfrm>
+              <a:off x="10404806" y="1956138"/>
+              <a:ext cx="3057053" cy="461639"/>
+            </a:xfrm>
+            <a:prstGeom prst="rect">
+              <a:avLst/>
+            </a:prstGeom>
+          </p:spPr>
+          <p:style>
+            <a:lnRef idx="3">
+              <a:schemeClr val="lt1"/>
+            </a:lnRef>
+            <a:fillRef idx="1">
+              <a:schemeClr val="accent5"/>
+            </a:fillRef>
+            <a:effectRef idx="1">
+              <a:schemeClr val="accent5"/>
+            </a:effectRef>
+            <a:fontRef idx="minor">
+              <a:schemeClr val="lt1"/>
+            </a:fontRef>
+          </p:style>
+          <p:txBody>
+            <a:bodyPr rtlCol="0" anchor="ctr"/>
+            <a:lstStyle/>
+            <a:p>
+              <a:pPr algn="ctr"/>
+              <a:r>
+                <a:rPr lang="en-US" altLang="zh-CN" err="1"/>
+                <a:t>UserServiceImpl</a:t>
+              </a:r>
+              <a:r>
+                <a:rPr lang="en-US" altLang="zh-CN"/>
+                <a:t> </a:t>
+              </a:r>
+              <a:r>
+                <a:rPr lang="zh-CN" altLang="en-US"/>
+                <a:t>类</a:t>
+              </a:r>
+            </a:p>
+          </p:txBody>
+        </p:sp>
+        <p:sp>
+          <p:nvSpPr>
+            <p:cNvPr id="14" name="矩形 13">
+              <a:extLst>
+                <a:ext uri="{FF2B5EF4-FFF2-40B4-BE49-F238E27FC236}">
+                  <a16:creationId xmlns:a16="http://schemas.microsoft.com/office/drawing/2014/main" id="{B0734D8C-F3D0-42AC-B606-DC4DB6C7BEDC}"/>
+                </a:ext>
+              </a:extLst>
+            </p:cNvPr>
+            <p:cNvSpPr/>
+            <p:nvPr/>
+          </p:nvSpPr>
+          <p:spPr>
+            <a:xfrm>
+              <a:off x="13461859" y="2417777"/>
+              <a:ext cx="3057053" cy="239698"/>
+            </a:xfrm>
+            <a:prstGeom prst="rect">
+              <a:avLst/>
+            </a:prstGeom>
+          </p:spPr>
+          <p:style>
+            <a:lnRef idx="3">
+              <a:schemeClr val="lt1"/>
+            </a:lnRef>
+            <a:fillRef idx="1">
+              <a:schemeClr val="accent5"/>
+            </a:fillRef>
+            <a:effectRef idx="1">
+              <a:schemeClr val="accent5"/>
+            </a:effectRef>
+            <a:fontRef idx="minor">
+              <a:schemeClr val="lt1"/>
+            </a:fontRef>
+          </p:style>
+          <p:txBody>
+            <a:bodyPr rtlCol="0" anchor="ctr"/>
+            <a:lstStyle/>
+            <a:p>
+              <a:pPr algn="ctr"/>
+              <a:r>
+                <a:rPr lang="zh-CN" altLang="en-US" sz="1400"/>
+                <a:t>部署 </a:t>
+              </a:r>
+              <a:r>
+                <a:rPr lang="en-US" altLang="zh-CN" sz="1400" err="1"/>
+                <a:t>UserDao</a:t>
+              </a:r>
+              <a:r>
+                <a:rPr lang="en-US" altLang="zh-CN" sz="1400"/>
+                <a:t> </a:t>
+              </a:r>
+              <a:r>
+                <a:rPr lang="zh-CN" altLang="en-US" sz="1400"/>
+                <a:t>接口</a:t>
+              </a:r>
+              <a:r>
+                <a:rPr lang="en-US" altLang="zh-CN" sz="1400"/>
+                <a:t> </a:t>
+              </a:r>
+              <a:endParaRPr lang="zh-CN" altLang="en-US" sz="1400"/>
+            </a:p>
+          </p:txBody>
+        </p:sp>
+        <p:sp>
+          <p:nvSpPr>
+            <p:cNvPr id="15" name="矩形 14">
+              <a:extLst>
+                <a:ext uri="{FF2B5EF4-FFF2-40B4-BE49-F238E27FC236}">
+                  <a16:creationId xmlns:a16="http://schemas.microsoft.com/office/drawing/2014/main" id="{18B088F9-26F6-4F46-9A5E-63425C90177D}"/>
+                </a:ext>
+              </a:extLst>
+            </p:cNvPr>
+            <p:cNvSpPr/>
+            <p:nvPr/>
+          </p:nvSpPr>
+          <p:spPr>
+            <a:xfrm>
+              <a:off x="10404806" y="2417777"/>
+              <a:ext cx="3057053" cy="461639"/>
+            </a:xfrm>
+            <a:prstGeom prst="rect">
+              <a:avLst/>
+            </a:prstGeom>
+          </p:spPr>
+          <p:style>
+            <a:lnRef idx="3">
+              <a:schemeClr val="lt1"/>
+            </a:lnRef>
+            <a:fillRef idx="1">
+              <a:schemeClr val="accent5"/>
+            </a:fillRef>
+            <a:effectRef idx="1">
+              <a:schemeClr val="accent5"/>
+            </a:effectRef>
+            <a:fontRef idx="minor">
+              <a:schemeClr val="lt1"/>
+            </a:fontRef>
+          </p:style>
+          <p:txBody>
+            <a:bodyPr rtlCol="0" anchor="ctr"/>
+            <a:lstStyle/>
+            <a:p>
+              <a:pPr algn="ctr"/>
+              <a:r>
+                <a:rPr lang="en-US" altLang="zh-CN" err="1"/>
+                <a:t>UserDaoImpl</a:t>
+              </a:r>
+              <a:r>
+                <a:rPr lang="en-US" altLang="zh-CN"/>
+                <a:t> </a:t>
+              </a:r>
+              <a:r>
+                <a:rPr lang="zh-CN" altLang="en-US"/>
+                <a:t>类</a:t>
+              </a:r>
+              <a:r>
+                <a:rPr lang="en-US" altLang="zh-CN"/>
+                <a:t>  </a:t>
+              </a:r>
+              <a:endParaRPr lang="zh-CN" altLang="en-US"/>
+            </a:p>
+          </p:txBody>
+        </p:sp>
+        <p:sp>
+          <p:nvSpPr>
+            <p:cNvPr id="16" name="矩形 15">
+              <a:extLst>
+                <a:ext uri="{FF2B5EF4-FFF2-40B4-BE49-F238E27FC236}">
+                  <a16:creationId xmlns:a16="http://schemas.microsoft.com/office/drawing/2014/main" id="{50B8F3D9-28FA-43DE-B097-30763CC1765F}"/>
+                </a:ext>
+              </a:extLst>
+            </p:cNvPr>
+            <p:cNvSpPr/>
+            <p:nvPr/>
+          </p:nvSpPr>
+          <p:spPr>
+            <a:xfrm>
+              <a:off x="5060448" y="1956137"/>
+              <a:ext cx="2672179" cy="461639"/>
+            </a:xfrm>
+            <a:prstGeom prst="rect">
+              <a:avLst/>
+            </a:prstGeom>
+          </p:spPr>
+          <p:style>
+            <a:lnRef idx="3">
+              <a:schemeClr val="lt1"/>
+            </a:lnRef>
+            <a:fillRef idx="1">
+              <a:schemeClr val="accent5"/>
+            </a:fillRef>
+            <a:effectRef idx="1">
+              <a:schemeClr val="accent5"/>
+            </a:effectRef>
+            <a:fontRef idx="minor">
+              <a:schemeClr val="lt1"/>
+            </a:fontRef>
+          </p:style>
+          <p:txBody>
+            <a:bodyPr rtlCol="0" anchor="ctr"/>
+            <a:lstStyle/>
+            <a:p>
+              <a:pPr algn="ctr"/>
+              <a:r>
+                <a:rPr lang="en-US" altLang="zh-CN"/>
+                <a:t>login </a:t>
+              </a:r>
+              <a:r>
+                <a:rPr lang="zh-CN" altLang="en-US"/>
+                <a:t>方法</a:t>
+              </a:r>
+            </a:p>
+          </p:txBody>
+        </p:sp>
+        <p:sp>
+          <p:nvSpPr>
+            <p:cNvPr id="17" name="矩形 16">
+              <a:extLst>
+                <a:ext uri="{FF2B5EF4-FFF2-40B4-BE49-F238E27FC236}">
+                  <a16:creationId xmlns:a16="http://schemas.microsoft.com/office/drawing/2014/main" id="{B56487F3-7C22-4450-A957-A57205BD56CF}"/>
+                </a:ext>
+              </a:extLst>
+            </p:cNvPr>
+            <p:cNvSpPr/>
+            <p:nvPr/>
+          </p:nvSpPr>
+          <p:spPr>
+            <a:xfrm>
+              <a:off x="7732627" y="1956137"/>
+              <a:ext cx="2672179" cy="461639"/>
+            </a:xfrm>
+            <a:prstGeom prst="rect">
+              <a:avLst/>
+            </a:prstGeom>
+          </p:spPr>
+          <p:style>
+            <a:lnRef idx="3">
+              <a:schemeClr val="lt1"/>
+            </a:lnRef>
+            <a:fillRef idx="1">
+              <a:schemeClr val="accent5"/>
+            </a:fillRef>
+            <a:effectRef idx="1">
+              <a:schemeClr val="accent5"/>
+            </a:effectRef>
+            <a:fontRef idx="minor">
+              <a:schemeClr val="lt1"/>
+            </a:fontRef>
+          </p:style>
+          <p:txBody>
+            <a:bodyPr rtlCol="0" anchor="ctr"/>
+            <a:lstStyle/>
+            <a:p>
+              <a:pPr algn="ctr"/>
+              <a:r>
+                <a:rPr lang="en-US" altLang="zh-CN" err="1"/>
+                <a:t>Regist</a:t>
+              </a:r>
+              <a:r>
+                <a:rPr lang="en-US" altLang="zh-CN"/>
+                <a:t> </a:t>
+              </a:r>
+              <a:r>
+                <a:rPr lang="zh-CN" altLang="en-US"/>
+                <a:t>方法 属于</a:t>
+              </a:r>
+            </a:p>
+          </p:txBody>
+        </p:sp>
+        <p:sp>
+          <p:nvSpPr>
+            <p:cNvPr id="18" name="矩形 17">
+              <a:extLst>
+                <a:ext uri="{FF2B5EF4-FFF2-40B4-BE49-F238E27FC236}">
+                  <a16:creationId xmlns:a16="http://schemas.microsoft.com/office/drawing/2014/main" id="{DB62BD0B-E715-4224-8E82-A1451D0422B4}"/>
+                </a:ext>
+              </a:extLst>
+            </p:cNvPr>
+            <p:cNvSpPr/>
+            <p:nvPr/>
+          </p:nvSpPr>
+          <p:spPr>
+            <a:xfrm>
+              <a:off x="5060448" y="2417775"/>
+              <a:ext cx="2672179" cy="461639"/>
+            </a:xfrm>
+            <a:prstGeom prst="rect">
+              <a:avLst/>
+            </a:prstGeom>
+          </p:spPr>
+          <p:style>
+            <a:lnRef idx="3">
+              <a:schemeClr val="lt1"/>
+            </a:lnRef>
+            <a:fillRef idx="1">
+              <a:schemeClr val="accent5"/>
+            </a:fillRef>
+            <a:effectRef idx="1">
+              <a:schemeClr val="accent5"/>
+            </a:effectRef>
+            <a:fontRef idx="minor">
+              <a:schemeClr val="lt1"/>
+            </a:fontRef>
+          </p:style>
+          <p:txBody>
+            <a:bodyPr rtlCol="0" anchor="ctr"/>
+            <a:lstStyle/>
+            <a:p>
+              <a:pPr algn="ctr"/>
+              <a:r>
+                <a:rPr lang="en-US" altLang="zh-CN" sz="1100" err="1"/>
+                <a:t>getUserByUserNameAndPassword</a:t>
+              </a:r>
+              <a:r>
+                <a:rPr lang="en-US" altLang="zh-CN" sz="1100"/>
+                <a:t> </a:t>
+              </a:r>
+              <a:r>
+                <a:rPr lang="zh-CN" altLang="en-US" sz="1100"/>
+                <a:t>方法</a:t>
+              </a:r>
+            </a:p>
+          </p:txBody>
+        </p:sp>
+        <p:sp>
+          <p:nvSpPr>
+            <p:cNvPr id="19" name="矩形 18">
+              <a:extLst>
+                <a:ext uri="{FF2B5EF4-FFF2-40B4-BE49-F238E27FC236}">
+                  <a16:creationId xmlns:a16="http://schemas.microsoft.com/office/drawing/2014/main" id="{8428C5B1-2FA5-46D8-BC35-A4DE9F17CF0C}"/>
+                </a:ext>
+              </a:extLst>
+            </p:cNvPr>
+            <p:cNvSpPr/>
+            <p:nvPr/>
+          </p:nvSpPr>
+          <p:spPr>
+            <a:xfrm>
+              <a:off x="7732627" y="2417775"/>
+              <a:ext cx="2672179" cy="461639"/>
+            </a:xfrm>
+            <a:prstGeom prst="rect">
+              <a:avLst/>
+            </a:prstGeom>
+          </p:spPr>
+          <p:style>
+            <a:lnRef idx="3">
+              <a:schemeClr val="lt1"/>
+            </a:lnRef>
+            <a:fillRef idx="1">
+              <a:schemeClr val="accent5"/>
+            </a:fillRef>
+            <a:effectRef idx="1">
+              <a:schemeClr val="accent5"/>
+            </a:effectRef>
+            <a:fontRef idx="minor">
+              <a:schemeClr val="lt1"/>
+            </a:fontRef>
+          </p:style>
+          <p:txBody>
+            <a:bodyPr rtlCol="0" anchor="ctr"/>
+            <a:lstStyle/>
+            <a:p>
+              <a:pPr algn="ctr"/>
+              <a:r>
+                <a:rPr lang="en-US" altLang="zh-CN" err="1"/>
+                <a:t>registUser</a:t>
+              </a:r>
+              <a:r>
+                <a:rPr lang="en-US" altLang="zh-CN"/>
+                <a:t> </a:t>
+              </a:r>
+              <a:r>
+                <a:rPr lang="zh-CN" altLang="en-US"/>
+                <a:t>方法 属于</a:t>
+              </a:r>
+            </a:p>
+          </p:txBody>
+        </p:sp>
+        <p:sp>
+          <p:nvSpPr>
+            <p:cNvPr id="20" name="矩形 19">
+              <a:extLst>
+                <a:ext uri="{FF2B5EF4-FFF2-40B4-BE49-F238E27FC236}">
+                  <a16:creationId xmlns:a16="http://schemas.microsoft.com/office/drawing/2014/main" id="{C6629624-1269-40CC-A28B-5FAF8CA8E87F}"/>
+                </a:ext>
+              </a:extLst>
+            </p:cNvPr>
+            <p:cNvSpPr/>
+            <p:nvPr/>
+          </p:nvSpPr>
+          <p:spPr>
+            <a:xfrm>
+              <a:off x="10404806" y="2879416"/>
+              <a:ext cx="3057053" cy="461639"/>
+            </a:xfrm>
+            <a:prstGeom prst="rect">
+              <a:avLst/>
+            </a:prstGeom>
+          </p:spPr>
+          <p:style>
+            <a:lnRef idx="3">
+              <a:schemeClr val="lt1"/>
+            </a:lnRef>
+            <a:fillRef idx="1">
+              <a:schemeClr val="accent5"/>
+            </a:fillRef>
+            <a:effectRef idx="1">
+              <a:schemeClr val="accent5"/>
+            </a:effectRef>
+            <a:fontRef idx="minor">
+              <a:schemeClr val="lt1"/>
+            </a:fontRef>
+          </p:style>
+          <p:txBody>
+            <a:bodyPr rtlCol="0" anchor="ctr"/>
+            <a:lstStyle/>
+            <a:p>
+              <a:pPr algn="ctr"/>
+              <a:r>
+                <a:rPr lang="en-US" altLang="zh-CN" err="1"/>
+                <a:t>BaseDao</a:t>
+              </a:r>
+              <a:r>
+                <a:rPr lang="en-US" altLang="zh-CN"/>
+                <a:t> </a:t>
+              </a:r>
+              <a:r>
+                <a:rPr lang="zh-CN" altLang="en-US"/>
+                <a:t>类</a:t>
+              </a:r>
+              <a:r>
+                <a:rPr lang="en-US" altLang="zh-CN"/>
+                <a:t>  </a:t>
+              </a:r>
+              <a:endParaRPr lang="zh-CN" altLang="en-US"/>
+            </a:p>
+          </p:txBody>
+        </p:sp>
+        <p:sp>
+          <p:nvSpPr>
+            <p:cNvPr id="21" name="矩形 20">
+              <a:extLst>
+                <a:ext uri="{FF2B5EF4-FFF2-40B4-BE49-F238E27FC236}">
+                  <a16:creationId xmlns:a16="http://schemas.microsoft.com/office/drawing/2014/main" id="{861C0611-BA41-4662-BA56-1354C50F7A36}"/>
+                </a:ext>
+              </a:extLst>
+            </p:cNvPr>
+            <p:cNvSpPr/>
+            <p:nvPr/>
+          </p:nvSpPr>
+          <p:spPr>
+            <a:xfrm>
+              <a:off x="5060448" y="2879414"/>
+              <a:ext cx="2672179" cy="461639"/>
+            </a:xfrm>
+            <a:prstGeom prst="rect">
+              <a:avLst/>
+            </a:prstGeom>
+          </p:spPr>
+          <p:style>
+            <a:lnRef idx="3">
+              <a:schemeClr val="lt1"/>
+            </a:lnRef>
+            <a:fillRef idx="1">
+              <a:schemeClr val="accent5"/>
+            </a:fillRef>
+            <a:effectRef idx="1">
+              <a:schemeClr val="accent5"/>
+            </a:effectRef>
+            <a:fontRef idx="minor">
+              <a:schemeClr val="lt1"/>
+            </a:fontRef>
+          </p:style>
+          <p:txBody>
+            <a:bodyPr rtlCol="0" anchor="ctr"/>
+            <a:lstStyle/>
+            <a:p>
+              <a:pPr algn="ctr"/>
+              <a:r>
+                <a:rPr lang="en-US" altLang="zh-CN" err="1"/>
+                <a:t>getBean</a:t>
+              </a:r>
+              <a:r>
+                <a:rPr lang="en-US" altLang="zh-CN"/>
+                <a:t> </a:t>
+              </a:r>
+              <a:r>
+                <a:rPr lang="zh-CN" altLang="en-US"/>
+                <a:t>方法</a:t>
+              </a:r>
+            </a:p>
+          </p:txBody>
+        </p:sp>
+        <p:sp>
+          <p:nvSpPr>
+            <p:cNvPr id="22" name="矩形 21">
+              <a:extLst>
+                <a:ext uri="{FF2B5EF4-FFF2-40B4-BE49-F238E27FC236}">
+                  <a16:creationId xmlns:a16="http://schemas.microsoft.com/office/drawing/2014/main" id="{A2735EAE-ABF8-4A7C-8AB9-2EDE0BD3B0C3}"/>
+                </a:ext>
+              </a:extLst>
+            </p:cNvPr>
+            <p:cNvSpPr/>
+            <p:nvPr/>
+          </p:nvSpPr>
+          <p:spPr>
+            <a:xfrm>
+              <a:off x="7732627" y="2879414"/>
+              <a:ext cx="2672179" cy="461639"/>
+            </a:xfrm>
+            <a:prstGeom prst="rect">
+              <a:avLst/>
+            </a:prstGeom>
+          </p:spPr>
+          <p:style>
+            <a:lnRef idx="3">
+              <a:schemeClr val="lt1"/>
+            </a:lnRef>
+            <a:fillRef idx="1">
+              <a:schemeClr val="accent5"/>
+            </a:fillRef>
+            <a:effectRef idx="1">
+              <a:schemeClr val="accent5"/>
+            </a:effectRef>
+            <a:fontRef idx="minor">
+              <a:schemeClr val="lt1"/>
+            </a:fontRef>
+          </p:style>
+          <p:txBody>
+            <a:bodyPr rtlCol="0" anchor="ctr"/>
+            <a:lstStyle/>
+            <a:p>
+              <a:pPr algn="ctr"/>
+              <a:r>
+                <a:rPr lang="en-US" altLang="zh-CN"/>
+                <a:t>update </a:t>
+              </a:r>
+              <a:r>
+                <a:rPr lang="zh-CN" altLang="en-US"/>
+                <a:t>方法 属于</a:t>
+              </a:r>
+            </a:p>
+          </p:txBody>
+        </p:sp>
+        <p:sp>
+          <p:nvSpPr>
+            <p:cNvPr id="23" name="矩形 22">
+              <a:extLst>
+                <a:ext uri="{FF2B5EF4-FFF2-40B4-BE49-F238E27FC236}">
+                  <a16:creationId xmlns:a16="http://schemas.microsoft.com/office/drawing/2014/main" id="{B13BCB91-8001-4616-8D1F-6EAFD37EE3E3}"/>
+                </a:ext>
+              </a:extLst>
+            </p:cNvPr>
+            <p:cNvSpPr/>
+            <p:nvPr/>
+          </p:nvSpPr>
+          <p:spPr>
+            <a:xfrm>
+              <a:off x="13461859" y="2655994"/>
+              <a:ext cx="3057053" cy="223420"/>
+            </a:xfrm>
+            <a:prstGeom prst="rect">
+              <a:avLst/>
+            </a:prstGeom>
+          </p:spPr>
+          <p:style>
+            <a:lnRef idx="3">
+              <a:schemeClr val="lt1"/>
+            </a:lnRef>
+            <a:fillRef idx="1">
+              <a:schemeClr val="accent5"/>
+            </a:fillRef>
+            <a:effectRef idx="1">
+              <a:schemeClr val="accent5"/>
+            </a:effectRef>
+            <a:fontRef idx="minor">
+              <a:schemeClr val="lt1"/>
+            </a:fontRef>
+          </p:style>
+          <p:txBody>
+            <a:bodyPr rtlCol="0" anchor="ctr"/>
+            <a:lstStyle/>
+            <a:p>
+              <a:pPr algn="ctr"/>
+              <a:r>
+                <a:rPr lang="zh-CN" altLang="en-US" sz="1400"/>
+                <a:t>继承 </a:t>
+              </a:r>
+              <a:r>
+                <a:rPr lang="en-US" altLang="zh-CN" sz="1400" err="1"/>
+                <a:t>BaseDao</a:t>
+              </a:r>
+              <a:r>
+                <a:rPr lang="en-US" altLang="zh-CN" sz="1400"/>
+                <a:t> &lt;T&gt; </a:t>
+              </a:r>
+              <a:r>
+                <a:rPr lang="zh-CN" altLang="en-US" sz="1400"/>
+                <a:t>类</a:t>
+              </a:r>
+              <a:r>
+                <a:rPr lang="en-US" altLang="zh-CN" sz="1400"/>
+                <a:t> </a:t>
+              </a:r>
+              <a:endParaRPr lang="zh-CN" altLang="en-US" sz="1400"/>
+            </a:p>
+          </p:txBody>
+        </p:sp>
+        <p:sp>
+          <p:nvSpPr>
+            <p:cNvPr id="24" name="矩形 23">
+              <a:extLst>
+                <a:ext uri="{FF2B5EF4-FFF2-40B4-BE49-F238E27FC236}">
+                  <a16:creationId xmlns:a16="http://schemas.microsoft.com/office/drawing/2014/main" id="{646D8DAA-5521-46E8-8073-71E703A4E1D2}"/>
+                </a:ext>
+              </a:extLst>
+            </p:cNvPr>
+            <p:cNvSpPr/>
+            <p:nvPr/>
+          </p:nvSpPr>
+          <p:spPr>
+            <a:xfrm>
+              <a:off x="5060448" y="3352888"/>
+              <a:ext cx="2672179" cy="239698"/>
+            </a:xfrm>
+            <a:prstGeom prst="rect">
+              <a:avLst/>
+            </a:prstGeom>
+          </p:spPr>
+          <p:style>
+            <a:lnRef idx="3">
+              <a:schemeClr val="lt1"/>
+            </a:lnRef>
+            <a:fillRef idx="1">
+              <a:schemeClr val="accent6"/>
+            </a:fillRef>
+            <a:effectRef idx="1">
+              <a:schemeClr val="accent6"/>
+            </a:effectRef>
+            <a:fontRef idx="minor">
+              <a:schemeClr val="lt1"/>
+            </a:fontRef>
+          </p:style>
+          <p:txBody>
+            <a:bodyPr rtlCol="0" anchor="ctr"/>
+            <a:lstStyle/>
+            <a:p>
+              <a:pPr algn="ctr"/>
+              <a:r>
+                <a:rPr lang="en-US" altLang="zh-CN" sz="1400" err="1"/>
+                <a:t>runner.update</a:t>
+              </a:r>
+              <a:r>
+                <a:rPr lang="en-US" altLang="zh-CN" sz="1400"/>
+                <a:t>(</a:t>
+              </a:r>
+              <a:r>
+                <a:rPr lang="en-US" altLang="zh-CN" sz="1400" err="1"/>
+                <a:t>x,x,x</a:t>
+              </a:r>
+              <a:r>
+                <a:rPr lang="en-US" altLang="zh-CN" sz="1400"/>
+                <a:t>,…)</a:t>
+              </a:r>
+              <a:endParaRPr lang="zh-CN" altLang="en-US" sz="1400"/>
+            </a:p>
+          </p:txBody>
+        </p:sp>
+        <p:sp>
+          <p:nvSpPr>
+            <p:cNvPr id="25" name="矩形 24">
+              <a:extLst>
+                <a:ext uri="{FF2B5EF4-FFF2-40B4-BE49-F238E27FC236}">
+                  <a16:creationId xmlns:a16="http://schemas.microsoft.com/office/drawing/2014/main" id="{E1E0AD6F-7215-4360-8018-6A0ED181C08E}"/>
+                </a:ext>
+              </a:extLst>
+            </p:cNvPr>
+            <p:cNvSpPr/>
+            <p:nvPr/>
+          </p:nvSpPr>
+          <p:spPr>
+            <a:xfrm>
+              <a:off x="5060448" y="3591104"/>
+              <a:ext cx="2672179" cy="254470"/>
+            </a:xfrm>
+            <a:prstGeom prst="rect">
+              <a:avLst/>
+            </a:prstGeom>
+          </p:spPr>
+          <p:style>
+            <a:lnRef idx="3">
+              <a:schemeClr val="lt1"/>
+            </a:lnRef>
+            <a:fillRef idx="1">
+              <a:schemeClr val="accent5"/>
+            </a:fillRef>
+            <a:effectRef idx="1">
+              <a:schemeClr val="accent5"/>
+            </a:effectRef>
+            <a:fontRef idx="minor">
+              <a:schemeClr val="lt1"/>
+            </a:fontRef>
+          </p:style>
+          <p:txBody>
+            <a:bodyPr rtlCol="0" anchor="ctr"/>
+            <a:lstStyle/>
+            <a:p>
+              <a:pPr algn="ctr"/>
+              <a:r>
+                <a:rPr lang="en-US" altLang="zh-CN" sz="1200" err="1"/>
+                <a:t>getconnection</a:t>
+              </a:r>
+              <a:r>
+                <a:rPr lang="en-US" altLang="zh-CN" sz="1200"/>
+                <a:t>() | </a:t>
+              </a:r>
+              <a:r>
+                <a:rPr lang="en-US" altLang="zh-CN" sz="1200" err="1"/>
+                <a:t>releaseconnection</a:t>
+              </a:r>
+              <a:r>
+                <a:rPr lang="en-US" altLang="zh-CN" sz="1200"/>
+                <a:t>()</a:t>
+              </a:r>
+              <a:endParaRPr lang="zh-CN" altLang="en-US" sz="1200"/>
+            </a:p>
+          </p:txBody>
+        </p:sp>
+        <p:sp>
+          <p:nvSpPr>
+            <p:cNvPr id="26" name="矩形 25">
+              <a:extLst>
+                <a:ext uri="{FF2B5EF4-FFF2-40B4-BE49-F238E27FC236}">
+                  <a16:creationId xmlns:a16="http://schemas.microsoft.com/office/drawing/2014/main" id="{2984FA4F-3CFC-4F6F-AC93-830C0C1C0AE0}"/>
+                </a:ext>
+              </a:extLst>
+            </p:cNvPr>
+            <p:cNvSpPr/>
+            <p:nvPr/>
+          </p:nvSpPr>
+          <p:spPr>
+            <a:xfrm>
+              <a:off x="7732627" y="3344760"/>
+              <a:ext cx="2672179" cy="239698"/>
+            </a:xfrm>
+            <a:prstGeom prst="rect">
+              <a:avLst/>
+            </a:prstGeom>
+          </p:spPr>
+          <p:style>
+            <a:lnRef idx="3">
+              <a:schemeClr val="lt1"/>
+            </a:lnRef>
+            <a:fillRef idx="1">
+              <a:schemeClr val="accent6"/>
+            </a:fillRef>
+            <a:effectRef idx="1">
+              <a:schemeClr val="accent6"/>
+            </a:effectRef>
+            <a:fontRef idx="minor">
+              <a:schemeClr val="lt1"/>
+            </a:fontRef>
+          </p:style>
+          <p:txBody>
+            <a:bodyPr rtlCol="0" anchor="ctr"/>
+            <a:lstStyle/>
+            <a:p>
+              <a:pPr algn="ctr"/>
+              <a:r>
+                <a:rPr lang="en-US" altLang="zh-CN" sz="1400"/>
+                <a:t>runner. query(</a:t>
+              </a:r>
+              <a:r>
+                <a:rPr lang="en-US" altLang="zh-CN" sz="1400" err="1"/>
+                <a:t>x,x,x</a:t>
+              </a:r>
+              <a:r>
+                <a:rPr lang="en-US" altLang="zh-CN" sz="1400"/>
+                <a:t>,…)</a:t>
+              </a:r>
+              <a:endParaRPr lang="zh-CN" altLang="en-US" sz="1400"/>
+            </a:p>
+          </p:txBody>
+        </p:sp>
+        <p:sp>
+          <p:nvSpPr>
+            <p:cNvPr id="27" name="矩形 26">
+              <a:extLst>
+                <a:ext uri="{FF2B5EF4-FFF2-40B4-BE49-F238E27FC236}">
+                  <a16:creationId xmlns:a16="http://schemas.microsoft.com/office/drawing/2014/main" id="{7F62D4E7-2380-4890-8754-3F527B0401F8}"/>
+                </a:ext>
+              </a:extLst>
+            </p:cNvPr>
+            <p:cNvSpPr/>
+            <p:nvPr/>
+          </p:nvSpPr>
+          <p:spPr>
+            <a:xfrm>
+              <a:off x="7732627" y="3588163"/>
+              <a:ext cx="2672179" cy="254470"/>
+            </a:xfrm>
+            <a:prstGeom prst="rect">
+              <a:avLst/>
+            </a:prstGeom>
+          </p:spPr>
+          <p:style>
+            <a:lnRef idx="3">
+              <a:schemeClr val="lt1"/>
+            </a:lnRef>
+            <a:fillRef idx="1">
+              <a:schemeClr val="accent5"/>
+            </a:fillRef>
+            <a:effectRef idx="1">
+              <a:schemeClr val="accent5"/>
+            </a:effectRef>
+            <a:fontRef idx="minor">
+              <a:schemeClr val="lt1"/>
+            </a:fontRef>
+          </p:style>
+          <p:txBody>
+            <a:bodyPr rtlCol="0" anchor="ctr"/>
+            <a:lstStyle/>
+            <a:p>
+              <a:pPr algn="ctr"/>
+              <a:r>
+                <a:rPr lang="en-US" altLang="zh-CN" sz="1200" err="1"/>
+                <a:t>getconnection</a:t>
+              </a:r>
+              <a:r>
+                <a:rPr lang="en-US" altLang="zh-CN" sz="1200"/>
+                <a:t>() | </a:t>
+              </a:r>
+              <a:r>
+                <a:rPr lang="en-US" altLang="zh-CN" sz="1200" err="1"/>
+                <a:t>releaseconnection</a:t>
+              </a:r>
+              <a:r>
+                <a:rPr lang="en-US" altLang="zh-CN" sz="1200"/>
+                <a:t>()</a:t>
+              </a:r>
+              <a:endParaRPr lang="zh-CN" altLang="en-US" sz="1200"/>
+            </a:p>
+          </p:txBody>
+        </p:sp>
+        <p:sp>
+          <p:nvSpPr>
+            <p:cNvPr id="28" name="矩形 27">
+              <a:extLst>
+                <a:ext uri="{FF2B5EF4-FFF2-40B4-BE49-F238E27FC236}">
+                  <a16:creationId xmlns:a16="http://schemas.microsoft.com/office/drawing/2014/main" id="{02302D5A-7C2B-4725-A73B-EDDB1A27F861}"/>
+                </a:ext>
+              </a:extLst>
+            </p:cNvPr>
+            <p:cNvSpPr/>
+            <p:nvPr/>
+          </p:nvSpPr>
+          <p:spPr>
+            <a:xfrm>
+              <a:off x="10404806" y="3591104"/>
+              <a:ext cx="3057053" cy="254470"/>
+            </a:xfrm>
+            <a:prstGeom prst="rect">
+              <a:avLst/>
+            </a:prstGeom>
+          </p:spPr>
+          <p:style>
+            <a:lnRef idx="3">
+              <a:schemeClr val="lt1"/>
+            </a:lnRef>
+            <a:fillRef idx="1">
+              <a:schemeClr val="accent5"/>
+            </a:fillRef>
+            <a:effectRef idx="1">
+              <a:schemeClr val="accent5"/>
+            </a:effectRef>
+            <a:fontRef idx="minor">
+              <a:schemeClr val="lt1"/>
+            </a:fontRef>
+          </p:style>
+          <p:txBody>
+            <a:bodyPr rtlCol="0" anchor="ctr"/>
+            <a:lstStyle/>
+            <a:p>
+              <a:pPr algn="ctr"/>
+              <a:r>
+                <a:rPr lang="zh-CN" altLang="en-US" sz="1200"/>
+                <a:t>属于 </a:t>
+              </a:r>
+              <a:r>
+                <a:rPr lang="en-US" altLang="zh-CN" sz="1200"/>
+                <a:t>JDBCUtils </a:t>
+              </a:r>
+              <a:r>
+                <a:rPr lang="zh-CN" altLang="en-US" sz="1200"/>
+                <a:t>类</a:t>
+              </a:r>
+            </a:p>
+          </p:txBody>
+        </p:sp>
+        <p:sp>
+          <p:nvSpPr>
+            <p:cNvPr id="29" name="矩形 28">
+              <a:extLst>
+                <a:ext uri="{FF2B5EF4-FFF2-40B4-BE49-F238E27FC236}">
+                  <a16:creationId xmlns:a16="http://schemas.microsoft.com/office/drawing/2014/main" id="{EFA9971C-114E-45B7-B142-8D724B4BC52D}"/>
+                </a:ext>
+              </a:extLst>
+            </p:cNvPr>
+            <p:cNvSpPr/>
+            <p:nvPr/>
+          </p:nvSpPr>
+          <p:spPr>
+            <a:xfrm>
+              <a:off x="10404806" y="3343996"/>
+              <a:ext cx="3057053" cy="254470"/>
+            </a:xfrm>
+            <a:prstGeom prst="rect">
+              <a:avLst/>
+            </a:prstGeom>
+          </p:spPr>
+          <p:style>
+            <a:lnRef idx="3">
+              <a:schemeClr val="lt1"/>
+            </a:lnRef>
+            <a:fillRef idx="1">
+              <a:schemeClr val="accent6"/>
+            </a:fillRef>
+            <a:effectRef idx="1">
+              <a:schemeClr val="accent6"/>
+            </a:effectRef>
+            <a:fontRef idx="minor">
+              <a:schemeClr val="lt1"/>
+            </a:fontRef>
+          </p:style>
+          <p:txBody>
+            <a:bodyPr rtlCol="0" anchor="ctr"/>
+            <a:lstStyle/>
+            <a:p>
+              <a:pPr algn="ctr"/>
+              <a:r>
+                <a:rPr lang="zh-CN" altLang="en-US" sz="1200"/>
+                <a:t>属于</a:t>
+              </a:r>
+              <a:r>
+                <a:rPr lang="en-US" altLang="zh-CN" sz="1200"/>
+                <a:t> dbutils </a:t>
+              </a:r>
+              <a:r>
+                <a:rPr lang="zh-CN" altLang="en-US" sz="1200"/>
+                <a:t>相关</a:t>
+              </a:r>
+            </a:p>
+          </p:txBody>
+        </p:sp>
+        <p:sp>
+          <p:nvSpPr>
+            <p:cNvPr id="30" name="矩形 29">
+              <a:extLst>
+                <a:ext uri="{FF2B5EF4-FFF2-40B4-BE49-F238E27FC236}">
+                  <a16:creationId xmlns:a16="http://schemas.microsoft.com/office/drawing/2014/main" id="{9B8C2F68-F6AA-45FD-8AAC-AE5781B739E7}"/>
+                </a:ext>
+              </a:extLst>
+            </p:cNvPr>
+            <p:cNvSpPr/>
+            <p:nvPr/>
+          </p:nvSpPr>
+          <p:spPr>
+            <a:xfrm>
+              <a:off x="10404805" y="3842633"/>
+              <a:ext cx="3057053" cy="461639"/>
+            </a:xfrm>
+            <a:prstGeom prst="rect">
+              <a:avLst/>
+            </a:prstGeom>
+          </p:spPr>
+          <p:style>
+            <a:lnRef idx="3">
+              <a:schemeClr val="lt1"/>
+            </a:lnRef>
+            <a:fillRef idx="1">
+              <a:schemeClr val="accent5"/>
+            </a:fillRef>
+            <a:effectRef idx="1">
+              <a:schemeClr val="accent5"/>
+            </a:effectRef>
+            <a:fontRef idx="minor">
+              <a:schemeClr val="lt1"/>
+            </a:fontRef>
+          </p:style>
+          <p:txBody>
+            <a:bodyPr rtlCol="0" anchor="ctr"/>
+            <a:lstStyle/>
+            <a:p>
+              <a:pPr algn="ctr"/>
+              <a:r>
+                <a:rPr lang="zh-CN" altLang="en-US" sz="1200"/>
+                <a:t>属于 </a:t>
+              </a:r>
+              <a:r>
+                <a:rPr lang="en-US" altLang="zh-CN" sz="1200"/>
+                <a:t>C3P0 </a:t>
+              </a:r>
+              <a:r>
+                <a:rPr lang="zh-CN" altLang="en-US" sz="1200"/>
+                <a:t>连接池相关</a:t>
+              </a:r>
+            </a:p>
+          </p:txBody>
+        </p:sp>
+        <p:sp>
+          <p:nvSpPr>
+            <p:cNvPr id="31" name="矩形 30">
+              <a:extLst>
+                <a:ext uri="{FF2B5EF4-FFF2-40B4-BE49-F238E27FC236}">
+                  <a16:creationId xmlns:a16="http://schemas.microsoft.com/office/drawing/2014/main" id="{75C845A0-CDA7-4974-93C2-EC840A88BE41}"/>
+                </a:ext>
+              </a:extLst>
+            </p:cNvPr>
+            <p:cNvSpPr/>
+            <p:nvPr/>
+          </p:nvSpPr>
+          <p:spPr>
+            <a:xfrm>
+              <a:off x="13461859" y="3856775"/>
+              <a:ext cx="3057053" cy="447497"/>
+            </a:xfrm>
+            <a:prstGeom prst="rect">
+              <a:avLst/>
+            </a:prstGeom>
+          </p:spPr>
+          <p:style>
+            <a:lnRef idx="3">
+              <a:schemeClr val="lt1"/>
+            </a:lnRef>
+            <a:fillRef idx="1">
+              <a:schemeClr val="accent5"/>
+            </a:fillRef>
+            <a:effectRef idx="1">
+              <a:schemeClr val="accent5"/>
+            </a:effectRef>
+            <a:fontRef idx="minor">
+              <a:schemeClr val="lt1"/>
+            </a:fontRef>
+          </p:style>
+          <p:txBody>
+            <a:bodyPr rtlCol="0" anchor="ctr"/>
+            <a:lstStyle/>
+            <a:p>
+              <a:pPr algn="ctr"/>
+              <a:r>
+                <a:rPr lang="zh-CN" altLang="en-US" sz="1200"/>
+                <a:t>根据 </a:t>
+              </a:r>
+              <a:r>
+                <a:rPr lang="en-US" altLang="zh-CN" sz="1200"/>
+                <a:t>C3P0 </a:t>
+              </a:r>
+              <a:r>
+                <a:rPr lang="zh-CN" altLang="en-US" sz="1200"/>
+                <a:t>配置文件连接数据库</a:t>
+              </a:r>
+            </a:p>
+          </p:txBody>
+        </p:sp>
+        <p:sp>
+          <p:nvSpPr>
+            <p:cNvPr id="32" name="矩形 31">
+              <a:extLst>
+                <a:ext uri="{FF2B5EF4-FFF2-40B4-BE49-F238E27FC236}">
+                  <a16:creationId xmlns:a16="http://schemas.microsoft.com/office/drawing/2014/main" id="{B32BDA3F-9ECB-457D-848C-D07180453AA2}"/>
+                </a:ext>
+              </a:extLst>
+            </p:cNvPr>
+            <p:cNvSpPr/>
+            <p:nvPr/>
+          </p:nvSpPr>
+          <p:spPr>
+            <a:xfrm>
+              <a:off x="2388267" y="1948365"/>
+              <a:ext cx="2672179" cy="915148"/>
+            </a:xfrm>
+            <a:prstGeom prst="rect">
+              <a:avLst/>
+            </a:prstGeom>
+          </p:spPr>
+          <p:style>
+            <a:lnRef idx="3">
+              <a:schemeClr val="lt1"/>
+            </a:lnRef>
+            <a:fillRef idx="1">
+              <a:schemeClr val="accent2"/>
+            </a:fillRef>
+            <a:effectRef idx="1">
+              <a:schemeClr val="accent2"/>
+            </a:effectRef>
+            <a:fontRef idx="minor">
+              <a:schemeClr val="lt1"/>
+            </a:fontRef>
+          </p:style>
+          <p:txBody>
+            <a:bodyPr rtlCol="0" anchor="ctr"/>
+            <a:lstStyle/>
+            <a:p>
+              <a:pPr algn="ctr"/>
+              <a:r>
+                <a:rPr lang="zh-CN" altLang="en-US"/>
+                <a:t>返回 </a:t>
+              </a:r>
+              <a:r>
+                <a:rPr lang="en-US" altLang="zh-CN"/>
+                <a:t>User </a:t>
+              </a:r>
+              <a:r>
+                <a:rPr lang="zh-CN" altLang="en-US"/>
+                <a:t>类</a:t>
+              </a:r>
+            </a:p>
+          </p:txBody>
+        </p:sp>
+        <p:sp>
+          <p:nvSpPr>
+            <p:cNvPr id="33" name="矩形 32">
+              <a:extLst>
+                <a:ext uri="{FF2B5EF4-FFF2-40B4-BE49-F238E27FC236}">
+                  <a16:creationId xmlns:a16="http://schemas.microsoft.com/office/drawing/2014/main" id="{CA724412-827F-4EF3-9F0D-9255990F3CEB}"/>
+                </a:ext>
+              </a:extLst>
+            </p:cNvPr>
+            <p:cNvSpPr/>
+            <p:nvPr/>
+          </p:nvSpPr>
+          <p:spPr>
+            <a:xfrm>
+              <a:off x="2388267" y="2880900"/>
+              <a:ext cx="2672179" cy="450927"/>
+            </a:xfrm>
+            <a:prstGeom prst="rect">
+              <a:avLst/>
+            </a:prstGeom>
+          </p:spPr>
+          <p:style>
+            <a:lnRef idx="3">
+              <a:schemeClr val="lt1"/>
+            </a:lnRef>
+            <a:fillRef idx="1">
+              <a:schemeClr val="accent2"/>
+            </a:fillRef>
+            <a:effectRef idx="1">
+              <a:schemeClr val="accent2"/>
+            </a:effectRef>
+            <a:fontRef idx="minor">
+              <a:schemeClr val="lt1"/>
+            </a:fontRef>
+          </p:style>
+          <p:txBody>
+            <a:bodyPr rtlCol="0" anchor="ctr"/>
+            <a:lstStyle/>
+            <a:p>
+              <a:pPr algn="ctr"/>
+              <a:r>
+                <a:rPr lang="zh-CN" altLang="en-US" sz="1200"/>
+                <a:t>在</a:t>
+              </a:r>
+              <a:r>
+                <a:rPr lang="en-US" altLang="zh-CN" sz="1200"/>
+                <a:t>BaseDao </a:t>
+              </a:r>
+              <a:r>
+                <a:rPr lang="zh-CN" altLang="en-US" sz="1200"/>
+                <a:t>的</a:t>
+              </a:r>
+              <a:r>
+                <a:rPr lang="en-US" altLang="zh-CN" sz="1200"/>
+                <a:t>getBean </a:t>
+              </a:r>
+              <a:r>
+                <a:rPr lang="zh-CN" altLang="en-US" sz="1200"/>
+                <a:t>方法中返回 </a:t>
+              </a:r>
+              <a:r>
+                <a:rPr lang="en-US" altLang="zh-CN" sz="1200"/>
+                <a:t>T </a:t>
+              </a:r>
+              <a:r>
+                <a:rPr lang="zh-CN" altLang="en-US" sz="1200"/>
+                <a:t>类，只不过此时 </a:t>
+              </a:r>
+              <a:r>
+                <a:rPr lang="en-US" altLang="zh-CN" sz="1200"/>
+                <a:t>T </a:t>
+              </a:r>
+              <a:r>
+                <a:rPr lang="zh-CN" altLang="en-US" sz="1200"/>
+                <a:t>继承为</a:t>
+              </a:r>
+              <a:r>
+                <a:rPr lang="en-US" altLang="zh-CN" sz="1200"/>
+                <a:t>User</a:t>
+              </a:r>
+              <a:r>
+                <a:rPr lang="zh-CN" altLang="en-US" sz="1200"/>
+                <a:t>类</a:t>
+              </a:r>
+            </a:p>
+          </p:txBody>
+        </p:sp>
+        <p:sp>
+          <p:nvSpPr>
+            <p:cNvPr id="34" name="矩形 33">
+              <a:extLst>
+                <a:ext uri="{FF2B5EF4-FFF2-40B4-BE49-F238E27FC236}">
+                  <a16:creationId xmlns:a16="http://schemas.microsoft.com/office/drawing/2014/main" id="{10975A06-E5A2-4492-9D69-E25E847940A4}"/>
+                </a:ext>
+              </a:extLst>
+            </p:cNvPr>
+            <p:cNvSpPr/>
+            <p:nvPr/>
+          </p:nvSpPr>
+          <p:spPr>
+            <a:xfrm>
+              <a:off x="-283912" y="2872306"/>
+              <a:ext cx="2672179" cy="450927"/>
+            </a:xfrm>
+            <a:prstGeom prst="rect">
+              <a:avLst/>
+            </a:prstGeom>
+          </p:spPr>
+          <p:style>
+            <a:lnRef idx="3">
+              <a:schemeClr val="lt1"/>
+            </a:lnRef>
+            <a:fillRef idx="1">
+              <a:schemeClr val="accent2"/>
+            </a:fillRef>
+            <a:effectRef idx="1">
+              <a:schemeClr val="accent2"/>
+            </a:effectRef>
+            <a:fontRef idx="minor">
+              <a:schemeClr val="lt1"/>
+            </a:fontRef>
+          </p:style>
+          <p:txBody>
+            <a:bodyPr rtlCol="0" anchor="ctr"/>
+            <a:lstStyle/>
+            <a:p>
+              <a:pPr algn="ctr"/>
+              <a:r>
+                <a:rPr lang="en-US" altLang="zh-CN" sz="1400"/>
+                <a:t>T </a:t>
+              </a:r>
+              <a:r>
+                <a:rPr lang="zh-CN" altLang="en-US" sz="1400"/>
+                <a:t>类对象在</a:t>
+              </a:r>
+              <a:r>
+                <a:rPr lang="en-US" altLang="zh-CN" sz="1400"/>
+                <a:t>getBean</a:t>
+              </a:r>
+              <a:r>
+                <a:rPr lang="zh-CN" altLang="en-US" sz="1400"/>
+                <a:t>方法中被</a:t>
+              </a:r>
+              <a:r>
+                <a:rPr lang="en-US" altLang="zh-CN" sz="1400"/>
+                <a:t>BeanHandler&lt;&gt;(type)</a:t>
+              </a:r>
+              <a:r>
+                <a:rPr lang="zh-CN" altLang="en-US" sz="1400"/>
+                <a:t>所包装</a:t>
+              </a:r>
+            </a:p>
+          </p:txBody>
+        </p:sp>
+        <p:sp>
+          <p:nvSpPr>
+            <p:cNvPr id="35" name="矩形 34">
+              <a:extLst>
+                <a:ext uri="{FF2B5EF4-FFF2-40B4-BE49-F238E27FC236}">
+                  <a16:creationId xmlns:a16="http://schemas.microsoft.com/office/drawing/2014/main" id="{ADBB8A73-1C32-43C2-B196-D4032EBB47F5}"/>
+                </a:ext>
+              </a:extLst>
+            </p:cNvPr>
+            <p:cNvSpPr/>
+            <p:nvPr/>
+          </p:nvSpPr>
+          <p:spPr>
+            <a:xfrm>
+              <a:off x="-283912" y="3584458"/>
+              <a:ext cx="2672179" cy="450927"/>
+            </a:xfrm>
+            <a:prstGeom prst="rect">
+              <a:avLst/>
+            </a:prstGeom>
+          </p:spPr>
+          <p:style>
+            <a:lnRef idx="3">
+              <a:schemeClr val="lt1"/>
+            </a:lnRef>
+            <a:fillRef idx="1">
+              <a:schemeClr val="accent2"/>
+            </a:fillRef>
+            <a:effectRef idx="1">
+              <a:schemeClr val="accent2"/>
+            </a:effectRef>
+            <a:fontRef idx="minor">
+              <a:schemeClr val="lt1"/>
+            </a:fontRef>
+          </p:style>
+          <p:txBody>
+            <a:bodyPr rtlCol="0" anchor="ctr"/>
+            <a:lstStyle/>
+            <a:p>
+              <a:pPr algn="ctr"/>
+              <a:r>
+                <a:rPr lang="zh-CN" altLang="en-US" sz="1400" b="1"/>
+                <a:t>其中</a:t>
+              </a:r>
+              <a:r>
+                <a:rPr lang="en-US" altLang="zh-CN" sz="1400" b="1"/>
+                <a:t>type: </a:t>
+              </a:r>
+            </a:p>
+            <a:p>
+              <a:pPr algn="ctr"/>
+              <a:r>
+                <a:rPr lang="en-US" altLang="zh-CN" sz="1400" b="1"/>
+                <a:t>private Class&lt;T&gt; type;</a:t>
+              </a:r>
+              <a:endParaRPr lang="zh-CN" altLang="en-US" sz="1400"/>
+            </a:p>
+          </p:txBody>
+        </p:sp>
+        <p:cxnSp>
+          <p:nvCxnSpPr>
+            <p:cNvPr id="36" name="直接箭头连接符 35">
+              <a:extLst>
+                <a:ext uri="{FF2B5EF4-FFF2-40B4-BE49-F238E27FC236}">
+                  <a16:creationId xmlns:a16="http://schemas.microsoft.com/office/drawing/2014/main" id="{6D3EB991-008E-4C6C-97E8-6EBC6719FF1B}"/>
+                </a:ext>
+              </a:extLst>
+            </p:cNvPr>
+            <p:cNvCxnSpPr>
+              <a:cxnSpLocks/>
+              <a:stCxn id="34" idx="2"/>
+              <a:endCxn id="35" idx="0"/>
+            </p:cNvCxnSpPr>
+            <p:nvPr/>
+          </p:nvCxnSpPr>
+          <p:spPr>
+            <a:xfrm>
+              <a:off x="1052178" y="3323233"/>
+              <a:ext cx="0" cy="261225"/>
+            </a:xfrm>
+            <a:prstGeom prst="straightConnector1">
+              <a:avLst/>
+            </a:prstGeom>
+            <a:ln>
+              <a:tailEnd type="triangle"/>
+            </a:ln>
+          </p:spPr>
+          <p:style>
+            <a:lnRef idx="1">
+              <a:schemeClr val="accent1"/>
+            </a:lnRef>
+            <a:fillRef idx="0">
+              <a:schemeClr val="accent1"/>
+            </a:fillRef>
+            <a:effectRef idx="0">
+              <a:schemeClr val="accent1"/>
+            </a:effectRef>
+            <a:fontRef idx="minor">
+              <a:schemeClr val="tx1"/>
+            </a:fontRef>
+          </p:style>
+        </p:cxnSp>
+      </p:grpSp>
+    </p:spTree>
+    <p:extLst>
+      <p:ext uri="{BB962C8B-B14F-4D97-AF65-F5344CB8AC3E}">
+        <p14:creationId xmlns:p14="http://schemas.microsoft.com/office/powerpoint/2010/main" val="738682175"/>
       </p:ext>
     </p:extLst>
   </p:cSld>
